--- a/ClassMaterials/LinkedLists/Slides/Part2-BigO.pptx
+++ b/ClassMaterials/LinkedLists/Slides/Part2-BigO.pptx
@@ -5,24 +5,26 @@
     <p:sldMasterId id="2147484539" r:id="rId4"/>
   </p:sldMasterIdLst>
   <p:notesMasterIdLst>
-    <p:notesMasterId r:id="rId17"/>
+    <p:notesMasterId r:id="rId19"/>
   </p:notesMasterIdLst>
   <p:handoutMasterIdLst>
-    <p:handoutMasterId r:id="rId18"/>
+    <p:handoutMasterId r:id="rId20"/>
   </p:handoutMasterIdLst>
   <p:sldIdLst>
     <p:sldId id="256" r:id="rId5"/>
-    <p:sldId id="278" r:id="rId6"/>
-    <p:sldId id="333" r:id="rId7"/>
-    <p:sldId id="334" r:id="rId8"/>
-    <p:sldId id="335" r:id="rId9"/>
-    <p:sldId id="318" r:id="rId10"/>
-    <p:sldId id="319" r:id="rId11"/>
-    <p:sldId id="320" r:id="rId12"/>
-    <p:sldId id="301" r:id="rId13"/>
-    <p:sldId id="362" r:id="rId14"/>
-    <p:sldId id="332" r:id="rId15"/>
-    <p:sldId id="364" r:id="rId16"/>
+    <p:sldId id="365" r:id="rId6"/>
+    <p:sldId id="278" r:id="rId7"/>
+    <p:sldId id="333" r:id="rId8"/>
+    <p:sldId id="334" r:id="rId9"/>
+    <p:sldId id="335" r:id="rId10"/>
+    <p:sldId id="318" r:id="rId11"/>
+    <p:sldId id="319" r:id="rId12"/>
+    <p:sldId id="320" r:id="rId13"/>
+    <p:sldId id="301" r:id="rId14"/>
+    <p:sldId id="362" r:id="rId15"/>
+    <p:sldId id="332" r:id="rId16"/>
+    <p:sldId id="366" r:id="rId17"/>
+    <p:sldId id="364" r:id="rId18"/>
   </p:sldIdLst>
   <p:sldSz cx="9144000" cy="6858000" type="screen4x3"/>
   <p:notesSz cx="6881813" cy="9296400"/>
@@ -374,7 +376,7 @@
               <a:pPr>
                 <a:defRPr/>
               </a:pPr>
-              <a:t>11/22/2022</a:t>
+              <a:t>2/7/2023</a:t>
             </a:fld>
             <a:endParaRPr lang="en-US"/>
           </a:p>
@@ -609,7 +611,7 @@
               <a:pPr>
                 <a:defRPr/>
               </a:pPr>
-              <a:t>11/22/2022</a:t>
+              <a:t>2/7/2023</a:t>
             </a:fld>
             <a:endParaRPr lang="en-US"/>
           </a:p>
@@ -1016,16 +1018,19 @@
               </a:spcBef>
             </a:pPr>
             <a:r>
+              <a:rPr lang="en-US" dirty="0"/>
+              <a:t>Good day to use:</a:t>
+            </a:r>
+          </a:p>
+          <a:p>
+            <a:pPr eaLnBrk="1" hangingPunct="1">
+              <a:spcBef>
+                <a:spcPct val="0"/>
+              </a:spcBef>
+            </a:pPr>
+            <a:r>
               <a:rPr lang="en-US"/>
-              <a:t>Doing everything in </a:t>
-            </a:r>
-            <a:r>
-              <a:rPr lang="en-US" err="1"/>
-              <a:t>LinkedListSimple</a:t>
-            </a:r>
-            <a:r>
-              <a:rPr lang="en-US"/>
-              <a:t> today</a:t>
+              <a:t>https://rosepseudorandom.web.app/</a:t>
             </a:r>
           </a:p>
           <a:p>
@@ -1043,7 +1048,26 @@
               </a:spcBef>
             </a:pPr>
             <a:r>
-              <a:rPr lang="en-US"/>
+              <a:rPr lang="en-US" dirty="0"/>
+              <a:t>Doing everything in </a:t>
+            </a:r>
+            <a:r>
+              <a:rPr lang="en-US" dirty="0" err="1"/>
+              <a:t>LinkedListSimple</a:t>
+            </a:r>
+            <a:r>
+              <a:rPr lang="en-US" dirty="0"/>
+              <a:t> today</a:t>
+            </a:r>
+          </a:p>
+          <a:p>
+            <a:pPr eaLnBrk="1" hangingPunct="1">
+              <a:spcBef>
+                <a:spcPct val="0"/>
+              </a:spcBef>
+            </a:pPr>
+            <a:r>
+              <a:rPr lang="en-US" dirty="0"/>
               <a:t>Quiz given in next slide</a:t>
             </a:r>
           </a:p>
@@ -1107,7 +1131,7 @@
       </p:grpSpPr>
       <p:sp>
         <p:nvSpPr>
-          <p:cNvPr id="40962" name="Rectangle 2"/>
+          <p:cNvPr id="65538" name="Slide Image Placeholder 1"/>
           <p:cNvSpPr>
             <a:spLocks noGrp="1" noRot="1" noChangeAspect="1" noTextEdit="1"/>
           </p:cNvSpPr>
@@ -1129,7 +1153,7 @@
       </p:sp>
       <p:sp>
         <p:nvSpPr>
-          <p:cNvPr id="40963" name="Rectangle 3"/>
+          <p:cNvPr id="65539" name="Notes Placeholder 2"/>
           <p:cNvSpPr>
             <a:spLocks noGrp="1"/>
           </p:cNvSpPr>
@@ -1146,56 +1170,62 @@
           <a:lstStyle/>
           <a:p>
             <a:r>
-              <a:rPr lang="en-US" dirty="0"/>
-              <a:t>Big-Oh of each?</a:t>
-            </a:r>
-          </a:p>
-          <a:p>
-            <a:endParaRPr lang="en-US" dirty="0"/>
-          </a:p>
-          <a:p>
-            <a:r>
-              <a:rPr lang="en-US" sz="1200" kern="1200" dirty="0">
-                <a:solidFill>
-                  <a:schemeClr val="tx1"/>
-                </a:solidFill>
-                <a:latin typeface="+mn-lt"/>
-                <a:ea typeface="+mn-ea"/>
-                <a:cs typeface="+mn-cs"/>
-              </a:rPr>
-              <a:t>All of the operations perform as could be expected for a doubly-linked list. </a:t>
-            </a:r>
-          </a:p>
-          <a:p>
-            <a:endParaRPr lang="en-US" sz="1200" kern="1200" dirty="0">
-              <a:solidFill>
-                <a:schemeClr val="tx1"/>
-              </a:solidFill>
-              <a:latin typeface="+mn-lt"/>
-              <a:ea typeface="+mn-ea"/>
-              <a:cs typeface="+mn-cs"/>
-            </a:endParaRPr>
-          </a:p>
-          <a:p>
-            <a:r>
-              <a:rPr lang="en-US" sz="1200" kern="1200" dirty="0">
-                <a:solidFill>
-                  <a:schemeClr val="tx1"/>
-                </a:solidFill>
-                <a:latin typeface="+mn-lt"/>
-                <a:ea typeface="+mn-ea"/>
-                <a:cs typeface="+mn-cs"/>
-              </a:rPr>
-              <a:t>Thus, these operations all take O(1) time. – except for remove last</a:t>
-            </a:r>
-            <a:endParaRPr lang="en-US" dirty="0"/>
+              <a:rPr lang="en-US"/>
+              <a:t>- Examples: employee list, music play list</a:t>
+            </a:r>
+          </a:p>
+          <a:p>
+            <a:r>
+              <a:rPr lang="en-US"/>
+              <a:t>Sketch a linked list on the board</a:t>
+            </a:r>
+            <a:r>
+              <a:rPr lang="en-US" baseline="0"/>
+              <a:t> for “two more weeks” (quiz #3)</a:t>
+            </a:r>
+            <a:endParaRPr lang="en-US"/>
+          </a:p>
+          <a:p>
+            <a:endParaRPr lang="en-US"/>
+          </a:p>
+          <a:p>
+            <a:r>
+              <a:rPr lang="en-US"/>
+              <a:t>Then show insertion and deletion.  </a:t>
+            </a:r>
+          </a:p>
+        </p:txBody>
+      </p:sp>
+      <p:sp>
+        <p:nvSpPr>
+          <p:cNvPr id="65540" name="Slide Number Placeholder 3"/>
+          <p:cNvSpPr>
+            <a:spLocks noGrp="1"/>
+          </p:cNvSpPr>
+          <p:nvPr>
+            <p:ph type="sldNum" sz="quarter" idx="5"/>
+          </p:nvPr>
+        </p:nvSpPr>
+        <p:spPr>
+          <a:noFill/>
+        </p:spPr>
+        <p:txBody>
+          <a:bodyPr/>
+          <a:lstStyle/>
+          <a:p>
+            <a:fld id="{DBC8B16D-3522-4DF2-8915-4B0542FC956A}" type="slidenum">
+              <a:rPr lang="en-US" smtClean="0"/>
+              <a:pPr/>
+              <a:t>10</a:t>
+            </a:fld>
+            <a:endParaRPr lang="en-US"/>
           </a:p>
         </p:txBody>
       </p:sp>
     </p:spTree>
     <p:extLst>
       <p:ext uri="{BB962C8B-B14F-4D97-AF65-F5344CB8AC3E}">
-        <p14:creationId xmlns:p14="http://schemas.microsoft.com/office/powerpoint/2010/main" val="2944510501"/>
+        <p14:creationId xmlns:p14="http://schemas.microsoft.com/office/powerpoint/2010/main" val="3647241296"/>
       </p:ext>
     </p:extLst>
   </p:cSld>
@@ -1224,6 +1254,123 @@
       </p:grpSpPr>
       <p:sp>
         <p:nvSpPr>
+          <p:cNvPr id="40962" name="Rectangle 2"/>
+          <p:cNvSpPr>
+            <a:spLocks noGrp="1" noRot="1" noChangeAspect="1" noTextEdit="1"/>
+          </p:cNvSpPr>
+          <p:nvPr>
+            <p:ph type="sldImg"/>
+          </p:nvPr>
+        </p:nvSpPr>
+        <p:spPr bwMode="auto">
+          <a:noFill/>
+          <a:ln>
+            <a:solidFill>
+              <a:srgbClr val="000000"/>
+            </a:solidFill>
+            <a:miter lim="800000"/>
+            <a:headEnd/>
+            <a:tailEnd/>
+          </a:ln>
+        </p:spPr>
+      </p:sp>
+      <p:sp>
+        <p:nvSpPr>
+          <p:cNvPr id="40963" name="Rectangle 3"/>
+          <p:cNvSpPr>
+            <a:spLocks noGrp="1"/>
+          </p:cNvSpPr>
+          <p:nvPr>
+            <p:ph type="body" idx="1"/>
+          </p:nvPr>
+        </p:nvSpPr>
+        <p:spPr>
+          <a:noFill/>
+          <a:ln/>
+        </p:spPr>
+        <p:txBody>
+          <a:bodyPr/>
+          <a:lstStyle/>
+          <a:p>
+            <a:r>
+              <a:rPr lang="en-US" dirty="0"/>
+              <a:t>Big-Oh of each?</a:t>
+            </a:r>
+          </a:p>
+          <a:p>
+            <a:endParaRPr lang="en-US" dirty="0"/>
+          </a:p>
+          <a:p>
+            <a:r>
+              <a:rPr lang="en-US" sz="1200" kern="1200" dirty="0">
+                <a:solidFill>
+                  <a:schemeClr val="tx1"/>
+                </a:solidFill>
+                <a:latin typeface="+mn-lt"/>
+                <a:ea typeface="+mn-ea"/>
+                <a:cs typeface="+mn-cs"/>
+              </a:rPr>
+              <a:t>All of the operations perform as could be expected for a doubly-linked list. </a:t>
+            </a:r>
+          </a:p>
+          <a:p>
+            <a:endParaRPr lang="en-US" sz="1200" kern="1200" dirty="0">
+              <a:solidFill>
+                <a:schemeClr val="tx1"/>
+              </a:solidFill>
+              <a:latin typeface="+mn-lt"/>
+              <a:ea typeface="+mn-ea"/>
+              <a:cs typeface="+mn-cs"/>
+            </a:endParaRPr>
+          </a:p>
+          <a:p>
+            <a:r>
+              <a:rPr lang="en-US" sz="1200" kern="1200" dirty="0">
+                <a:solidFill>
+                  <a:schemeClr val="tx1"/>
+                </a:solidFill>
+                <a:latin typeface="+mn-lt"/>
+                <a:ea typeface="+mn-ea"/>
+                <a:cs typeface="+mn-cs"/>
+              </a:rPr>
+              <a:t>Thus, these operations all take O(1) time. – except for remove last</a:t>
+            </a:r>
+            <a:endParaRPr lang="en-US" dirty="0"/>
+          </a:p>
+        </p:txBody>
+      </p:sp>
+    </p:spTree>
+    <p:extLst>
+      <p:ext uri="{BB962C8B-B14F-4D97-AF65-F5344CB8AC3E}">
+        <p14:creationId xmlns:p14="http://schemas.microsoft.com/office/powerpoint/2010/main" val="2944510501"/>
+      </p:ext>
+    </p:extLst>
+  </p:cSld>
+  <p:clrMapOvr>
+    <a:masterClrMapping/>
+  </p:clrMapOvr>
+</p:notes>
+</file>
+
+<file path=ppt/notesSlides/notesSlide12.xml><?xml version="1.0" encoding="utf-8"?>
+<p:notes xmlns:a="http://schemas.openxmlformats.org/drawingml/2006/main" xmlns:r="http://schemas.openxmlformats.org/officeDocument/2006/relationships" xmlns:p="http://schemas.openxmlformats.org/presentationml/2006/main">
+  <p:cSld>
+    <p:spTree>
+      <p:nvGrpSpPr>
+        <p:cNvPr id="1" name=""/>
+        <p:cNvGrpSpPr/>
+        <p:nvPr/>
+      </p:nvGrpSpPr>
+      <p:grpSpPr>
+        <a:xfrm>
+          <a:off x="0" y="0"/>
+          <a:ext cx="0" cy="0"/>
+          <a:chOff x="0" y="0"/>
+          <a:chExt cx="0" cy="0"/>
+        </a:xfrm>
+      </p:grpSpPr>
+      <p:sp>
+        <p:nvSpPr>
           <p:cNvPr id="2" name="Slide Image Placeholder 1"/>
           <p:cNvSpPr>
             <a:spLocks noGrp="1" noRot="1" noChangeAspect="1"/>
@@ -1276,7 +1423,7 @@
               <a:pPr>
                 <a:defRPr/>
               </a:pPr>
-              <a:t>11</a:t>
+              <a:t>12</a:t>
             </a:fld>
             <a:endParaRPr lang="en-US"/>
           </a:p>
@@ -1314,29 +1461,19 @@
       </p:grpSpPr>
       <p:sp>
         <p:nvSpPr>
-          <p:cNvPr id="38914" name="Slide Image Placeholder 1"/>
-          <p:cNvSpPr>
-            <a:spLocks noGrp="1" noRot="1" noChangeAspect="1" noTextEdit="1"/>
+          <p:cNvPr id="2" name="Slide Image Placeholder 1"/>
+          <p:cNvSpPr>
+            <a:spLocks noGrp="1" noRot="1" noChangeAspect="1"/>
           </p:cNvSpPr>
           <p:nvPr>
             <p:ph type="sldImg"/>
           </p:nvPr>
         </p:nvSpPr>
-        <p:spPr bwMode="auto">
-          <a:noFill/>
-          <a:ln>
-            <a:solidFill>
-              <a:srgbClr val="000000"/>
-            </a:solidFill>
-            <a:miter lim="800000"/>
-            <a:headEnd/>
-            <a:tailEnd/>
-          </a:ln>
-        </p:spPr>
-      </p:sp>
-      <p:sp>
-        <p:nvSpPr>
-          <p:cNvPr id="38915" name="Notes Placeholder 2"/>
+        <p:spPr/>
+      </p:sp>
+      <p:sp>
+        <p:nvSpPr>
+          <p:cNvPr id="3" name="Notes Placeholder 2"/>
           <p:cNvSpPr>
             <a:spLocks noGrp="1"/>
           </p:cNvSpPr>
@@ -1344,24 +1481,43 @@
             <p:ph type="body" idx="1"/>
           </p:nvPr>
         </p:nvSpPr>
-        <p:spPr>
-          <a:noFill/>
-          <a:ln/>
-        </p:spPr>
+        <p:spPr/>
         <p:txBody>
           <a:bodyPr/>
           <a:lstStyle/>
           <a:p>
             <a:r>
-              <a:rPr lang="en-US"/>
-              <a:t>Q: Have to move all the other elements up or down to make/use room.  O(n)</a:t>
-            </a:r>
-          </a:p>
-        </p:txBody>
-      </p:sp>
-      <p:sp>
-        <p:nvSpPr>
-          <p:cNvPr id="38916" name="Slide Number Placeholder 3"/>
+              <a:rPr lang="en-US" dirty="0"/>
+              <a:t>Code is in the solution. Try to add using </a:t>
+            </a:r>
+            <a:r>
+              <a:rPr lang="en-US" dirty="0" err="1"/>
+              <a:t>addAtEnd</a:t>
+            </a:r>
+            <a:r>
+              <a:rPr lang="en-US" dirty="0"/>
+              <a:t> FIRST and then </a:t>
+            </a:r>
+            <a:r>
+              <a:rPr lang="en-US" dirty="0" err="1"/>
+              <a:t>addAtBeginning</a:t>
+            </a:r>
+            <a:r>
+              <a:rPr lang="en-US" dirty="0"/>
+              <a:t> second.</a:t>
+            </a:r>
+          </a:p>
+          <a:p>
+            <a:r>
+              <a:rPr lang="en-US" dirty="0"/>
+              <a:t>Ask students to guess which will take longer/short- how much shorter longer?</a:t>
+            </a:r>
+          </a:p>
+        </p:txBody>
+      </p:sp>
+      <p:sp>
+        <p:nvSpPr>
+          <p:cNvPr id="4" name="Slide Number Placeholder 3"/>
           <p:cNvSpPr>
             <a:spLocks noGrp="1"/>
           </p:cNvSpPr>
@@ -1369,16 +1525,19 @@
             <p:ph type="sldNum" sz="quarter" idx="5"/>
           </p:nvPr>
         </p:nvSpPr>
-        <p:spPr>
-          <a:noFill/>
-        </p:spPr>
+        <p:spPr/>
         <p:txBody>
           <a:bodyPr/>
           <a:lstStyle/>
           <a:p>
-            <a:fld id="{44E6C81E-B2A6-437F-BF75-B7739F182E02}" type="slidenum">
+            <a:pPr>
+              <a:defRPr/>
+            </a:pPr>
+            <a:fld id="{BDF97A26-8EDD-4564-9705-85BE5B01BB34}" type="slidenum">
               <a:rPr lang="en-US" smtClean="0"/>
-              <a:pPr/>
+              <a:pPr>
+                <a:defRPr/>
+              </a:pPr>
               <a:t>2</a:t>
             </a:fld>
             <a:endParaRPr lang="en-US"/>
@@ -1388,7 +1547,7 @@
     </p:spTree>
     <p:extLst>
       <p:ext uri="{BB962C8B-B14F-4D97-AF65-F5344CB8AC3E}">
-        <p14:creationId xmlns:p14="http://schemas.microsoft.com/office/powerpoint/2010/main" val="3971722243"/>
+        <p14:creationId xmlns:p14="http://schemas.microsoft.com/office/powerpoint/2010/main" val="4050687906"/>
       </p:ext>
     </p:extLst>
   </p:cSld>
@@ -1491,7 +1650,7 @@
     </p:spTree>
     <p:extLst>
       <p:ext uri="{BB962C8B-B14F-4D97-AF65-F5344CB8AC3E}">
-        <p14:creationId xmlns:p14="http://schemas.microsoft.com/office/powerpoint/2010/main" val="147840720"/>
+        <p14:creationId xmlns:p14="http://schemas.microsoft.com/office/powerpoint/2010/main" val="3971722243"/>
       </p:ext>
     </p:extLst>
   </p:cSld>
@@ -1594,7 +1753,7 @@
     </p:spTree>
     <p:extLst>
       <p:ext uri="{BB962C8B-B14F-4D97-AF65-F5344CB8AC3E}">
-        <p14:creationId xmlns:p14="http://schemas.microsoft.com/office/powerpoint/2010/main" val="469131989"/>
+        <p14:creationId xmlns:p14="http://schemas.microsoft.com/office/powerpoint/2010/main" val="147840720"/>
       </p:ext>
     </p:extLst>
   </p:cSld>
@@ -1697,7 +1856,7 @@
     </p:spTree>
     <p:extLst>
       <p:ext uri="{BB962C8B-B14F-4D97-AF65-F5344CB8AC3E}">
-        <p14:creationId xmlns:p14="http://schemas.microsoft.com/office/powerpoint/2010/main" val="2808565418"/>
+        <p14:creationId xmlns:p14="http://schemas.microsoft.com/office/powerpoint/2010/main" val="469131989"/>
       </p:ext>
     </p:extLst>
   </p:cSld>
@@ -1726,19 +1885,29 @@
       </p:grpSpPr>
       <p:sp>
         <p:nvSpPr>
-          <p:cNvPr id="2" name="Slide Image Placeholder 1"/>
-          <p:cNvSpPr>
-            <a:spLocks noGrp="1" noRot="1" noChangeAspect="1"/>
+          <p:cNvPr id="38914" name="Slide Image Placeholder 1"/>
+          <p:cNvSpPr>
+            <a:spLocks noGrp="1" noRot="1" noChangeAspect="1" noTextEdit="1"/>
           </p:cNvSpPr>
           <p:nvPr>
             <p:ph type="sldImg"/>
           </p:nvPr>
         </p:nvSpPr>
-        <p:spPr/>
-      </p:sp>
-      <p:sp>
-        <p:nvSpPr>
-          <p:cNvPr id="3" name="Notes Placeholder 2"/>
+        <p:spPr bwMode="auto">
+          <a:noFill/>
+          <a:ln>
+            <a:solidFill>
+              <a:srgbClr val="000000"/>
+            </a:solidFill>
+            <a:miter lim="800000"/>
+            <a:headEnd/>
+            <a:tailEnd/>
+          </a:ln>
+        </p:spPr>
+      </p:sp>
+      <p:sp>
+        <p:nvSpPr>
+          <p:cNvPr id="38915" name="Notes Placeholder 2"/>
           <p:cNvSpPr>
             <a:spLocks noGrp="1"/>
           </p:cNvSpPr>
@@ -1746,38 +1915,41 @@
             <p:ph type="body" idx="1"/>
           </p:nvPr>
         </p:nvSpPr>
-        <p:spPr/>
+        <p:spPr>
+          <a:noFill/>
+          <a:ln/>
+        </p:spPr>
         <p:txBody>
           <a:bodyPr/>
           <a:lstStyle/>
           <a:p>
-            <a:endParaRPr lang="en-US"/>
-          </a:p>
-        </p:txBody>
-      </p:sp>
-      <p:sp>
-        <p:nvSpPr>
-          <p:cNvPr id="4" name="Slide Number Placeholder 3"/>
-          <p:cNvSpPr>
-            <a:spLocks noGrp="1"/>
-          </p:cNvSpPr>
-          <p:nvPr>
-            <p:ph type="sldNum" sz="quarter" idx="10"/>
-          </p:nvPr>
-        </p:nvSpPr>
-        <p:spPr/>
+            <a:r>
+              <a:rPr lang="en-US"/>
+              <a:t>Q: Have to move all the other elements up or down to make/use room.  O(n)</a:t>
+            </a:r>
+          </a:p>
+        </p:txBody>
+      </p:sp>
+      <p:sp>
+        <p:nvSpPr>
+          <p:cNvPr id="38916" name="Slide Number Placeholder 3"/>
+          <p:cNvSpPr>
+            <a:spLocks noGrp="1"/>
+          </p:cNvSpPr>
+          <p:nvPr>
+            <p:ph type="sldNum" sz="quarter" idx="5"/>
+          </p:nvPr>
+        </p:nvSpPr>
+        <p:spPr>
+          <a:noFill/>
+        </p:spPr>
         <p:txBody>
           <a:bodyPr/>
           <a:lstStyle/>
           <a:p>
-            <a:pPr>
-              <a:defRPr/>
-            </a:pPr>
-            <a:fld id="{BDF97A26-8EDD-4564-9705-85BE5B01BB34}" type="slidenum">
+            <a:fld id="{44E6C81E-B2A6-437F-BF75-B7739F182E02}" type="slidenum">
               <a:rPr lang="en-US" smtClean="0"/>
-              <a:pPr>
-                <a:defRPr/>
-              </a:pPr>
+              <a:pPr/>
               <a:t>6</a:t>
             </a:fld>
             <a:endParaRPr lang="en-US"/>
@@ -1787,7 +1959,7 @@
     </p:spTree>
     <p:extLst>
       <p:ext uri="{BB962C8B-B14F-4D97-AF65-F5344CB8AC3E}">
-        <p14:creationId xmlns:p14="http://schemas.microsoft.com/office/powerpoint/2010/main" val="317362217"/>
+        <p14:creationId xmlns:p14="http://schemas.microsoft.com/office/powerpoint/2010/main" val="2808565418"/>
       </p:ext>
     </p:extLst>
   </p:cSld>
@@ -1841,14 +2013,6 @@
           <a:bodyPr/>
           <a:lstStyle/>
           <a:p>
-            <a:r>
-              <a:rPr lang="en-US"/>
-              <a:t>We care about which part of the expression grows the fastest as n,</a:t>
-            </a:r>
-            <a:r>
-              <a:rPr lang="en-US" baseline="0"/>
-              <a:t> the input size, grows.</a:t>
-            </a:r>
             <a:endParaRPr lang="en-US"/>
           </a:p>
         </p:txBody>
@@ -1885,7 +2049,7 @@
     </p:spTree>
     <p:extLst>
       <p:ext uri="{BB962C8B-B14F-4D97-AF65-F5344CB8AC3E}">
-        <p14:creationId xmlns:p14="http://schemas.microsoft.com/office/powerpoint/2010/main" val="1864529778"/>
+        <p14:creationId xmlns:p14="http://schemas.microsoft.com/office/powerpoint/2010/main" val="317362217"/>
       </p:ext>
     </p:extLst>
   </p:cSld>
@@ -1939,6 +2103,14 @@
           <a:bodyPr/>
           <a:lstStyle/>
           <a:p>
+            <a:r>
+              <a:rPr lang="en-US"/>
+              <a:t>We care about which part of the expression grows the fastest as n,</a:t>
+            </a:r>
+            <a:r>
+              <a:rPr lang="en-US" baseline="0"/>
+              <a:t> the input size, grows.</a:t>
+            </a:r>
             <a:endParaRPr lang="en-US"/>
           </a:p>
         </p:txBody>
@@ -1975,7 +2147,7 @@
     </p:spTree>
     <p:extLst>
       <p:ext uri="{BB962C8B-B14F-4D97-AF65-F5344CB8AC3E}">
-        <p14:creationId xmlns:p14="http://schemas.microsoft.com/office/powerpoint/2010/main" val="1455335898"/>
+        <p14:creationId xmlns:p14="http://schemas.microsoft.com/office/powerpoint/2010/main" val="1864529778"/>
       </p:ext>
     </p:extLst>
   </p:cSld>
@@ -2004,29 +2176,19 @@
       </p:grpSpPr>
       <p:sp>
         <p:nvSpPr>
-          <p:cNvPr id="65538" name="Slide Image Placeholder 1"/>
-          <p:cNvSpPr>
-            <a:spLocks noGrp="1" noRot="1" noChangeAspect="1" noTextEdit="1"/>
+          <p:cNvPr id="2" name="Slide Image Placeholder 1"/>
+          <p:cNvSpPr>
+            <a:spLocks noGrp="1" noRot="1" noChangeAspect="1"/>
           </p:cNvSpPr>
           <p:nvPr>
             <p:ph type="sldImg"/>
           </p:nvPr>
         </p:nvSpPr>
-        <p:spPr bwMode="auto">
-          <a:noFill/>
-          <a:ln>
-            <a:solidFill>
-              <a:srgbClr val="000000"/>
-            </a:solidFill>
-            <a:miter lim="800000"/>
-            <a:headEnd/>
-            <a:tailEnd/>
-          </a:ln>
-        </p:spPr>
-      </p:sp>
-      <p:sp>
-        <p:nvSpPr>
-          <p:cNvPr id="65539" name="Notes Placeholder 2"/>
+        <p:spPr/>
+      </p:sp>
+      <p:sp>
+        <p:nvSpPr>
+          <p:cNvPr id="3" name="Notes Placeholder 2"/>
           <p:cNvSpPr>
             <a:spLocks noGrp="1"/>
           </p:cNvSpPr>
@@ -2034,61 +2196,38 @@
             <p:ph type="body" idx="1"/>
           </p:nvPr>
         </p:nvSpPr>
-        <p:spPr>
-          <a:noFill/>
-          <a:ln/>
-        </p:spPr>
+        <p:spPr/>
         <p:txBody>
           <a:bodyPr/>
           <a:lstStyle/>
           <a:p>
-            <a:r>
-              <a:rPr lang="en-US"/>
-              <a:t>- Examples: employee list, music play list</a:t>
-            </a:r>
-          </a:p>
-          <a:p>
-            <a:r>
-              <a:rPr lang="en-US"/>
-              <a:t>Sketch a linked list on the board</a:t>
-            </a:r>
-            <a:r>
-              <a:rPr lang="en-US" baseline="0"/>
-              <a:t> for “two more weeks” (quiz #3)</a:t>
-            </a:r>
             <a:endParaRPr lang="en-US"/>
           </a:p>
-          <a:p>
-            <a:endParaRPr lang="en-US"/>
-          </a:p>
-          <a:p>
-            <a:r>
-              <a:rPr lang="en-US"/>
-              <a:t>Then show insertion and deletion.  </a:t>
-            </a:r>
-          </a:p>
-        </p:txBody>
-      </p:sp>
-      <p:sp>
-        <p:nvSpPr>
-          <p:cNvPr id="65540" name="Slide Number Placeholder 3"/>
-          <p:cNvSpPr>
-            <a:spLocks noGrp="1"/>
-          </p:cNvSpPr>
-          <p:nvPr>
-            <p:ph type="sldNum" sz="quarter" idx="5"/>
-          </p:nvPr>
-        </p:nvSpPr>
-        <p:spPr>
-          <a:noFill/>
-        </p:spPr>
+        </p:txBody>
+      </p:sp>
+      <p:sp>
+        <p:nvSpPr>
+          <p:cNvPr id="4" name="Slide Number Placeholder 3"/>
+          <p:cNvSpPr>
+            <a:spLocks noGrp="1"/>
+          </p:cNvSpPr>
+          <p:nvPr>
+            <p:ph type="sldNum" sz="quarter" idx="10"/>
+          </p:nvPr>
+        </p:nvSpPr>
+        <p:spPr/>
         <p:txBody>
           <a:bodyPr/>
           <a:lstStyle/>
           <a:p>
-            <a:fld id="{DBC8B16D-3522-4DF2-8915-4B0542FC956A}" type="slidenum">
+            <a:pPr>
+              <a:defRPr/>
+            </a:pPr>
+            <a:fld id="{BDF97A26-8EDD-4564-9705-85BE5B01BB34}" type="slidenum">
               <a:rPr lang="en-US" smtClean="0"/>
-              <a:pPr/>
+              <a:pPr>
+                <a:defRPr/>
+              </a:pPr>
               <a:t>9</a:t>
             </a:fld>
             <a:endParaRPr lang="en-US"/>
@@ -2098,7 +2237,7 @@
     </p:spTree>
     <p:extLst>
       <p:ext uri="{BB962C8B-B14F-4D97-AF65-F5344CB8AC3E}">
-        <p14:creationId xmlns:p14="http://schemas.microsoft.com/office/powerpoint/2010/main" val="3647241296"/>
+        <p14:creationId xmlns:p14="http://schemas.microsoft.com/office/powerpoint/2010/main" val="1455335898"/>
       </p:ext>
     </p:extLst>
   </p:cSld>
@@ -2293,7 +2432,7 @@
               <a:pPr>
                 <a:defRPr/>
               </a:pPr>
-              <a:t>Tuesday, November 22, 2022</a:t>
+              <a:t>Tuesday, February 7, 2023</a:t>
             </a:fld>
             <a:endParaRPr lang="en-US"/>
           </a:p>
@@ -2476,7 +2615,7 @@
               <a:pPr>
                 <a:defRPr/>
               </a:pPr>
-              <a:t>Tuesday, November 22, 2022</a:t>
+              <a:t>Tuesday, February 7, 2023</a:t>
             </a:fld>
             <a:endParaRPr lang="en-US"/>
           </a:p>
@@ -2669,7 +2808,7 @@
               <a:pPr>
                 <a:defRPr/>
               </a:pPr>
-              <a:t>Tuesday, November 22, 2022</a:t>
+              <a:t>Tuesday, February 7, 2023</a:t>
             </a:fld>
             <a:endParaRPr lang="en-US"/>
           </a:p>
@@ -2852,7 +2991,7 @@
               <a:pPr>
                 <a:defRPr/>
               </a:pPr>
-              <a:t>Tuesday, November 22, 2022</a:t>
+              <a:t>Tuesday, February 7, 2023</a:t>
             </a:fld>
             <a:endParaRPr lang="en-US"/>
           </a:p>
@@ -3112,7 +3251,7 @@
               <a:pPr>
                 <a:defRPr/>
               </a:pPr>
-              <a:t>Tuesday, November 22, 2022</a:t>
+              <a:t>Tuesday, February 7, 2023</a:t>
             </a:fld>
             <a:endParaRPr lang="en-US"/>
           </a:p>
@@ -3412,7 +3551,7 @@
               <a:pPr>
                 <a:defRPr/>
               </a:pPr>
-              <a:t>Tuesday, November 22, 2022</a:t>
+              <a:t>Tuesday, February 7, 2023</a:t>
             </a:fld>
             <a:endParaRPr lang="en-US"/>
           </a:p>
@@ -3846,7 +3985,7 @@
               <a:pPr>
                 <a:defRPr/>
               </a:pPr>
-              <a:t>Tuesday, November 22, 2022</a:t>
+              <a:t>Tuesday, February 7, 2023</a:t>
             </a:fld>
             <a:endParaRPr lang="en-US"/>
           </a:p>
@@ -3978,7 +4117,7 @@
               <a:pPr>
                 <a:defRPr/>
               </a:pPr>
-              <a:t>Tuesday, November 22, 2022</a:t>
+              <a:t>Tuesday, February 7, 2023</a:t>
             </a:fld>
             <a:endParaRPr lang="en-US"/>
           </a:p>
@@ -4088,7 +4227,7 @@
               <a:pPr>
                 <a:defRPr/>
               </a:pPr>
-              <a:t>Tuesday, November 22, 2022</a:t>
+              <a:t>Tuesday, February 7, 2023</a:t>
             </a:fld>
             <a:endParaRPr lang="en-US"/>
           </a:p>
@@ -4378,7 +4517,7 @@
               <a:pPr>
                 <a:defRPr/>
               </a:pPr>
-              <a:t>Tuesday, November 22, 2022</a:t>
+              <a:t>Tuesday, February 7, 2023</a:t>
             </a:fld>
             <a:endParaRPr lang="en-US"/>
           </a:p>
@@ -4645,7 +4784,7 @@
               <a:pPr>
                 <a:defRPr/>
               </a:pPr>
-              <a:t>Tuesday, November 22, 2022</a:t>
+              <a:t>Tuesday, February 7, 2023</a:t>
             </a:fld>
             <a:endParaRPr lang="en-US"/>
           </a:p>
@@ -4871,7 +5010,7 @@
               <a:pPr>
                 <a:defRPr/>
               </a:pPr>
-              <a:t>Tuesday, November 22, 2022</a:t>
+              <a:t>Tuesday, February 7, 2023</a:t>
             </a:fld>
             <a:endParaRPr lang="en-US"/>
           </a:p>
@@ -5518,2009 +5657,6 @@
 </file>
 
 <file path=ppt/slides/slide10.xml><?xml version="1.0" encoding="utf-8"?>
-<p:sld xmlns:a="http://schemas.openxmlformats.org/drawingml/2006/main" xmlns:r="http://schemas.openxmlformats.org/officeDocument/2006/relationships" xmlns:p="http://schemas.openxmlformats.org/presentationml/2006/main">
-  <p:cSld>
-    <p:spTree>
-      <p:nvGrpSpPr>
-        <p:cNvPr id="1" name=""/>
-        <p:cNvGrpSpPr/>
-        <p:nvPr/>
-      </p:nvGrpSpPr>
-      <p:grpSpPr>
-        <a:xfrm>
-          <a:off x="0" y="0"/>
-          <a:ext cx="0" cy="0"/>
-          <a:chOff x="0" y="0"/>
-          <a:chExt cx="0" cy="0"/>
-        </a:xfrm>
-      </p:grpSpPr>
-      <p:sp>
-        <p:nvSpPr>
-          <p:cNvPr id="3" name="Title 2"/>
-          <p:cNvSpPr>
-            <a:spLocks noGrp="1"/>
-          </p:cNvSpPr>
-          <p:nvPr>
-            <p:ph type="title"/>
-          </p:nvPr>
-        </p:nvSpPr>
-        <p:spPr/>
-        <p:txBody>
-          <a:bodyPr>
-            <a:normAutofit fontScale="90000"/>
-          </a:bodyPr>
-          <a:lstStyle/>
-          <a:p>
-            <a:pPr>
-              <a:defRPr/>
-            </a:pPr>
-            <a:r>
-              <a:rPr lang="en-US" dirty="0">
-                <a:latin typeface="Lucida Sans Typewriter" pitchFamily="49" charset="0"/>
-              </a:rPr>
-              <a:t>Big-O LinkedList&lt;E&gt;</a:t>
-            </a:r>
-            <a:r>
-              <a:rPr lang="en-US" dirty="0"/>
-              <a:t> Methods?</a:t>
-            </a:r>
-          </a:p>
-        </p:txBody>
-      </p:sp>
-      <p:sp>
-        <p:nvSpPr>
-          <p:cNvPr id="2" name="Content Placeholder 1"/>
-          <p:cNvSpPr>
-            <a:spLocks noGrp="1"/>
-          </p:cNvSpPr>
-          <p:nvPr>
-            <p:ph idx="1"/>
-          </p:nvPr>
-        </p:nvSpPr>
-        <p:spPr>
-          <a:xfrm>
-            <a:off x="431800" y="1168400"/>
-            <a:ext cx="8229600" cy="4525963"/>
-          </a:xfrm>
-        </p:spPr>
-        <p:txBody>
-          <a:bodyPr>
-            <a:normAutofit/>
-          </a:bodyPr>
-          <a:lstStyle/>
-          <a:p>
-            <a:pPr>
-              <a:buFont typeface="+mj-lt"/>
-              <a:buAutoNum type="arabicPeriod"/>
-              <a:tabLst>
-                <a:tab pos="4564063" algn="l"/>
-              </a:tabLst>
-              <a:defRPr/>
-            </a:pPr>
-            <a:r>
-              <a:rPr lang="en-US" sz="1800" b="1" dirty="0">
-                <a:latin typeface="Courier New" panose="02070309020205020404" pitchFamily="49" charset="0"/>
-                <a:cs typeface="Courier New" panose="02070309020205020404" pitchFamily="49" charset="0"/>
-              </a:rPr>
-              <a:t>void</a:t>
-            </a:r>
-            <a:r>
-              <a:rPr lang="en-US" sz="1800" dirty="0">
-                <a:latin typeface="Courier New" panose="02070309020205020404" pitchFamily="49" charset="0"/>
-                <a:cs typeface="Courier New" panose="02070309020205020404" pitchFamily="49" charset="0"/>
-              </a:rPr>
-              <a:t> </a:t>
-            </a:r>
-            <a:r>
-              <a:rPr lang="en-US" sz="1800" dirty="0" err="1">
-                <a:latin typeface="Courier New" panose="02070309020205020404" pitchFamily="49" charset="0"/>
-                <a:cs typeface="Courier New" panose="02070309020205020404" pitchFamily="49" charset="0"/>
-              </a:rPr>
-              <a:t>addFirst</a:t>
-            </a:r>
-            <a:r>
-              <a:rPr lang="en-US" sz="1800" dirty="0">
-                <a:latin typeface="Courier New" panose="02070309020205020404" pitchFamily="49" charset="0"/>
-                <a:cs typeface="Courier New" panose="02070309020205020404" pitchFamily="49" charset="0"/>
-              </a:rPr>
-              <a:t>(E element)	_____________</a:t>
-            </a:r>
-          </a:p>
-          <a:p>
-            <a:pPr>
-              <a:buFont typeface="+mj-lt"/>
-              <a:buAutoNum type="arabicPeriod"/>
-              <a:tabLst>
-                <a:tab pos="4564063" algn="l"/>
-              </a:tabLst>
-              <a:defRPr/>
-            </a:pPr>
-            <a:r>
-              <a:rPr lang="en-US" sz="1800" b="1" dirty="0">
-                <a:latin typeface="Courier New" panose="02070309020205020404" pitchFamily="49" charset="0"/>
-                <a:cs typeface="Courier New" panose="02070309020205020404" pitchFamily="49" charset="0"/>
-              </a:rPr>
-              <a:t>void</a:t>
-            </a:r>
-            <a:r>
-              <a:rPr lang="en-US" sz="1800" dirty="0">
-                <a:latin typeface="Courier New" panose="02070309020205020404" pitchFamily="49" charset="0"/>
-                <a:cs typeface="Courier New" panose="02070309020205020404" pitchFamily="49" charset="0"/>
-              </a:rPr>
-              <a:t> </a:t>
-            </a:r>
-            <a:r>
-              <a:rPr lang="en-US" sz="1800" dirty="0" err="1">
-                <a:latin typeface="Courier New" panose="02070309020205020404" pitchFamily="49" charset="0"/>
-                <a:cs typeface="Courier New" panose="02070309020205020404" pitchFamily="49" charset="0"/>
-              </a:rPr>
-              <a:t>addLast</a:t>
-            </a:r>
-            <a:r>
-              <a:rPr lang="en-US" sz="1800" dirty="0">
-                <a:latin typeface="Courier New" panose="02070309020205020404" pitchFamily="49" charset="0"/>
-                <a:cs typeface="Courier New" panose="02070309020205020404" pitchFamily="49" charset="0"/>
-              </a:rPr>
-              <a:t>(E element) 	_____________</a:t>
-            </a:r>
-          </a:p>
-          <a:p>
-            <a:pPr>
-              <a:buFont typeface="+mj-lt"/>
-              <a:buAutoNum type="arabicPeriod"/>
-              <a:tabLst>
-                <a:tab pos="4564063" algn="l"/>
-              </a:tabLst>
-              <a:defRPr/>
-            </a:pPr>
-            <a:r>
-              <a:rPr lang="en-US" sz="1800" dirty="0">
-                <a:latin typeface="Courier New" panose="02070309020205020404" pitchFamily="49" charset="0"/>
-                <a:cs typeface="Courier New" panose="02070309020205020404" pitchFamily="49" charset="0"/>
-              </a:rPr>
-              <a:t>E </a:t>
-            </a:r>
-            <a:r>
-              <a:rPr lang="en-US" sz="1800" dirty="0" err="1">
-                <a:latin typeface="Courier New" panose="02070309020205020404" pitchFamily="49" charset="0"/>
-                <a:cs typeface="Courier New" panose="02070309020205020404" pitchFamily="49" charset="0"/>
-              </a:rPr>
-              <a:t>getFirst</a:t>
-            </a:r>
-            <a:r>
-              <a:rPr lang="en-US" sz="1800" dirty="0">
-                <a:latin typeface="Courier New" panose="02070309020205020404" pitchFamily="49" charset="0"/>
-                <a:cs typeface="Courier New" panose="02070309020205020404" pitchFamily="49" charset="0"/>
-              </a:rPr>
-              <a:t>() 	_____________</a:t>
-            </a:r>
-          </a:p>
-          <a:p>
-            <a:pPr>
-              <a:buFont typeface="+mj-lt"/>
-              <a:buAutoNum type="arabicPeriod"/>
-              <a:tabLst>
-                <a:tab pos="4564063" algn="l"/>
-              </a:tabLst>
-              <a:defRPr/>
-            </a:pPr>
-            <a:r>
-              <a:rPr lang="en-US" sz="1800" dirty="0">
-                <a:latin typeface="Courier New" panose="02070309020205020404" pitchFamily="49" charset="0"/>
-                <a:cs typeface="Courier New" panose="02070309020205020404" pitchFamily="49" charset="0"/>
-              </a:rPr>
-              <a:t>E </a:t>
-            </a:r>
-            <a:r>
-              <a:rPr lang="en-US" sz="1800" dirty="0" err="1">
-                <a:latin typeface="Courier New" panose="02070309020205020404" pitchFamily="49" charset="0"/>
-                <a:cs typeface="Courier New" panose="02070309020205020404" pitchFamily="49" charset="0"/>
-              </a:rPr>
-              <a:t>getLast</a:t>
-            </a:r>
-            <a:r>
-              <a:rPr lang="en-US" sz="1800" dirty="0">
-                <a:latin typeface="Courier New" panose="02070309020205020404" pitchFamily="49" charset="0"/>
-                <a:cs typeface="Courier New" panose="02070309020205020404" pitchFamily="49" charset="0"/>
-              </a:rPr>
-              <a:t>() 	_____________</a:t>
-            </a:r>
-          </a:p>
-          <a:p>
-            <a:pPr>
-              <a:buFont typeface="+mj-lt"/>
-              <a:buAutoNum type="arabicPeriod"/>
-              <a:tabLst>
-                <a:tab pos="4564063" algn="l"/>
-              </a:tabLst>
-              <a:defRPr/>
-            </a:pPr>
-            <a:r>
-              <a:rPr lang="en-US" sz="1800" dirty="0">
-                <a:latin typeface="Courier New" panose="02070309020205020404" pitchFamily="49" charset="0"/>
-                <a:cs typeface="Courier New" panose="02070309020205020404" pitchFamily="49" charset="0"/>
-              </a:rPr>
-              <a:t>E </a:t>
-            </a:r>
-            <a:r>
-              <a:rPr lang="en-US" sz="1800" dirty="0" err="1">
-                <a:latin typeface="Courier New" panose="02070309020205020404" pitchFamily="49" charset="0"/>
-                <a:cs typeface="Courier New" panose="02070309020205020404" pitchFamily="49" charset="0"/>
-              </a:rPr>
-              <a:t>removeFirst</a:t>
-            </a:r>
-            <a:r>
-              <a:rPr lang="en-US" sz="1800" dirty="0">
-                <a:latin typeface="Courier New" panose="02070309020205020404" pitchFamily="49" charset="0"/>
-                <a:cs typeface="Courier New" panose="02070309020205020404" pitchFamily="49" charset="0"/>
-              </a:rPr>
-              <a:t>() 	_____________</a:t>
-            </a:r>
-          </a:p>
-          <a:p>
-            <a:pPr>
-              <a:buFont typeface="+mj-lt"/>
-              <a:buAutoNum type="arabicPeriod"/>
-              <a:tabLst>
-                <a:tab pos="4564063" algn="l"/>
-              </a:tabLst>
-              <a:defRPr/>
-            </a:pPr>
-            <a:r>
-              <a:rPr lang="en-US" sz="1800" dirty="0">
-                <a:latin typeface="Courier New" panose="02070309020205020404" pitchFamily="49" charset="0"/>
-                <a:cs typeface="Courier New" panose="02070309020205020404" pitchFamily="49" charset="0"/>
-              </a:rPr>
-              <a:t>E </a:t>
-            </a:r>
-            <a:r>
-              <a:rPr lang="en-US" sz="1800" dirty="0" err="1">
-                <a:latin typeface="Courier New" panose="02070309020205020404" pitchFamily="49" charset="0"/>
-                <a:cs typeface="Courier New" panose="02070309020205020404" pitchFamily="49" charset="0"/>
-              </a:rPr>
-              <a:t>removeLast</a:t>
-            </a:r>
-            <a:r>
-              <a:rPr lang="en-US" sz="1800" dirty="0">
-                <a:latin typeface="Courier New" panose="02070309020205020404" pitchFamily="49" charset="0"/>
-                <a:cs typeface="Courier New" panose="02070309020205020404" pitchFamily="49" charset="0"/>
-              </a:rPr>
-              <a:t>() 	_____________</a:t>
-            </a:r>
-          </a:p>
-        </p:txBody>
-      </p:sp>
-      <p:pic>
-        <p:nvPicPr>
-          <p:cNvPr id="6" name="Picture 5" descr="Diagram&#10;&#10;Description automatically generated">
-            <a:extLst>
-              <a:ext uri="{FF2B5EF4-FFF2-40B4-BE49-F238E27FC236}">
-                <a16:creationId xmlns:a16="http://schemas.microsoft.com/office/drawing/2014/main" id="{0E398C1E-07A8-AF43-FBA9-9D5691F0B2C1}"/>
-              </a:ext>
-            </a:extLst>
-          </p:cNvPr>
-          <p:cNvPicPr>
-            <a:picLocks noChangeAspect="1"/>
-          </p:cNvPicPr>
-          <p:nvPr/>
-        </p:nvPicPr>
-        <p:blipFill>
-          <a:blip r:embed="rId3">
-            <a:extLst>
-              <a:ext uri="{28A0092B-C50C-407E-A947-70E740481C1C}">
-                <a14:useLocalDpi xmlns:a14="http://schemas.microsoft.com/office/drawing/2010/main" val="0"/>
-              </a:ext>
-            </a:extLst>
-          </a:blip>
-          <a:stretch>
-            <a:fillRect/>
-          </a:stretch>
-        </p:blipFill>
-        <p:spPr>
-          <a:xfrm>
-            <a:off x="1752600" y="3335159"/>
-            <a:ext cx="7391399" cy="3472041"/>
-          </a:xfrm>
-          <a:prstGeom prst="rect">
-            <a:avLst/>
-          </a:prstGeom>
-        </p:spPr>
-      </p:pic>
-      <p:sp>
-        <p:nvSpPr>
-          <p:cNvPr id="8" name="TextBox 7">
-            <a:extLst>
-              <a:ext uri="{FF2B5EF4-FFF2-40B4-BE49-F238E27FC236}">
-                <a16:creationId xmlns:a16="http://schemas.microsoft.com/office/drawing/2014/main" id="{9A9A88DE-C271-0B69-4EAA-E29A4B89C1CE}"/>
-              </a:ext>
-            </a:extLst>
-          </p:cNvPr>
-          <p:cNvSpPr txBox="1"/>
-          <p:nvPr/>
-        </p:nvSpPr>
-        <p:spPr>
-          <a:xfrm>
-            <a:off x="304800" y="5488434"/>
-            <a:ext cx="2286000" cy="646331"/>
-          </a:xfrm>
-          <a:prstGeom prst="rect">
-            <a:avLst/>
-          </a:prstGeom>
-          <a:solidFill>
-            <a:srgbClr val="9BBB59"/>
-          </a:solidFill>
-        </p:spPr>
-        <p:txBody>
-          <a:bodyPr wrap="square" rtlCol="0">
-            <a:spAutoFit/>
-          </a:bodyPr>
-          <a:lstStyle/>
-          <a:p>
-            <a:r>
-              <a:rPr lang="en-US" dirty="0" err="1"/>
-              <a:t>HWSinglyLinkedList</a:t>
-            </a:r>
-            <a:endParaRPr lang="en-US" dirty="0"/>
-          </a:p>
-          <a:p>
-            <a:r>
-              <a:rPr lang="en-US" dirty="0"/>
-              <a:t>LL adds this!</a:t>
-            </a:r>
-          </a:p>
-        </p:txBody>
-      </p:sp>
-      <p:cxnSp>
-        <p:nvCxnSpPr>
-          <p:cNvPr id="9" name="Straight Arrow Connector 8">
-            <a:extLst>
-              <a:ext uri="{FF2B5EF4-FFF2-40B4-BE49-F238E27FC236}">
-                <a16:creationId xmlns:a16="http://schemas.microsoft.com/office/drawing/2014/main" id="{B38CD262-458F-B2A2-FE1F-79E7B230021F}"/>
-              </a:ext>
-            </a:extLst>
-          </p:cNvPr>
-          <p:cNvCxnSpPr>
-            <a:cxnSpLocks/>
-          </p:cNvCxnSpPr>
-          <p:nvPr/>
-        </p:nvCxnSpPr>
-        <p:spPr>
-          <a:xfrm flipV="1">
-            <a:off x="1460500" y="4684986"/>
-            <a:ext cx="584200" cy="840234"/>
-          </a:xfrm>
-          <a:prstGeom prst="straightConnector1">
-            <a:avLst/>
-          </a:prstGeom>
-          <a:ln>
-            <a:tailEnd type="triangle"/>
-          </a:ln>
-        </p:spPr>
-        <p:style>
-          <a:lnRef idx="3">
-            <a:schemeClr val="accent3"/>
-          </a:lnRef>
-          <a:fillRef idx="0">
-            <a:schemeClr val="accent3"/>
-          </a:fillRef>
-          <a:effectRef idx="2">
-            <a:schemeClr val="accent3"/>
-          </a:effectRef>
-          <a:fontRef idx="minor">
-            <a:schemeClr val="tx1"/>
-          </a:fontRef>
-        </p:style>
-      </p:cxnSp>
-    </p:spTree>
-  </p:cSld>
-  <p:clrMapOvr>
-    <a:masterClrMapping/>
-  </p:clrMapOvr>
-</p:sld>
-</file>
-
-<file path=ppt/slides/slide11.xml><?xml version="1.0" encoding="utf-8"?>
-<p:sld xmlns:a="http://schemas.openxmlformats.org/drawingml/2006/main" xmlns:r="http://schemas.openxmlformats.org/officeDocument/2006/relationships" xmlns:p="http://schemas.openxmlformats.org/presentationml/2006/main">
-  <p:cSld>
-    <p:spTree>
-      <p:nvGrpSpPr>
-        <p:cNvPr id="1" name=""/>
-        <p:cNvGrpSpPr/>
-        <p:nvPr/>
-      </p:nvGrpSpPr>
-      <p:grpSpPr>
-        <a:xfrm>
-          <a:off x="0" y="0"/>
-          <a:ext cx="0" cy="0"/>
-          <a:chOff x="0" y="0"/>
-          <a:chExt cx="0" cy="0"/>
-        </a:xfrm>
-      </p:grpSpPr>
-      <p:sp>
-        <p:nvSpPr>
-          <p:cNvPr id="2" name="Title 1"/>
-          <p:cNvSpPr>
-            <a:spLocks noGrp="1"/>
-          </p:cNvSpPr>
-          <p:nvPr>
-            <p:ph type="title"/>
-          </p:nvPr>
-        </p:nvSpPr>
-        <p:spPr/>
-        <p:txBody>
-          <a:bodyPr/>
-          <a:lstStyle/>
-          <a:p>
-            <a:r>
-              <a:rPr lang="en-US" dirty="0"/>
-              <a:t>Homework</a:t>
-            </a:r>
-          </a:p>
-        </p:txBody>
-      </p:sp>
-      <p:sp>
-        <p:nvSpPr>
-          <p:cNvPr id="3" name="Content Placeholder 2"/>
-          <p:cNvSpPr>
-            <a:spLocks noGrp="1"/>
-          </p:cNvSpPr>
-          <p:nvPr>
-            <p:ph idx="1"/>
-          </p:nvPr>
-        </p:nvSpPr>
-        <p:spPr/>
-        <p:txBody>
-          <a:bodyPr/>
-          <a:lstStyle/>
-          <a:p>
-            <a:r>
-              <a:rPr lang="en-US" dirty="0" err="1"/>
-              <a:t>SinglyLinkedList</a:t>
-            </a:r>
-            <a:endParaRPr lang="en-US" dirty="0"/>
-          </a:p>
-          <a:p>
-            <a:pPr lvl="1"/>
-            <a:r>
-              <a:rPr lang="en-US" dirty="0"/>
-              <a:t>Requires you to implement a </a:t>
-            </a:r>
-            <a:r>
-              <a:rPr lang="en-US" dirty="0" err="1"/>
-              <a:t>SinglyLinkedList</a:t>
-            </a:r>
-            <a:endParaRPr lang="en-US" dirty="0"/>
-          </a:p>
-          <a:p>
-            <a:pPr lvl="1"/>
-            <a:r>
-              <a:rPr lang="en-US" dirty="0"/>
-              <a:t>Additional algorithm questions which make use of the </a:t>
-            </a:r>
-            <a:r>
-              <a:rPr lang="en-US" dirty="0" err="1"/>
-              <a:t>SinglyLinkedList</a:t>
-            </a:r>
-            <a:endParaRPr lang="en-US" dirty="0"/>
-          </a:p>
-          <a:p>
-            <a:pPr lvl="1"/>
-            <a:r>
-              <a:rPr lang="en-US" dirty="0"/>
-              <a:t>Will give you remaining class time to work on it</a:t>
-            </a:r>
-          </a:p>
-          <a:p>
-            <a:pPr lvl="1"/>
-            <a:r>
-              <a:rPr lang="en-US" dirty="0"/>
-              <a:t>If you complete it, work on the project!</a:t>
-            </a:r>
-          </a:p>
-        </p:txBody>
-      </p:sp>
-      <p:pic>
-        <p:nvPicPr>
-          <p:cNvPr id="4" name="Picture 3">
-            <a:extLst>
-              <a:ext uri="{FF2B5EF4-FFF2-40B4-BE49-F238E27FC236}">
-                <a16:creationId xmlns:a16="http://schemas.microsoft.com/office/drawing/2014/main" id="{9F3A5D25-7A76-2B60-9201-E8FAE44621A1}"/>
-              </a:ext>
-            </a:extLst>
-          </p:cNvPr>
-          <p:cNvPicPr>
-            <a:picLocks noChangeAspect="1"/>
-          </p:cNvPicPr>
-          <p:nvPr/>
-        </p:nvPicPr>
-        <p:blipFill>
-          <a:blip r:embed="rId3"/>
-          <a:stretch>
-            <a:fillRect/>
-          </a:stretch>
-        </p:blipFill>
-        <p:spPr>
-          <a:xfrm>
-            <a:off x="0" y="4894809"/>
-            <a:ext cx="9144000" cy="1437564"/>
-          </a:xfrm>
-          <a:prstGeom prst="rect">
-            <a:avLst/>
-          </a:prstGeom>
-        </p:spPr>
-      </p:pic>
-    </p:spTree>
-    <p:extLst>
-      <p:ext uri="{BB962C8B-B14F-4D97-AF65-F5344CB8AC3E}">
-        <p14:creationId xmlns:p14="http://schemas.microsoft.com/office/powerpoint/2010/main" val="1503594254"/>
-      </p:ext>
-    </p:extLst>
-  </p:cSld>
-  <p:clrMapOvr>
-    <a:masterClrMapping/>
-  </p:clrMapOvr>
-</p:sld>
-</file>
-
-<file path=ppt/slides/slide12.xml><?xml version="1.0" encoding="utf-8"?>
-<p:sld xmlns:a="http://schemas.openxmlformats.org/drawingml/2006/main" xmlns:r="http://schemas.openxmlformats.org/officeDocument/2006/relationships" xmlns:p="http://schemas.openxmlformats.org/presentationml/2006/main">
-  <p:cSld>
-    <p:spTree>
-      <p:nvGrpSpPr>
-        <p:cNvPr id="1" name=""/>
-        <p:cNvGrpSpPr/>
-        <p:nvPr/>
-      </p:nvGrpSpPr>
-      <p:grpSpPr>
-        <a:xfrm>
-          <a:off x="0" y="0"/>
-          <a:ext cx="0" cy="0"/>
-          <a:chOff x="0" y="0"/>
-          <a:chExt cx="0" cy="0"/>
-        </a:xfrm>
-      </p:grpSpPr>
-      <p:sp>
-        <p:nvSpPr>
-          <p:cNvPr id="2" name="Title 1">
-            <a:extLst>
-              <a:ext uri="{FF2B5EF4-FFF2-40B4-BE49-F238E27FC236}">
-                <a16:creationId xmlns:a16="http://schemas.microsoft.com/office/drawing/2014/main" id="{3DD631E5-6B40-B7E3-1155-9F3DEA6AB02A}"/>
-              </a:ext>
-            </a:extLst>
-          </p:cNvPr>
-          <p:cNvSpPr>
-            <a:spLocks noGrp="1"/>
-          </p:cNvSpPr>
-          <p:nvPr>
-            <p:ph type="title"/>
-          </p:nvPr>
-        </p:nvSpPr>
-        <p:spPr/>
-        <p:txBody>
-          <a:bodyPr>
-            <a:noAutofit/>
-          </a:bodyPr>
-          <a:lstStyle/>
-          <a:p>
-            <a:r>
-              <a:rPr lang="en-US" sz="2000" dirty="0">
-                <a:hlinkClick r:id="rId2"/>
-              </a:rPr>
-              <a:t>https://docs.google.com/document/d/1clux-u0PxHU62nhjKWmv0MQc3uhcdZTODo3FRUD1ptU/edit?usp=sharing</a:t>
-            </a:r>
-            <a:br>
-              <a:rPr lang="en-US" sz="2000" dirty="0"/>
-            </a:br>
-            <a:endParaRPr lang="en-US" sz="2000" dirty="0"/>
-          </a:p>
-        </p:txBody>
-      </p:sp>
-      <p:pic>
-        <p:nvPicPr>
-          <p:cNvPr id="3" name="Picture 2">
-            <a:extLst>
-              <a:ext uri="{FF2B5EF4-FFF2-40B4-BE49-F238E27FC236}">
-                <a16:creationId xmlns:a16="http://schemas.microsoft.com/office/drawing/2014/main" id="{95F89113-B8BE-AC05-B787-5A8BCDD6ADFF}"/>
-              </a:ext>
-            </a:extLst>
-          </p:cNvPr>
-          <p:cNvPicPr>
-            <a:picLocks noChangeAspect="1"/>
-          </p:cNvPicPr>
-          <p:nvPr/>
-        </p:nvPicPr>
-        <p:blipFill>
-          <a:blip r:embed="rId3"/>
-          <a:stretch>
-            <a:fillRect/>
-          </a:stretch>
-        </p:blipFill>
-        <p:spPr>
-          <a:xfrm>
-            <a:off x="-28903" y="1417638"/>
-            <a:ext cx="9144000" cy="4776952"/>
-          </a:xfrm>
-          <a:prstGeom prst="rect">
-            <a:avLst/>
-          </a:prstGeom>
-        </p:spPr>
-      </p:pic>
-    </p:spTree>
-    <p:extLst>
-      <p:ext uri="{BB962C8B-B14F-4D97-AF65-F5344CB8AC3E}">
-        <p14:creationId xmlns:p14="http://schemas.microsoft.com/office/powerpoint/2010/main" val="3800278728"/>
-      </p:ext>
-    </p:extLst>
-  </p:cSld>
-  <p:clrMapOvr>
-    <a:masterClrMapping/>
-  </p:clrMapOvr>
-</p:sld>
-</file>
-
-<file path=ppt/slides/slide2.xml><?xml version="1.0" encoding="utf-8"?>
-<p:sld xmlns:a="http://schemas.openxmlformats.org/drawingml/2006/main" xmlns:r="http://schemas.openxmlformats.org/officeDocument/2006/relationships" xmlns:p="http://schemas.openxmlformats.org/presentationml/2006/main">
-  <p:cSld>
-    <p:spTree>
-      <p:nvGrpSpPr>
-        <p:cNvPr id="1" name=""/>
-        <p:cNvGrpSpPr/>
-        <p:nvPr/>
-      </p:nvGrpSpPr>
-      <p:grpSpPr>
-        <a:xfrm>
-          <a:off x="0" y="0"/>
-          <a:ext cx="0" cy="0"/>
-          <a:chOff x="0" y="0"/>
-          <a:chExt cx="0" cy="0"/>
-        </a:xfrm>
-      </p:grpSpPr>
-      <p:sp>
-        <p:nvSpPr>
-          <p:cNvPr id="4" name="Title 3"/>
-          <p:cNvSpPr>
-            <a:spLocks noGrp="1"/>
-          </p:cNvSpPr>
-          <p:nvPr>
-            <p:ph type="title"/>
-          </p:nvPr>
-        </p:nvSpPr>
-        <p:spPr/>
-        <p:txBody>
-          <a:bodyPr/>
-          <a:lstStyle/>
-          <a:p>
-            <a:pPr>
-              <a:defRPr/>
-            </a:pPr>
-            <a:r>
-              <a:rPr lang="en-US"/>
-              <a:t>Data Structures</a:t>
-            </a:r>
-          </a:p>
-        </p:txBody>
-      </p:sp>
-      <p:sp>
-        <p:nvSpPr>
-          <p:cNvPr id="12290" name="Content Placeholder 4"/>
-          <p:cNvSpPr>
-            <a:spLocks noGrp="1"/>
-          </p:cNvSpPr>
-          <p:nvPr>
-            <p:ph idx="1"/>
-          </p:nvPr>
-        </p:nvSpPr>
-        <p:spPr>
-          <a:xfrm>
-            <a:off x="457200" y="1240972"/>
-            <a:ext cx="8229600" cy="4885192"/>
-          </a:xfrm>
-        </p:spPr>
-        <p:txBody>
-          <a:bodyPr>
-            <a:normAutofit/>
-          </a:bodyPr>
-          <a:lstStyle/>
-          <a:p>
-            <a:r>
-              <a:rPr lang="en-US" dirty="0"/>
-              <a:t>We need efficient ways to store data </a:t>
-            </a:r>
-            <a:r>
-              <a:rPr lang="en-US" b="1" dirty="0"/>
-              <a:t>based on how we’ll use it</a:t>
-            </a:r>
-          </a:p>
-          <a:p>
-            <a:r>
-              <a:rPr lang="en-US" dirty="0"/>
-              <a:t>"How we'll use it" = algorithms used to access/update data stored in the data structure</a:t>
-            </a:r>
-          </a:p>
-          <a:p>
-            <a:endParaRPr lang="en-US" dirty="0"/>
-          </a:p>
-          <a:p>
-            <a:r>
-              <a:rPr lang="en-US" dirty="0"/>
-              <a:t>The main theme for the rest of the course</a:t>
-            </a:r>
-          </a:p>
-          <a:p>
-            <a:pPr marL="0" indent="0">
-              <a:buNone/>
-            </a:pPr>
-            <a:endParaRPr lang="en-US" dirty="0"/>
-          </a:p>
-        </p:txBody>
-      </p:sp>
-    </p:spTree>
-  </p:cSld>
-  <p:clrMapOvr>
-    <a:masterClrMapping/>
-  </p:clrMapOvr>
-</p:sld>
-</file>
-
-<file path=ppt/slides/slide3.xml><?xml version="1.0" encoding="utf-8"?>
-<p:sld xmlns:a="http://schemas.openxmlformats.org/drawingml/2006/main" xmlns:r="http://schemas.openxmlformats.org/officeDocument/2006/relationships" xmlns:p="http://schemas.openxmlformats.org/presentationml/2006/main">
-  <p:cSld>
-    <p:spTree>
-      <p:nvGrpSpPr>
-        <p:cNvPr id="1" name=""/>
-        <p:cNvGrpSpPr/>
-        <p:nvPr/>
-      </p:nvGrpSpPr>
-      <p:grpSpPr>
-        <a:xfrm>
-          <a:off x="0" y="0"/>
-          <a:ext cx="0" cy="0"/>
-          <a:chOff x="0" y="0"/>
-          <a:chExt cx="0" cy="0"/>
-        </a:xfrm>
-      </p:grpSpPr>
-      <p:pic>
-        <p:nvPicPr>
-          <p:cNvPr id="2" name="Picture 1">
-            <a:extLst>
-              <a:ext uri="{FF2B5EF4-FFF2-40B4-BE49-F238E27FC236}">
-                <a16:creationId xmlns:a16="http://schemas.microsoft.com/office/drawing/2014/main" id="{F1944241-5A1E-8E1F-B95F-85C36B145BE7}"/>
-              </a:ext>
-            </a:extLst>
-          </p:cNvPr>
-          <p:cNvPicPr>
-            <a:picLocks noChangeAspect="1"/>
-          </p:cNvPicPr>
-          <p:nvPr/>
-        </p:nvPicPr>
-        <p:blipFill>
-          <a:blip r:embed="rId3"/>
-          <a:stretch>
-            <a:fillRect/>
-          </a:stretch>
-        </p:blipFill>
-        <p:spPr>
-          <a:xfrm>
-            <a:off x="1328055" y="2100944"/>
-            <a:ext cx="5334000" cy="4546600"/>
-          </a:xfrm>
-          <a:prstGeom prst="rect">
-            <a:avLst/>
-          </a:prstGeom>
-        </p:spPr>
-      </p:pic>
-      <p:sp>
-        <p:nvSpPr>
-          <p:cNvPr id="4" name="Title 3"/>
-          <p:cNvSpPr>
-            <a:spLocks noGrp="1"/>
-          </p:cNvSpPr>
-          <p:nvPr>
-            <p:ph type="title"/>
-          </p:nvPr>
-        </p:nvSpPr>
-        <p:spPr>
-          <a:xfrm>
-            <a:off x="500742" y="78695"/>
-            <a:ext cx="8229600" cy="1143000"/>
-          </a:xfrm>
-        </p:spPr>
-        <p:txBody>
-          <a:bodyPr/>
-          <a:lstStyle/>
-          <a:p>
-            <a:pPr>
-              <a:defRPr/>
-            </a:pPr>
-            <a:r>
-              <a:rPr lang="en-US" dirty="0" err="1"/>
-              <a:t>ArrayList</a:t>
-            </a:r>
-            <a:r>
-              <a:rPr lang="en-US" dirty="0"/>
-              <a:t> Data Structure in Java</a:t>
-            </a:r>
-          </a:p>
-        </p:txBody>
-      </p:sp>
-      <p:sp>
-        <p:nvSpPr>
-          <p:cNvPr id="12290" name="Content Placeholder 4"/>
-          <p:cNvSpPr>
-            <a:spLocks noGrp="1"/>
-          </p:cNvSpPr>
-          <p:nvPr>
-            <p:ph idx="1"/>
-          </p:nvPr>
-        </p:nvSpPr>
-        <p:spPr>
-          <a:xfrm>
-            <a:off x="424543" y="914400"/>
-            <a:ext cx="8229600" cy="4885192"/>
-          </a:xfrm>
-        </p:spPr>
-        <p:txBody>
-          <a:bodyPr>
-            <a:normAutofit/>
-          </a:bodyPr>
-          <a:lstStyle/>
-          <a:p>
-            <a:pPr lvl="1"/>
-            <a:r>
-              <a:rPr lang="en-US" dirty="0"/>
-              <a:t>Fast addition </a:t>
-            </a:r>
-            <a:r>
-              <a:rPr lang="en-US" b="1" dirty="0"/>
-              <a:t>to end of list</a:t>
-            </a:r>
-            <a:br>
-              <a:rPr lang="en-US" b="1" dirty="0"/>
-            </a:br>
-            <a:r>
-              <a:rPr lang="en-US" sz="2400" dirty="0"/>
-              <a:t>Requires 1 multiplication and 1 addition to compute address</a:t>
-            </a:r>
-            <a:endParaRPr lang="en-US" sz="2400" b="1" dirty="0"/>
-          </a:p>
-        </p:txBody>
-      </p:sp>
-      <p:sp>
-        <p:nvSpPr>
-          <p:cNvPr id="5" name="Freeform 4">
-            <a:extLst>
-              <a:ext uri="{FF2B5EF4-FFF2-40B4-BE49-F238E27FC236}">
-                <a16:creationId xmlns:a16="http://schemas.microsoft.com/office/drawing/2014/main" id="{C9801F98-9AB0-CA48-86A9-2B6F511A3F82}"/>
-              </a:ext>
-            </a:extLst>
-          </p:cNvPr>
-          <p:cNvSpPr/>
-          <p:nvPr/>
-        </p:nvSpPr>
-        <p:spPr>
-          <a:xfrm>
-            <a:off x="5516217" y="1600200"/>
-            <a:ext cx="2915790" cy="4104861"/>
-          </a:xfrm>
-          <a:custGeom>
-            <a:avLst/>
-            <a:gdLst>
-              <a:gd name="connsiteX0" fmla="*/ 2266122 w 2915790"/>
-              <a:gd name="connsiteY0" fmla="*/ 0 h 4104861"/>
-              <a:gd name="connsiteX1" fmla="*/ 2773018 w 2915790"/>
-              <a:gd name="connsiteY1" fmla="*/ 2763078 h 4104861"/>
-              <a:gd name="connsiteX2" fmla="*/ 0 w 2915790"/>
-              <a:gd name="connsiteY2" fmla="*/ 4104861 h 4104861"/>
-            </a:gdLst>
-            <a:ahLst/>
-            <a:cxnLst>
-              <a:cxn ang="0">
-                <a:pos x="connsiteX0" y="connsiteY0"/>
-              </a:cxn>
-              <a:cxn ang="0">
-                <a:pos x="connsiteX1" y="connsiteY1"/>
-              </a:cxn>
-              <a:cxn ang="0">
-                <a:pos x="connsiteX2" y="connsiteY2"/>
-              </a:cxn>
-            </a:cxnLst>
-            <a:rect l="l" t="t" r="r" b="b"/>
-            <a:pathLst>
-              <a:path w="2915790" h="4104861">
-                <a:moveTo>
-                  <a:pt x="2266122" y="0"/>
-                </a:moveTo>
-                <a:cubicBezTo>
-                  <a:pt x="2708413" y="1039467"/>
-                  <a:pt x="3150705" y="2078935"/>
-                  <a:pt x="2773018" y="2763078"/>
-                </a:cubicBezTo>
-                <a:cubicBezTo>
-                  <a:pt x="2395331" y="3447221"/>
-                  <a:pt x="1197665" y="3776041"/>
-                  <a:pt x="0" y="4104861"/>
-                </a:cubicBezTo>
-              </a:path>
-            </a:pathLst>
-          </a:custGeom>
-          <a:noFill/>
-          <a:ln>
-            <a:solidFill>
-              <a:srgbClr val="C00000"/>
-            </a:solidFill>
-            <a:headEnd type="none" w="med" len="med"/>
-            <a:tailEnd type="arrow" w="med" len="med"/>
-          </a:ln>
-        </p:spPr>
-        <p:style>
-          <a:lnRef idx="2">
-            <a:schemeClr val="accent1">
-              <a:shade val="50000"/>
-            </a:schemeClr>
-          </a:lnRef>
-          <a:fillRef idx="1">
-            <a:schemeClr val="accent1"/>
-          </a:fillRef>
-          <a:effectRef idx="0">
-            <a:schemeClr val="accent1"/>
-          </a:effectRef>
-          <a:fontRef idx="minor">
-            <a:schemeClr val="lt1"/>
-          </a:fontRef>
-        </p:style>
-        <p:txBody>
-          <a:bodyPr rtlCol="0" anchor="ctr"/>
-          <a:lstStyle/>
-          <a:p>
-            <a:pPr algn="ctr"/>
-            <a:endParaRPr lang="en-US"/>
-          </a:p>
-        </p:txBody>
-      </p:sp>
-    </p:spTree>
-    <p:extLst>
-      <p:ext uri="{BB962C8B-B14F-4D97-AF65-F5344CB8AC3E}">
-        <p14:creationId xmlns:p14="http://schemas.microsoft.com/office/powerpoint/2010/main" val="627166366"/>
-      </p:ext>
-    </p:extLst>
-  </p:cSld>
-  <p:clrMapOvr>
-    <a:masterClrMapping/>
-  </p:clrMapOvr>
-</p:sld>
-</file>
-
-<file path=ppt/slides/slide4.xml><?xml version="1.0" encoding="utf-8"?>
-<p:sld xmlns:a="http://schemas.openxmlformats.org/drawingml/2006/main" xmlns:r="http://schemas.openxmlformats.org/officeDocument/2006/relationships" xmlns:p="http://schemas.openxmlformats.org/presentationml/2006/main">
-  <p:cSld>
-    <p:spTree>
-      <p:nvGrpSpPr>
-        <p:cNvPr id="1" name=""/>
-        <p:cNvGrpSpPr/>
-        <p:nvPr/>
-      </p:nvGrpSpPr>
-      <p:grpSpPr>
-        <a:xfrm>
-          <a:off x="0" y="0"/>
-          <a:ext cx="0" cy="0"/>
-          <a:chOff x="0" y="0"/>
-          <a:chExt cx="0" cy="0"/>
-        </a:xfrm>
-      </p:grpSpPr>
-      <p:sp>
-        <p:nvSpPr>
-          <p:cNvPr id="4" name="Title 3"/>
-          <p:cNvSpPr>
-            <a:spLocks noGrp="1"/>
-          </p:cNvSpPr>
-          <p:nvPr>
-            <p:ph type="title"/>
-          </p:nvPr>
-        </p:nvSpPr>
-        <p:spPr>
-          <a:xfrm>
-            <a:off x="500742" y="78695"/>
-            <a:ext cx="8229600" cy="1143000"/>
-          </a:xfrm>
-        </p:spPr>
-        <p:txBody>
-          <a:bodyPr/>
-          <a:lstStyle/>
-          <a:p>
-            <a:pPr>
-              <a:defRPr/>
-            </a:pPr>
-            <a:r>
-              <a:rPr lang="en-US" dirty="0" err="1"/>
-              <a:t>ArrayList</a:t>
-            </a:r>
-            <a:r>
-              <a:rPr lang="en-US" dirty="0"/>
-              <a:t> Data Structure in Java</a:t>
-            </a:r>
-          </a:p>
-        </p:txBody>
-      </p:sp>
-      <p:sp>
-        <p:nvSpPr>
-          <p:cNvPr id="12290" name="Content Placeholder 4"/>
-          <p:cNvSpPr>
-            <a:spLocks noGrp="1"/>
-          </p:cNvSpPr>
-          <p:nvPr>
-            <p:ph idx="1"/>
-          </p:nvPr>
-        </p:nvSpPr>
-        <p:spPr>
-          <a:xfrm>
-            <a:off x="424543" y="914400"/>
-            <a:ext cx="8229600" cy="4885192"/>
-          </a:xfrm>
-        </p:spPr>
-        <p:txBody>
-          <a:bodyPr>
-            <a:normAutofit/>
-          </a:bodyPr>
-          <a:lstStyle/>
-          <a:p>
-            <a:pPr lvl="1"/>
-            <a:r>
-              <a:rPr lang="en-US" dirty="0"/>
-              <a:t>Fast access to any existing position</a:t>
-            </a:r>
-            <a:br>
-              <a:rPr lang="en-US" b="1" dirty="0"/>
-            </a:br>
-            <a:r>
-              <a:rPr lang="en-US" sz="2400" dirty="0"/>
-              <a:t>Requires 1 multiplication and 1 addition to compute address</a:t>
-            </a:r>
-            <a:endParaRPr lang="en-US" sz="2400" b="1" dirty="0"/>
-          </a:p>
-        </p:txBody>
-      </p:sp>
-      <p:pic>
-        <p:nvPicPr>
-          <p:cNvPr id="6" name="Picture 5" descr="Diagram&#10;&#10;Description automatically generated">
-            <a:extLst>
-              <a:ext uri="{FF2B5EF4-FFF2-40B4-BE49-F238E27FC236}">
-                <a16:creationId xmlns:a16="http://schemas.microsoft.com/office/drawing/2014/main" id="{FDC82C5D-D934-754F-BC72-F68CA9C4CD44}"/>
-              </a:ext>
-            </a:extLst>
-          </p:cNvPr>
-          <p:cNvPicPr>
-            <a:picLocks noChangeAspect="1"/>
-          </p:cNvPicPr>
-          <p:nvPr/>
-        </p:nvPicPr>
-        <p:blipFill>
-          <a:blip r:embed="rId3">
-            <a:extLst>
-              <a:ext uri="{28A0092B-C50C-407E-A947-70E740481C1C}">
-                <a14:useLocalDpi xmlns:a14="http://schemas.microsoft.com/office/drawing/2010/main" val="0"/>
-              </a:ext>
-            </a:extLst>
-          </a:blip>
-          <a:stretch>
-            <a:fillRect/>
-          </a:stretch>
-        </p:blipFill>
-        <p:spPr>
-          <a:xfrm>
-            <a:off x="576468" y="2279586"/>
-            <a:ext cx="6817691" cy="3877153"/>
-          </a:xfrm>
-          <a:prstGeom prst="rect">
-            <a:avLst/>
-          </a:prstGeom>
-        </p:spPr>
-      </p:pic>
-      <p:sp>
-        <p:nvSpPr>
-          <p:cNvPr id="7" name="Freeform 6">
-            <a:extLst>
-              <a:ext uri="{FF2B5EF4-FFF2-40B4-BE49-F238E27FC236}">
-                <a16:creationId xmlns:a16="http://schemas.microsoft.com/office/drawing/2014/main" id="{BC15A584-A2CF-6543-9B04-88A074B507DD}"/>
-              </a:ext>
-            </a:extLst>
-          </p:cNvPr>
-          <p:cNvSpPr/>
-          <p:nvPr/>
-        </p:nvSpPr>
-        <p:spPr>
-          <a:xfrm>
-            <a:off x="6291470" y="1425450"/>
-            <a:ext cx="2248433" cy="3504359"/>
-          </a:xfrm>
-          <a:custGeom>
-            <a:avLst/>
-            <a:gdLst>
-              <a:gd name="connsiteX0" fmla="*/ 1500808 w 2248433"/>
-              <a:gd name="connsiteY0" fmla="*/ 174750 h 3504359"/>
-              <a:gd name="connsiteX1" fmla="*/ 2236304 w 2248433"/>
-              <a:gd name="connsiteY1" fmla="*/ 254263 h 3504359"/>
-              <a:gd name="connsiteX2" fmla="*/ 1808921 w 2248433"/>
-              <a:gd name="connsiteY2" fmla="*/ 2609837 h 3504359"/>
-              <a:gd name="connsiteX3" fmla="*/ 0 w 2248433"/>
-              <a:gd name="connsiteY3" fmla="*/ 3504359 h 3504359"/>
-            </a:gdLst>
-            <a:ahLst/>
-            <a:cxnLst>
-              <a:cxn ang="0">
-                <a:pos x="connsiteX0" y="connsiteY0"/>
-              </a:cxn>
-              <a:cxn ang="0">
-                <a:pos x="connsiteX1" y="connsiteY1"/>
-              </a:cxn>
-              <a:cxn ang="0">
-                <a:pos x="connsiteX2" y="connsiteY2"/>
-              </a:cxn>
-              <a:cxn ang="0">
-                <a:pos x="connsiteX3" y="connsiteY3"/>
-              </a:cxn>
-            </a:cxnLst>
-            <a:rect l="l" t="t" r="r" b="b"/>
-            <a:pathLst>
-              <a:path w="2248433" h="3504359">
-                <a:moveTo>
-                  <a:pt x="1500808" y="174750"/>
-                </a:moveTo>
-                <a:cubicBezTo>
-                  <a:pt x="1842880" y="11582"/>
-                  <a:pt x="2184952" y="-151585"/>
-                  <a:pt x="2236304" y="254263"/>
-                </a:cubicBezTo>
-                <a:cubicBezTo>
-                  <a:pt x="2287656" y="660111"/>
-                  <a:pt x="2181638" y="2068154"/>
-                  <a:pt x="1808921" y="2609837"/>
-                </a:cubicBezTo>
-                <a:cubicBezTo>
-                  <a:pt x="1436204" y="3151520"/>
-                  <a:pt x="718102" y="3327939"/>
-                  <a:pt x="0" y="3504359"/>
-                </a:cubicBezTo>
-              </a:path>
-            </a:pathLst>
-          </a:custGeom>
-          <a:noFill/>
-          <a:ln>
-            <a:solidFill>
-              <a:srgbClr val="C00000"/>
-            </a:solidFill>
-            <a:headEnd type="none" w="med" len="med"/>
-            <a:tailEnd type="arrow" w="med" len="med"/>
-          </a:ln>
-        </p:spPr>
-        <p:style>
-          <a:lnRef idx="2">
-            <a:schemeClr val="accent1">
-              <a:shade val="50000"/>
-            </a:schemeClr>
-          </a:lnRef>
-          <a:fillRef idx="1">
-            <a:schemeClr val="accent1"/>
-          </a:fillRef>
-          <a:effectRef idx="0">
-            <a:schemeClr val="accent1"/>
-          </a:effectRef>
-          <a:fontRef idx="minor">
-            <a:schemeClr val="lt1"/>
-          </a:fontRef>
-        </p:style>
-        <p:txBody>
-          <a:bodyPr rtlCol="0" anchor="ctr"/>
-          <a:lstStyle/>
-          <a:p>
-            <a:pPr algn="ctr"/>
-            <a:endParaRPr lang="en-US"/>
-          </a:p>
-        </p:txBody>
-      </p:sp>
-    </p:spTree>
-    <p:extLst>
-      <p:ext uri="{BB962C8B-B14F-4D97-AF65-F5344CB8AC3E}">
-        <p14:creationId xmlns:p14="http://schemas.microsoft.com/office/powerpoint/2010/main" val="2575321881"/>
-      </p:ext>
-    </p:extLst>
-  </p:cSld>
-  <p:clrMapOvr>
-    <a:masterClrMapping/>
-  </p:clrMapOvr>
-</p:sld>
-</file>
-
-<file path=ppt/slides/slide5.xml><?xml version="1.0" encoding="utf-8"?>
-<p:sld xmlns:a="http://schemas.openxmlformats.org/drawingml/2006/main" xmlns:r="http://schemas.openxmlformats.org/officeDocument/2006/relationships" xmlns:p="http://schemas.openxmlformats.org/presentationml/2006/main">
-  <p:cSld>
-    <p:spTree>
-      <p:nvGrpSpPr>
-        <p:cNvPr id="1" name=""/>
-        <p:cNvGrpSpPr/>
-        <p:nvPr/>
-      </p:nvGrpSpPr>
-      <p:grpSpPr>
-        <a:xfrm>
-          <a:off x="0" y="0"/>
-          <a:ext cx="0" cy="0"/>
-          <a:chOff x="0" y="0"/>
-          <a:chExt cx="0" cy="0"/>
-        </a:xfrm>
-      </p:grpSpPr>
-      <p:sp>
-        <p:nvSpPr>
-          <p:cNvPr id="4" name="Title 3"/>
-          <p:cNvSpPr>
-            <a:spLocks noGrp="1"/>
-          </p:cNvSpPr>
-          <p:nvPr>
-            <p:ph type="title"/>
-          </p:nvPr>
-        </p:nvSpPr>
-        <p:spPr>
-          <a:xfrm>
-            <a:off x="500742" y="78695"/>
-            <a:ext cx="8229600" cy="1143000"/>
-          </a:xfrm>
-        </p:spPr>
-        <p:txBody>
-          <a:bodyPr/>
-          <a:lstStyle/>
-          <a:p>
-            <a:pPr>
-              <a:defRPr/>
-            </a:pPr>
-            <a:r>
-              <a:rPr lang="en-US" dirty="0" err="1"/>
-              <a:t>ArrayList</a:t>
-            </a:r>
-            <a:r>
-              <a:rPr lang="en-US" dirty="0"/>
-              <a:t> Data Structure in Java</a:t>
-            </a:r>
-          </a:p>
-        </p:txBody>
-      </p:sp>
-      <p:sp>
-        <p:nvSpPr>
-          <p:cNvPr id="12290" name="Content Placeholder 4"/>
-          <p:cNvSpPr>
-            <a:spLocks noGrp="1"/>
-          </p:cNvSpPr>
-          <p:nvPr>
-            <p:ph idx="1"/>
-          </p:nvPr>
-        </p:nvSpPr>
-        <p:spPr>
-          <a:xfrm>
-            <a:off x="424543" y="914400"/>
-            <a:ext cx="8229600" cy="4885192"/>
-          </a:xfrm>
-        </p:spPr>
-        <p:txBody>
-          <a:bodyPr>
-            <a:normAutofit/>
-          </a:bodyPr>
-          <a:lstStyle/>
-          <a:p>
-            <a:pPr lvl="1"/>
-            <a:r>
-              <a:rPr lang="en-US" dirty="0"/>
-              <a:t>Slow inserts to and deletes from middle of list</a:t>
-            </a:r>
-            <a:br>
-              <a:rPr lang="en-US" b="1" dirty="0"/>
-            </a:br>
-            <a:endParaRPr lang="en-US" sz="2400" b="1" dirty="0"/>
-          </a:p>
-        </p:txBody>
-      </p:sp>
-      <p:pic>
-        <p:nvPicPr>
-          <p:cNvPr id="2" name="Picture 1">
-            <a:extLst>
-              <a:ext uri="{FF2B5EF4-FFF2-40B4-BE49-F238E27FC236}">
-                <a16:creationId xmlns:a16="http://schemas.microsoft.com/office/drawing/2014/main" id="{2C52F697-E7CE-AA12-D5EF-77FC3FE8BB56}"/>
-              </a:ext>
-            </a:extLst>
-          </p:cNvPr>
-          <p:cNvPicPr>
-            <a:picLocks noChangeAspect="1"/>
-          </p:cNvPicPr>
-          <p:nvPr/>
-        </p:nvPicPr>
-        <p:blipFill>
-          <a:blip r:embed="rId3"/>
-          <a:stretch>
-            <a:fillRect/>
-          </a:stretch>
-        </p:blipFill>
-        <p:spPr>
-          <a:xfrm>
-            <a:off x="685800" y="1683405"/>
-            <a:ext cx="7772400" cy="4116187"/>
-          </a:xfrm>
-          <a:prstGeom prst="rect">
-            <a:avLst/>
-          </a:prstGeom>
-        </p:spPr>
-      </p:pic>
-    </p:spTree>
-    <p:extLst>
-      <p:ext uri="{BB962C8B-B14F-4D97-AF65-F5344CB8AC3E}">
-        <p14:creationId xmlns:p14="http://schemas.microsoft.com/office/powerpoint/2010/main" val="2710827089"/>
-      </p:ext>
-    </p:extLst>
-  </p:cSld>
-  <p:clrMapOvr>
-    <a:masterClrMapping/>
-  </p:clrMapOvr>
-</p:sld>
-</file>
-
-<file path=ppt/slides/slide6.xml><?xml version="1.0" encoding="utf-8"?>
-<p:sld xmlns:a="http://schemas.openxmlformats.org/drawingml/2006/main" xmlns:r="http://schemas.openxmlformats.org/officeDocument/2006/relationships" xmlns:p="http://schemas.openxmlformats.org/presentationml/2006/main">
-  <p:cSld>
-    <p:spTree>
-      <p:nvGrpSpPr>
-        <p:cNvPr id="1" name=""/>
-        <p:cNvGrpSpPr/>
-        <p:nvPr/>
-      </p:nvGrpSpPr>
-      <p:grpSpPr>
-        <a:xfrm>
-          <a:off x="0" y="0"/>
-          <a:ext cx="0" cy="0"/>
-          <a:chOff x="0" y="0"/>
-          <a:chExt cx="0" cy="0"/>
-        </a:xfrm>
-      </p:grpSpPr>
-      <p:sp>
-        <p:nvSpPr>
-          <p:cNvPr id="2" name="Title 1"/>
-          <p:cNvSpPr>
-            <a:spLocks noGrp="1"/>
-          </p:cNvSpPr>
-          <p:nvPr>
-            <p:ph type="title"/>
-          </p:nvPr>
-        </p:nvSpPr>
-        <p:spPr/>
-        <p:txBody>
-          <a:bodyPr/>
-          <a:lstStyle/>
-          <a:p>
-            <a:r>
-              <a:rPr lang="en-US"/>
-              <a:t>Big-O Notation</a:t>
-            </a:r>
-          </a:p>
-        </p:txBody>
-      </p:sp>
-      <p:sp>
-        <p:nvSpPr>
-          <p:cNvPr id="3" name="Content Placeholder 2"/>
-          <p:cNvSpPr>
-            <a:spLocks noGrp="1"/>
-          </p:cNvSpPr>
-          <p:nvPr>
-            <p:ph idx="1"/>
-          </p:nvPr>
-        </p:nvSpPr>
-        <p:spPr/>
-        <p:txBody>
-          <a:bodyPr/>
-          <a:lstStyle/>
-          <a:p>
-            <a:r>
-              <a:rPr lang="en-US"/>
-              <a:t>Describes the limiting behavior </a:t>
-            </a:r>
-          </a:p>
-          <a:p>
-            <a:pPr lvl="1"/>
-            <a:r>
-              <a:rPr lang="en-US"/>
-              <a:t>How slow it can possibly run?</a:t>
-            </a:r>
-          </a:p>
-          <a:p>
-            <a:pPr lvl="1"/>
-            <a:r>
-              <a:rPr lang="en-US"/>
-              <a:t>Describes the </a:t>
-            </a:r>
-            <a:r>
-              <a:rPr lang="en-US" u="sng"/>
-              <a:t>worst case</a:t>
-            </a:r>
-          </a:p>
-          <a:p>
-            <a:r>
-              <a:rPr lang="en-US"/>
-              <a:t>Used for Classifying Algorithm Efficiency</a:t>
-            </a:r>
-          </a:p>
-          <a:p>
-            <a:r>
-              <a:rPr lang="en-US"/>
-              <a:t>“O” for “Order”</a:t>
-            </a:r>
-          </a:p>
-          <a:p>
-            <a:pPr lvl="1"/>
-            <a:r>
-              <a:rPr lang="en-US"/>
-              <a:t>O(n) </a:t>
-            </a:r>
-            <a:r>
-              <a:rPr lang="en-US">
-                <a:sym typeface="Wingdings" panose="05000000000000000000" pitchFamily="2" charset="2"/>
-              </a:rPr>
-              <a:t> said as “Order n”</a:t>
-            </a:r>
-          </a:p>
-          <a:p>
-            <a:pPr lvl="1"/>
-            <a:r>
-              <a:rPr lang="en-US">
-                <a:sym typeface="Wingdings" panose="05000000000000000000" pitchFamily="2" charset="2"/>
-              </a:rPr>
-              <a:t>O(n^2)  said as “Order n-squared”</a:t>
-            </a:r>
-          </a:p>
-        </p:txBody>
-      </p:sp>
-    </p:spTree>
-    <p:extLst>
-      <p:ext uri="{BB962C8B-B14F-4D97-AF65-F5344CB8AC3E}">
-        <p14:creationId xmlns:p14="http://schemas.microsoft.com/office/powerpoint/2010/main" val="3916409691"/>
-      </p:ext>
-    </p:extLst>
-  </p:cSld>
-  <p:clrMapOvr>
-    <a:masterClrMapping/>
-  </p:clrMapOvr>
-</p:sld>
-</file>
-
-<file path=ppt/slides/slide7.xml><?xml version="1.0" encoding="utf-8"?>
-<p:sld xmlns:a="http://schemas.openxmlformats.org/drawingml/2006/main" xmlns:r="http://schemas.openxmlformats.org/officeDocument/2006/relationships" xmlns:p="http://schemas.openxmlformats.org/presentationml/2006/main">
-  <p:cSld>
-    <p:spTree>
-      <p:nvGrpSpPr>
-        <p:cNvPr id="1" name=""/>
-        <p:cNvGrpSpPr/>
-        <p:nvPr/>
-      </p:nvGrpSpPr>
-      <p:grpSpPr>
-        <a:xfrm>
-          <a:off x="0" y="0"/>
-          <a:ext cx="0" cy="0"/>
-          <a:chOff x="0" y="0"/>
-          <a:chExt cx="0" cy="0"/>
-        </a:xfrm>
-      </p:grpSpPr>
-      <p:sp>
-        <p:nvSpPr>
-          <p:cNvPr id="2" name="Title 1"/>
-          <p:cNvSpPr>
-            <a:spLocks noGrp="1"/>
-          </p:cNvSpPr>
-          <p:nvPr>
-            <p:ph type="title"/>
-          </p:nvPr>
-        </p:nvSpPr>
-        <p:spPr/>
-        <p:txBody>
-          <a:bodyPr/>
-          <a:lstStyle/>
-          <a:p>
-            <a:r>
-              <a:rPr lang="en-US"/>
-              <a:t>Big-O Notation (continued)</a:t>
-            </a:r>
-          </a:p>
-        </p:txBody>
-      </p:sp>
-      <p:sp>
-        <p:nvSpPr>
-          <p:cNvPr id="3" name="Content Placeholder 2"/>
-          <p:cNvSpPr>
-            <a:spLocks noGrp="1"/>
-          </p:cNvSpPr>
-          <p:nvPr>
-            <p:ph idx="1"/>
-          </p:nvPr>
-        </p:nvSpPr>
-        <p:spPr>
-          <a:xfrm>
-            <a:off x="457200" y="1600200"/>
-            <a:ext cx="8229600" cy="4925291"/>
-          </a:xfrm>
-        </p:spPr>
-        <p:txBody>
-          <a:bodyPr/>
-          <a:lstStyle/>
-          <a:p>
-            <a:r>
-              <a:rPr lang="en-US" dirty="0"/>
-              <a:t>Don’t Care About Constant Coefficients</a:t>
-            </a:r>
-          </a:p>
-          <a:p>
-            <a:pPr lvl="1"/>
-            <a:r>
-              <a:rPr lang="en-US" dirty="0"/>
-              <a:t>O(2n + 7) </a:t>
-            </a:r>
-            <a:r>
-              <a:rPr lang="en-US" dirty="0">
-                <a:sym typeface="Wingdings" panose="05000000000000000000" pitchFamily="2" charset="2"/>
-              </a:rPr>
-              <a:t> O(n)</a:t>
-            </a:r>
-            <a:br>
-              <a:rPr lang="en-US" dirty="0">
-                <a:sym typeface="Wingdings" panose="05000000000000000000" pitchFamily="2" charset="2"/>
-              </a:rPr>
-            </a:br>
-            <a:r>
-              <a:rPr lang="en-US" dirty="0">
-                <a:sym typeface="Wingdings" panose="05000000000000000000" pitchFamily="2" charset="2"/>
-              </a:rPr>
-              <a:t>Note: f(n) = 2n + 7 = 2n</a:t>
-            </a:r>
-            <a:r>
-              <a:rPr lang="en-US" baseline="30000" dirty="0">
-                <a:sym typeface="Wingdings" panose="05000000000000000000" pitchFamily="2" charset="2"/>
-              </a:rPr>
-              <a:t>1</a:t>
-            </a:r>
-            <a:r>
-              <a:rPr lang="en-US" dirty="0">
-                <a:sym typeface="Wingdings" panose="05000000000000000000" pitchFamily="2" charset="2"/>
-              </a:rPr>
-              <a:t> + 7n</a:t>
-            </a:r>
-            <a:r>
-              <a:rPr lang="en-US" baseline="30000" dirty="0">
-                <a:sym typeface="Wingdings" panose="05000000000000000000" pitchFamily="2" charset="2"/>
-              </a:rPr>
-              <a:t>0</a:t>
-            </a:r>
-          </a:p>
-          <a:p>
-            <a:r>
-              <a:rPr lang="en-US" dirty="0">
-                <a:sym typeface="Wingdings" panose="05000000000000000000" pitchFamily="2" charset="2"/>
-              </a:rPr>
-              <a:t>Don’t Care About Lower Order Terms</a:t>
-            </a:r>
-          </a:p>
-          <a:p>
-            <a:pPr lvl="1"/>
-            <a:r>
-              <a:rPr lang="en-US" dirty="0">
-                <a:sym typeface="Wingdings" panose="05000000000000000000" pitchFamily="2" charset="2"/>
-              </a:rPr>
-              <a:t>O(6n</a:t>
-            </a:r>
-            <a:r>
-              <a:rPr lang="en-US" baseline="30000" dirty="0">
-                <a:sym typeface="Wingdings" panose="05000000000000000000" pitchFamily="2" charset="2"/>
-              </a:rPr>
-              <a:t>2</a:t>
-            </a:r>
-            <a:r>
-              <a:rPr lang="en-US" dirty="0">
-                <a:sym typeface="Wingdings" panose="05000000000000000000" pitchFamily="2" charset="2"/>
-              </a:rPr>
-              <a:t> + 7n</a:t>
-            </a:r>
-            <a:r>
-              <a:rPr lang="en-US" baseline="30000" dirty="0">
-                <a:sym typeface="Wingdings" panose="05000000000000000000" pitchFamily="2" charset="2"/>
-              </a:rPr>
-              <a:t>1</a:t>
-            </a:r>
-            <a:r>
-              <a:rPr lang="en-US" dirty="0">
-                <a:sym typeface="Wingdings" panose="05000000000000000000" pitchFamily="2" charset="2"/>
-              </a:rPr>
-              <a:t>) O(n</a:t>
-            </a:r>
-            <a:r>
-              <a:rPr lang="en-US" baseline="30000" dirty="0">
-                <a:sym typeface="Wingdings" panose="05000000000000000000" pitchFamily="2" charset="2"/>
-              </a:rPr>
-              <a:t>2</a:t>
-            </a:r>
-            <a:r>
-              <a:rPr lang="en-US" dirty="0">
-                <a:sym typeface="Wingdings" panose="05000000000000000000" pitchFamily="2" charset="2"/>
-              </a:rPr>
-              <a:t>)</a:t>
-            </a:r>
-          </a:p>
-          <a:p>
-            <a:pPr lvl="1"/>
-            <a:r>
-              <a:rPr lang="en-US" dirty="0">
-                <a:sym typeface="Wingdings" panose="05000000000000000000" pitchFamily="2" charset="2"/>
-              </a:rPr>
-              <a:t>Algorithm grows asymptotically no faster than n</a:t>
-            </a:r>
-            <a:r>
-              <a:rPr lang="en-US" baseline="30000" dirty="0">
-                <a:sym typeface="Wingdings" panose="05000000000000000000" pitchFamily="2" charset="2"/>
-              </a:rPr>
-              <a:t>2</a:t>
-            </a:r>
-          </a:p>
-          <a:p>
-            <a:r>
-              <a:rPr lang="en-US" dirty="0"/>
-              <a:t>If constant value, we say O(1) </a:t>
-            </a:r>
-            <a:r>
-              <a:rPr lang="en-US" dirty="0">
-                <a:sym typeface="Wingdings" panose="05000000000000000000" pitchFamily="2" charset="2"/>
-              </a:rPr>
-              <a:t> </a:t>
-            </a:r>
-            <a:r>
-              <a:rPr lang="en-US" dirty="0"/>
-              <a:t>“Order 1”</a:t>
-            </a:r>
-          </a:p>
-          <a:p>
-            <a:pPr lvl="1"/>
-            <a:r>
-              <a:rPr lang="en-US" dirty="0"/>
-              <a:t>O(48) </a:t>
-            </a:r>
-            <a:r>
-              <a:rPr lang="en-US" dirty="0">
-                <a:sym typeface="Wingdings" panose="05000000000000000000" pitchFamily="2" charset="2"/>
-              </a:rPr>
-              <a:t> O(1)</a:t>
-            </a:r>
-          </a:p>
-          <a:p>
-            <a:endParaRPr lang="en-US" dirty="0"/>
-          </a:p>
-        </p:txBody>
-      </p:sp>
-      <p:sp>
-        <p:nvSpPr>
-          <p:cNvPr id="4" name="Rectangle 9"/>
-          <p:cNvSpPr>
-            <a:spLocks/>
-          </p:cNvSpPr>
-          <p:nvPr/>
-        </p:nvSpPr>
-        <p:spPr bwMode="auto">
-          <a:xfrm>
-            <a:off x="8432800" y="6334564"/>
-            <a:ext cx="558800" cy="419100"/>
-          </a:xfrm>
-          <a:prstGeom prst="rect">
-            <a:avLst/>
-          </a:prstGeom>
-          <a:ln>
-            <a:headEnd/>
-            <a:tailEnd/>
-          </a:ln>
-        </p:spPr>
-        <p:style>
-          <a:lnRef idx="2">
-            <a:schemeClr val="accent3">
-              <a:shade val="50000"/>
-            </a:schemeClr>
-          </a:lnRef>
-          <a:fillRef idx="1">
-            <a:schemeClr val="accent3"/>
-          </a:fillRef>
-          <a:effectRef idx="0">
-            <a:schemeClr val="accent3"/>
-          </a:effectRef>
-          <a:fontRef idx="minor">
-            <a:schemeClr val="lt1"/>
-          </a:fontRef>
-        </p:style>
-        <p:txBody>
-          <a:bodyPr lIns="0" tIns="0" rIns="0" bIns="0" anchor="ctr"/>
-          <a:lstStyle/>
-          <a:p>
-            <a:pPr algn="ctr">
-              <a:defRPr/>
-            </a:pPr>
-            <a:r>
-              <a:rPr lang="en-US" sz="1800">
-                <a:solidFill>
-                  <a:schemeClr val="bg1"/>
-                </a:solidFill>
-                <a:cs typeface="Arial" pitchFamily="34" charset="0"/>
-                <a:sym typeface="Arial" pitchFamily="34" charset="0"/>
-              </a:rPr>
-              <a:t>Q2</a:t>
-            </a:r>
-          </a:p>
-        </p:txBody>
-      </p:sp>
-    </p:spTree>
-    <p:extLst>
-      <p:ext uri="{BB962C8B-B14F-4D97-AF65-F5344CB8AC3E}">
-        <p14:creationId xmlns:p14="http://schemas.microsoft.com/office/powerpoint/2010/main" val="1074093599"/>
-      </p:ext>
-    </p:extLst>
-  </p:cSld>
-  <p:clrMapOvr>
-    <a:masterClrMapping/>
-  </p:clrMapOvr>
-</p:sld>
-</file>
-
-<file path=ppt/slides/slide8.xml><?xml version="1.0" encoding="utf-8"?>
-<p:sld xmlns:a="http://schemas.openxmlformats.org/drawingml/2006/main" xmlns:r="http://schemas.openxmlformats.org/officeDocument/2006/relationships" xmlns:p="http://schemas.openxmlformats.org/presentationml/2006/main">
-  <p:cSld>
-    <p:spTree>
-      <p:nvGrpSpPr>
-        <p:cNvPr id="1" name=""/>
-        <p:cNvGrpSpPr/>
-        <p:nvPr/>
-      </p:nvGrpSpPr>
-      <p:grpSpPr>
-        <a:xfrm>
-          <a:off x="0" y="0"/>
-          <a:ext cx="0" cy="0"/>
-          <a:chOff x="0" y="0"/>
-          <a:chExt cx="0" cy="0"/>
-        </a:xfrm>
-      </p:grpSpPr>
-      <p:sp>
-        <p:nvSpPr>
-          <p:cNvPr id="2" name="Title 1"/>
-          <p:cNvSpPr>
-            <a:spLocks noGrp="1"/>
-          </p:cNvSpPr>
-          <p:nvPr>
-            <p:ph type="title"/>
-          </p:nvPr>
-        </p:nvSpPr>
-        <p:spPr>
-          <a:xfrm>
-            <a:off x="228601" y="116377"/>
-            <a:ext cx="8607667" cy="1485899"/>
-          </a:xfrm>
-        </p:spPr>
-        <p:txBody>
-          <a:bodyPr/>
-          <a:lstStyle/>
-          <a:p>
-            <a:r>
-              <a:rPr lang="en-US" err="1"/>
-              <a:t>ArrayList</a:t>
-            </a:r>
-            <a:r>
-              <a:rPr lang="en-US"/>
-              <a:t> Performance (Revisited)</a:t>
-            </a:r>
-          </a:p>
-        </p:txBody>
-      </p:sp>
-      <p:sp>
-        <p:nvSpPr>
-          <p:cNvPr id="3" name="Content Placeholder 2"/>
-          <p:cNvSpPr>
-            <a:spLocks noGrp="1"/>
-          </p:cNvSpPr>
-          <p:nvPr>
-            <p:ph idx="1"/>
-          </p:nvPr>
-        </p:nvSpPr>
-        <p:spPr>
-          <a:xfrm>
-            <a:off x="228600" y="1600200"/>
-            <a:ext cx="8610600" cy="4953000"/>
-          </a:xfrm>
-        </p:spPr>
-        <p:txBody>
-          <a:bodyPr>
-            <a:normAutofit/>
-          </a:bodyPr>
-          <a:lstStyle/>
-          <a:p>
-            <a:r>
-              <a:rPr lang="en-US" dirty="0"/>
-              <a:t>Fast addition to </a:t>
-            </a:r>
-            <a:r>
-              <a:rPr lang="en-US" b="1" dirty="0"/>
-              <a:t>end of list</a:t>
-            </a:r>
-            <a:r>
-              <a:rPr lang="en-US" dirty="0"/>
-              <a:t>:</a:t>
-            </a:r>
-          </a:p>
-          <a:p>
-            <a:pPr lvl="1"/>
-            <a:r>
-              <a:rPr lang="en-US" dirty="0"/>
-              <a:t>Fast access to any existing position – </a:t>
-            </a:r>
-            <a:r>
-              <a:rPr lang="en-US" dirty="0">
-                <a:highlight>
-                  <a:srgbClr val="FFFF00"/>
-                </a:highlight>
-              </a:rPr>
-              <a:t>O(1)</a:t>
-            </a:r>
-            <a:r>
-              <a:rPr lang="en-US" dirty="0"/>
-              <a:t> (like array) </a:t>
-            </a:r>
-          </a:p>
-          <a:p>
-            <a:pPr lvl="1"/>
-            <a:r>
-              <a:rPr lang="en-US" dirty="0"/>
-              <a:t>Keep extra </a:t>
-            </a:r>
-            <a:r>
-              <a:rPr lang="en-US" i="1" dirty="0"/>
-              <a:t>capacity </a:t>
-            </a:r>
-            <a:r>
-              <a:rPr lang="en-US" dirty="0"/>
-              <a:t>for list growth </a:t>
-            </a:r>
-          </a:p>
-          <a:p>
-            <a:pPr lvl="2"/>
-            <a:r>
-              <a:rPr lang="en-US" dirty="0"/>
-              <a:t>Fast access includes items in capacity not yet filled – </a:t>
-            </a:r>
-            <a:r>
-              <a:rPr lang="en-US" dirty="0">
-                <a:highlight>
-                  <a:srgbClr val="FFFF00"/>
-                </a:highlight>
-              </a:rPr>
-              <a:t>O(1)</a:t>
-            </a:r>
-          </a:p>
-          <a:p>
-            <a:pPr lvl="1"/>
-            <a:r>
-              <a:rPr lang="en-US" dirty="0"/>
-              <a:t>Capacity management is best left for CSSE230</a:t>
-            </a:r>
-          </a:p>
-          <a:p>
-            <a:r>
-              <a:rPr lang="en-US" dirty="0"/>
-              <a:t>Slow inserts to and deletes from middle of list</a:t>
-            </a:r>
-          </a:p>
-          <a:p>
-            <a:pPr lvl="1"/>
-            <a:r>
-              <a:rPr lang="en-US" dirty="0"/>
-              <a:t>Can get to insert/delete location quickly</a:t>
-            </a:r>
-          </a:p>
-          <a:p>
-            <a:pPr lvl="1"/>
-            <a:r>
-              <a:rPr lang="en-US" dirty="0"/>
-              <a:t>For insert, shift all items right to accommodate - </a:t>
-            </a:r>
-            <a:r>
-              <a:rPr lang="en-US" dirty="0">
-                <a:highlight>
-                  <a:srgbClr val="FFFF00"/>
-                </a:highlight>
-              </a:rPr>
-              <a:t>O(n)</a:t>
-            </a:r>
-          </a:p>
-          <a:p>
-            <a:pPr lvl="1"/>
-            <a:r>
-              <a:rPr lang="en-US" dirty="0"/>
-              <a:t>For delete, shift all items left to fill gap – </a:t>
-            </a:r>
-            <a:r>
-              <a:rPr lang="en-US" dirty="0">
-                <a:highlight>
-                  <a:srgbClr val="FFFF00"/>
-                </a:highlight>
-              </a:rPr>
-              <a:t>O(n)</a:t>
-            </a:r>
-          </a:p>
-          <a:p>
-            <a:pPr lvl="1"/>
-            <a:endParaRPr lang="en-US" i="1" dirty="0"/>
-          </a:p>
-        </p:txBody>
-      </p:sp>
-      <p:sp>
-        <p:nvSpPr>
-          <p:cNvPr id="4" name="Rectangle 9"/>
-          <p:cNvSpPr>
-            <a:spLocks/>
-          </p:cNvSpPr>
-          <p:nvPr/>
-        </p:nvSpPr>
-        <p:spPr bwMode="auto">
-          <a:xfrm>
-            <a:off x="8432800" y="6334564"/>
-            <a:ext cx="558800" cy="419100"/>
-          </a:xfrm>
-          <a:prstGeom prst="rect">
-            <a:avLst/>
-          </a:prstGeom>
-          <a:ln>
-            <a:headEnd/>
-            <a:tailEnd/>
-          </a:ln>
-        </p:spPr>
-        <p:style>
-          <a:lnRef idx="2">
-            <a:schemeClr val="accent3">
-              <a:shade val="50000"/>
-            </a:schemeClr>
-          </a:lnRef>
-          <a:fillRef idx="1">
-            <a:schemeClr val="accent3"/>
-          </a:fillRef>
-          <a:effectRef idx="0">
-            <a:schemeClr val="accent3"/>
-          </a:effectRef>
-          <a:fontRef idx="minor">
-            <a:schemeClr val="lt1"/>
-          </a:fontRef>
-        </p:style>
-        <p:txBody>
-          <a:bodyPr lIns="0" tIns="0" rIns="0" bIns="0" anchor="ctr"/>
-          <a:lstStyle/>
-          <a:p>
-            <a:pPr algn="ctr">
-              <a:defRPr/>
-            </a:pPr>
-            <a:r>
-              <a:rPr lang="en-US" sz="1800">
-                <a:solidFill>
-                  <a:schemeClr val="bg1"/>
-                </a:solidFill>
-                <a:cs typeface="Arial" pitchFamily="34" charset="0"/>
-                <a:sym typeface="Arial" pitchFamily="34" charset="0"/>
-              </a:rPr>
-              <a:t>Q3</a:t>
-            </a:r>
-          </a:p>
-        </p:txBody>
-      </p:sp>
-    </p:spTree>
-    <p:extLst>
-      <p:ext uri="{BB962C8B-B14F-4D97-AF65-F5344CB8AC3E}">
-        <p14:creationId xmlns:p14="http://schemas.microsoft.com/office/powerpoint/2010/main" val="3025574630"/>
-      </p:ext>
-    </p:extLst>
-  </p:cSld>
-  <p:clrMapOvr>
-    <a:masterClrMapping/>
-  </p:clrMapOvr>
-</p:sld>
-</file>
-
-<file path=ppt/slides/slide9.xml><?xml version="1.0" encoding="utf-8"?>
 <p:sld xmlns:a="http://schemas.openxmlformats.org/drawingml/2006/main" xmlns:r="http://schemas.openxmlformats.org/officeDocument/2006/relationships" xmlns:p="http://schemas.openxmlformats.org/presentationml/2006/main">
   <p:cSld>
     <p:spTree>
@@ -8464,6 +6600,2271 @@
       </p:par>
     </p:tnLst>
   </p:timing>
+</p:sld>
+</file>
+
+<file path=ppt/slides/slide11.xml><?xml version="1.0" encoding="utf-8"?>
+<p:sld xmlns:a="http://schemas.openxmlformats.org/drawingml/2006/main" xmlns:r="http://schemas.openxmlformats.org/officeDocument/2006/relationships" xmlns:p="http://schemas.openxmlformats.org/presentationml/2006/main">
+  <p:cSld>
+    <p:spTree>
+      <p:nvGrpSpPr>
+        <p:cNvPr id="1" name=""/>
+        <p:cNvGrpSpPr/>
+        <p:nvPr/>
+      </p:nvGrpSpPr>
+      <p:grpSpPr>
+        <a:xfrm>
+          <a:off x="0" y="0"/>
+          <a:ext cx="0" cy="0"/>
+          <a:chOff x="0" y="0"/>
+          <a:chExt cx="0" cy="0"/>
+        </a:xfrm>
+      </p:grpSpPr>
+      <p:sp>
+        <p:nvSpPr>
+          <p:cNvPr id="3" name="Title 2"/>
+          <p:cNvSpPr>
+            <a:spLocks noGrp="1"/>
+          </p:cNvSpPr>
+          <p:nvPr>
+            <p:ph type="title"/>
+          </p:nvPr>
+        </p:nvSpPr>
+        <p:spPr/>
+        <p:txBody>
+          <a:bodyPr>
+            <a:normAutofit fontScale="90000"/>
+          </a:bodyPr>
+          <a:lstStyle/>
+          <a:p>
+            <a:pPr>
+              <a:defRPr/>
+            </a:pPr>
+            <a:r>
+              <a:rPr lang="en-US" dirty="0">
+                <a:latin typeface="Lucida Sans Typewriter" pitchFamily="49" charset="0"/>
+              </a:rPr>
+              <a:t>Big-O LinkedList&lt;E&gt;</a:t>
+            </a:r>
+            <a:r>
+              <a:rPr lang="en-US" dirty="0"/>
+              <a:t> Methods?</a:t>
+            </a:r>
+          </a:p>
+        </p:txBody>
+      </p:sp>
+      <p:sp>
+        <p:nvSpPr>
+          <p:cNvPr id="2" name="Content Placeholder 1"/>
+          <p:cNvSpPr>
+            <a:spLocks noGrp="1"/>
+          </p:cNvSpPr>
+          <p:nvPr>
+            <p:ph idx="1"/>
+          </p:nvPr>
+        </p:nvSpPr>
+        <p:spPr>
+          <a:xfrm>
+            <a:off x="431800" y="1168400"/>
+            <a:ext cx="8229600" cy="4525963"/>
+          </a:xfrm>
+        </p:spPr>
+        <p:txBody>
+          <a:bodyPr>
+            <a:normAutofit/>
+          </a:bodyPr>
+          <a:lstStyle/>
+          <a:p>
+            <a:pPr>
+              <a:buFont typeface="+mj-lt"/>
+              <a:buAutoNum type="arabicPeriod"/>
+              <a:tabLst>
+                <a:tab pos="4564063" algn="l"/>
+              </a:tabLst>
+              <a:defRPr/>
+            </a:pPr>
+            <a:r>
+              <a:rPr lang="en-US" sz="1800" b="1" dirty="0">
+                <a:latin typeface="Courier New" panose="02070309020205020404" pitchFamily="49" charset="0"/>
+                <a:cs typeface="Courier New" panose="02070309020205020404" pitchFamily="49" charset="0"/>
+              </a:rPr>
+              <a:t>void</a:t>
+            </a:r>
+            <a:r>
+              <a:rPr lang="en-US" sz="1800" dirty="0">
+                <a:latin typeface="Courier New" panose="02070309020205020404" pitchFamily="49" charset="0"/>
+                <a:cs typeface="Courier New" panose="02070309020205020404" pitchFamily="49" charset="0"/>
+              </a:rPr>
+              <a:t> </a:t>
+            </a:r>
+            <a:r>
+              <a:rPr lang="en-US" sz="1800" dirty="0" err="1">
+                <a:latin typeface="Courier New" panose="02070309020205020404" pitchFamily="49" charset="0"/>
+                <a:cs typeface="Courier New" panose="02070309020205020404" pitchFamily="49" charset="0"/>
+              </a:rPr>
+              <a:t>addFirst</a:t>
+            </a:r>
+            <a:r>
+              <a:rPr lang="en-US" sz="1800" dirty="0">
+                <a:latin typeface="Courier New" panose="02070309020205020404" pitchFamily="49" charset="0"/>
+                <a:cs typeface="Courier New" panose="02070309020205020404" pitchFamily="49" charset="0"/>
+              </a:rPr>
+              <a:t>(E element)	_____________</a:t>
+            </a:r>
+          </a:p>
+          <a:p>
+            <a:pPr>
+              <a:buFont typeface="+mj-lt"/>
+              <a:buAutoNum type="arabicPeriod"/>
+              <a:tabLst>
+                <a:tab pos="4564063" algn="l"/>
+              </a:tabLst>
+              <a:defRPr/>
+            </a:pPr>
+            <a:r>
+              <a:rPr lang="en-US" sz="1800" b="1" dirty="0">
+                <a:latin typeface="Courier New" panose="02070309020205020404" pitchFamily="49" charset="0"/>
+                <a:cs typeface="Courier New" panose="02070309020205020404" pitchFamily="49" charset="0"/>
+              </a:rPr>
+              <a:t>void</a:t>
+            </a:r>
+            <a:r>
+              <a:rPr lang="en-US" sz="1800" dirty="0">
+                <a:latin typeface="Courier New" panose="02070309020205020404" pitchFamily="49" charset="0"/>
+                <a:cs typeface="Courier New" panose="02070309020205020404" pitchFamily="49" charset="0"/>
+              </a:rPr>
+              <a:t> </a:t>
+            </a:r>
+            <a:r>
+              <a:rPr lang="en-US" sz="1800" dirty="0" err="1">
+                <a:latin typeface="Courier New" panose="02070309020205020404" pitchFamily="49" charset="0"/>
+                <a:cs typeface="Courier New" panose="02070309020205020404" pitchFamily="49" charset="0"/>
+              </a:rPr>
+              <a:t>addLast</a:t>
+            </a:r>
+            <a:r>
+              <a:rPr lang="en-US" sz="1800" dirty="0">
+                <a:latin typeface="Courier New" panose="02070309020205020404" pitchFamily="49" charset="0"/>
+                <a:cs typeface="Courier New" panose="02070309020205020404" pitchFamily="49" charset="0"/>
+              </a:rPr>
+              <a:t>(E element) 	_____________</a:t>
+            </a:r>
+          </a:p>
+          <a:p>
+            <a:pPr>
+              <a:buFont typeface="+mj-lt"/>
+              <a:buAutoNum type="arabicPeriod"/>
+              <a:tabLst>
+                <a:tab pos="4564063" algn="l"/>
+              </a:tabLst>
+              <a:defRPr/>
+            </a:pPr>
+            <a:r>
+              <a:rPr lang="en-US" sz="1800" dirty="0">
+                <a:latin typeface="Courier New" panose="02070309020205020404" pitchFamily="49" charset="0"/>
+                <a:cs typeface="Courier New" panose="02070309020205020404" pitchFamily="49" charset="0"/>
+              </a:rPr>
+              <a:t>E </a:t>
+            </a:r>
+            <a:r>
+              <a:rPr lang="en-US" sz="1800" dirty="0" err="1">
+                <a:latin typeface="Courier New" panose="02070309020205020404" pitchFamily="49" charset="0"/>
+                <a:cs typeface="Courier New" panose="02070309020205020404" pitchFamily="49" charset="0"/>
+              </a:rPr>
+              <a:t>getFirst</a:t>
+            </a:r>
+            <a:r>
+              <a:rPr lang="en-US" sz="1800" dirty="0">
+                <a:latin typeface="Courier New" panose="02070309020205020404" pitchFamily="49" charset="0"/>
+                <a:cs typeface="Courier New" panose="02070309020205020404" pitchFamily="49" charset="0"/>
+              </a:rPr>
+              <a:t>() 	_____________</a:t>
+            </a:r>
+          </a:p>
+          <a:p>
+            <a:pPr>
+              <a:buFont typeface="+mj-lt"/>
+              <a:buAutoNum type="arabicPeriod"/>
+              <a:tabLst>
+                <a:tab pos="4564063" algn="l"/>
+              </a:tabLst>
+              <a:defRPr/>
+            </a:pPr>
+            <a:r>
+              <a:rPr lang="en-US" sz="1800" dirty="0">
+                <a:latin typeface="Courier New" panose="02070309020205020404" pitchFamily="49" charset="0"/>
+                <a:cs typeface="Courier New" panose="02070309020205020404" pitchFamily="49" charset="0"/>
+              </a:rPr>
+              <a:t>E </a:t>
+            </a:r>
+            <a:r>
+              <a:rPr lang="en-US" sz="1800" dirty="0" err="1">
+                <a:latin typeface="Courier New" panose="02070309020205020404" pitchFamily="49" charset="0"/>
+                <a:cs typeface="Courier New" panose="02070309020205020404" pitchFamily="49" charset="0"/>
+              </a:rPr>
+              <a:t>getLast</a:t>
+            </a:r>
+            <a:r>
+              <a:rPr lang="en-US" sz="1800" dirty="0">
+                <a:latin typeface="Courier New" panose="02070309020205020404" pitchFamily="49" charset="0"/>
+                <a:cs typeface="Courier New" panose="02070309020205020404" pitchFamily="49" charset="0"/>
+              </a:rPr>
+              <a:t>() 	_____________</a:t>
+            </a:r>
+          </a:p>
+          <a:p>
+            <a:pPr>
+              <a:buFont typeface="+mj-lt"/>
+              <a:buAutoNum type="arabicPeriod"/>
+              <a:tabLst>
+                <a:tab pos="4564063" algn="l"/>
+              </a:tabLst>
+              <a:defRPr/>
+            </a:pPr>
+            <a:r>
+              <a:rPr lang="en-US" sz="1800" dirty="0">
+                <a:latin typeface="Courier New" panose="02070309020205020404" pitchFamily="49" charset="0"/>
+                <a:cs typeface="Courier New" panose="02070309020205020404" pitchFamily="49" charset="0"/>
+              </a:rPr>
+              <a:t>E </a:t>
+            </a:r>
+            <a:r>
+              <a:rPr lang="en-US" sz="1800" dirty="0" err="1">
+                <a:latin typeface="Courier New" panose="02070309020205020404" pitchFamily="49" charset="0"/>
+                <a:cs typeface="Courier New" panose="02070309020205020404" pitchFamily="49" charset="0"/>
+              </a:rPr>
+              <a:t>removeFirst</a:t>
+            </a:r>
+            <a:r>
+              <a:rPr lang="en-US" sz="1800" dirty="0">
+                <a:latin typeface="Courier New" panose="02070309020205020404" pitchFamily="49" charset="0"/>
+                <a:cs typeface="Courier New" panose="02070309020205020404" pitchFamily="49" charset="0"/>
+              </a:rPr>
+              <a:t>() 	_____________</a:t>
+            </a:r>
+          </a:p>
+          <a:p>
+            <a:pPr>
+              <a:buFont typeface="+mj-lt"/>
+              <a:buAutoNum type="arabicPeriod"/>
+              <a:tabLst>
+                <a:tab pos="4564063" algn="l"/>
+              </a:tabLst>
+              <a:defRPr/>
+            </a:pPr>
+            <a:r>
+              <a:rPr lang="en-US" sz="1800" dirty="0">
+                <a:latin typeface="Courier New" panose="02070309020205020404" pitchFamily="49" charset="0"/>
+                <a:cs typeface="Courier New" panose="02070309020205020404" pitchFamily="49" charset="0"/>
+              </a:rPr>
+              <a:t>E </a:t>
+            </a:r>
+            <a:r>
+              <a:rPr lang="en-US" sz="1800" dirty="0" err="1">
+                <a:latin typeface="Courier New" panose="02070309020205020404" pitchFamily="49" charset="0"/>
+                <a:cs typeface="Courier New" panose="02070309020205020404" pitchFamily="49" charset="0"/>
+              </a:rPr>
+              <a:t>removeLast</a:t>
+            </a:r>
+            <a:r>
+              <a:rPr lang="en-US" sz="1800" dirty="0">
+                <a:latin typeface="Courier New" panose="02070309020205020404" pitchFamily="49" charset="0"/>
+                <a:cs typeface="Courier New" panose="02070309020205020404" pitchFamily="49" charset="0"/>
+              </a:rPr>
+              <a:t>() 	_____________</a:t>
+            </a:r>
+          </a:p>
+        </p:txBody>
+      </p:sp>
+      <p:pic>
+        <p:nvPicPr>
+          <p:cNvPr id="6" name="Picture 5" descr="Diagram&#10;&#10;Description automatically generated">
+            <a:extLst>
+              <a:ext uri="{FF2B5EF4-FFF2-40B4-BE49-F238E27FC236}">
+                <a16:creationId xmlns:a16="http://schemas.microsoft.com/office/drawing/2014/main" id="{0E398C1E-07A8-AF43-FBA9-9D5691F0B2C1}"/>
+              </a:ext>
+            </a:extLst>
+          </p:cNvPr>
+          <p:cNvPicPr>
+            <a:picLocks noChangeAspect="1"/>
+          </p:cNvPicPr>
+          <p:nvPr/>
+        </p:nvPicPr>
+        <p:blipFill>
+          <a:blip r:embed="rId3">
+            <a:extLst>
+              <a:ext uri="{28A0092B-C50C-407E-A947-70E740481C1C}">
+                <a14:useLocalDpi xmlns:a14="http://schemas.microsoft.com/office/drawing/2010/main" val="0"/>
+              </a:ext>
+            </a:extLst>
+          </a:blip>
+          <a:stretch>
+            <a:fillRect/>
+          </a:stretch>
+        </p:blipFill>
+        <p:spPr>
+          <a:xfrm>
+            <a:off x="1752600" y="3335159"/>
+            <a:ext cx="7391399" cy="3472041"/>
+          </a:xfrm>
+          <a:prstGeom prst="rect">
+            <a:avLst/>
+          </a:prstGeom>
+        </p:spPr>
+      </p:pic>
+      <p:sp>
+        <p:nvSpPr>
+          <p:cNvPr id="8" name="TextBox 7">
+            <a:extLst>
+              <a:ext uri="{FF2B5EF4-FFF2-40B4-BE49-F238E27FC236}">
+                <a16:creationId xmlns:a16="http://schemas.microsoft.com/office/drawing/2014/main" id="{9A9A88DE-C271-0B69-4EAA-E29A4B89C1CE}"/>
+              </a:ext>
+            </a:extLst>
+          </p:cNvPr>
+          <p:cNvSpPr txBox="1"/>
+          <p:nvPr/>
+        </p:nvSpPr>
+        <p:spPr>
+          <a:xfrm>
+            <a:off x="304800" y="5488434"/>
+            <a:ext cx="2286000" cy="646331"/>
+          </a:xfrm>
+          <a:prstGeom prst="rect">
+            <a:avLst/>
+          </a:prstGeom>
+          <a:solidFill>
+            <a:srgbClr val="9BBB59"/>
+          </a:solidFill>
+        </p:spPr>
+        <p:txBody>
+          <a:bodyPr wrap="square" rtlCol="0">
+            <a:spAutoFit/>
+          </a:bodyPr>
+          <a:lstStyle/>
+          <a:p>
+            <a:r>
+              <a:rPr lang="en-US" dirty="0" err="1"/>
+              <a:t>HWSinglyLinkedList</a:t>
+            </a:r>
+            <a:endParaRPr lang="en-US" dirty="0"/>
+          </a:p>
+          <a:p>
+            <a:r>
+              <a:rPr lang="en-US" dirty="0"/>
+              <a:t>LL adds this!</a:t>
+            </a:r>
+          </a:p>
+        </p:txBody>
+      </p:sp>
+      <p:cxnSp>
+        <p:nvCxnSpPr>
+          <p:cNvPr id="9" name="Straight Arrow Connector 8">
+            <a:extLst>
+              <a:ext uri="{FF2B5EF4-FFF2-40B4-BE49-F238E27FC236}">
+                <a16:creationId xmlns:a16="http://schemas.microsoft.com/office/drawing/2014/main" id="{B38CD262-458F-B2A2-FE1F-79E7B230021F}"/>
+              </a:ext>
+            </a:extLst>
+          </p:cNvPr>
+          <p:cNvCxnSpPr>
+            <a:cxnSpLocks/>
+          </p:cNvCxnSpPr>
+          <p:nvPr/>
+        </p:nvCxnSpPr>
+        <p:spPr>
+          <a:xfrm flipV="1">
+            <a:off x="1460500" y="4684986"/>
+            <a:ext cx="584200" cy="840234"/>
+          </a:xfrm>
+          <a:prstGeom prst="straightConnector1">
+            <a:avLst/>
+          </a:prstGeom>
+          <a:ln>
+            <a:tailEnd type="triangle"/>
+          </a:ln>
+        </p:spPr>
+        <p:style>
+          <a:lnRef idx="3">
+            <a:schemeClr val="accent3"/>
+          </a:lnRef>
+          <a:fillRef idx="0">
+            <a:schemeClr val="accent3"/>
+          </a:fillRef>
+          <a:effectRef idx="2">
+            <a:schemeClr val="accent3"/>
+          </a:effectRef>
+          <a:fontRef idx="minor">
+            <a:schemeClr val="tx1"/>
+          </a:fontRef>
+        </p:style>
+      </p:cxnSp>
+    </p:spTree>
+  </p:cSld>
+  <p:clrMapOvr>
+    <a:masterClrMapping/>
+  </p:clrMapOvr>
+</p:sld>
+</file>
+
+<file path=ppt/slides/slide12.xml><?xml version="1.0" encoding="utf-8"?>
+<p:sld xmlns:a="http://schemas.openxmlformats.org/drawingml/2006/main" xmlns:r="http://schemas.openxmlformats.org/officeDocument/2006/relationships" xmlns:p="http://schemas.openxmlformats.org/presentationml/2006/main">
+  <p:cSld>
+    <p:spTree>
+      <p:nvGrpSpPr>
+        <p:cNvPr id="1" name=""/>
+        <p:cNvGrpSpPr/>
+        <p:nvPr/>
+      </p:nvGrpSpPr>
+      <p:grpSpPr>
+        <a:xfrm>
+          <a:off x="0" y="0"/>
+          <a:ext cx="0" cy="0"/>
+          <a:chOff x="0" y="0"/>
+          <a:chExt cx="0" cy="0"/>
+        </a:xfrm>
+      </p:grpSpPr>
+      <p:sp>
+        <p:nvSpPr>
+          <p:cNvPr id="2" name="Title 1"/>
+          <p:cNvSpPr>
+            <a:spLocks noGrp="1"/>
+          </p:cNvSpPr>
+          <p:nvPr>
+            <p:ph type="title"/>
+          </p:nvPr>
+        </p:nvSpPr>
+        <p:spPr/>
+        <p:txBody>
+          <a:bodyPr/>
+          <a:lstStyle/>
+          <a:p>
+            <a:r>
+              <a:rPr lang="en-US" dirty="0"/>
+              <a:t>Homework</a:t>
+            </a:r>
+          </a:p>
+        </p:txBody>
+      </p:sp>
+      <p:sp>
+        <p:nvSpPr>
+          <p:cNvPr id="3" name="Content Placeholder 2"/>
+          <p:cNvSpPr>
+            <a:spLocks noGrp="1"/>
+          </p:cNvSpPr>
+          <p:nvPr>
+            <p:ph idx="1"/>
+          </p:nvPr>
+        </p:nvSpPr>
+        <p:spPr/>
+        <p:txBody>
+          <a:bodyPr/>
+          <a:lstStyle/>
+          <a:p>
+            <a:r>
+              <a:rPr lang="en-US" dirty="0" err="1"/>
+              <a:t>SinglyLinkedList</a:t>
+            </a:r>
+            <a:endParaRPr lang="en-US" dirty="0"/>
+          </a:p>
+          <a:p>
+            <a:pPr lvl="1"/>
+            <a:r>
+              <a:rPr lang="en-US" dirty="0"/>
+              <a:t>Requires you to implement a </a:t>
+            </a:r>
+            <a:r>
+              <a:rPr lang="en-US" dirty="0" err="1"/>
+              <a:t>SinglyLinkedList</a:t>
+            </a:r>
+            <a:endParaRPr lang="en-US" dirty="0"/>
+          </a:p>
+          <a:p>
+            <a:pPr lvl="1"/>
+            <a:r>
+              <a:rPr lang="en-US" dirty="0"/>
+              <a:t>Additional algorithm questions which make use of the </a:t>
+            </a:r>
+            <a:r>
+              <a:rPr lang="en-US" dirty="0" err="1"/>
+              <a:t>SinglyLinkedList</a:t>
+            </a:r>
+            <a:endParaRPr lang="en-US" dirty="0"/>
+          </a:p>
+          <a:p>
+            <a:pPr lvl="1"/>
+            <a:r>
+              <a:rPr lang="en-US" dirty="0"/>
+              <a:t>Will give you remaining class time to work on it</a:t>
+            </a:r>
+          </a:p>
+          <a:p>
+            <a:pPr lvl="1"/>
+            <a:r>
+              <a:rPr lang="en-US" dirty="0"/>
+              <a:t>If you complete it, work on the project!</a:t>
+            </a:r>
+          </a:p>
+        </p:txBody>
+      </p:sp>
+      <p:pic>
+        <p:nvPicPr>
+          <p:cNvPr id="4" name="Picture 3">
+            <a:extLst>
+              <a:ext uri="{FF2B5EF4-FFF2-40B4-BE49-F238E27FC236}">
+                <a16:creationId xmlns:a16="http://schemas.microsoft.com/office/drawing/2014/main" id="{9F3A5D25-7A76-2B60-9201-E8FAE44621A1}"/>
+              </a:ext>
+            </a:extLst>
+          </p:cNvPr>
+          <p:cNvPicPr>
+            <a:picLocks noChangeAspect="1"/>
+          </p:cNvPicPr>
+          <p:nvPr/>
+        </p:nvPicPr>
+        <p:blipFill>
+          <a:blip r:embed="rId3"/>
+          <a:stretch>
+            <a:fillRect/>
+          </a:stretch>
+        </p:blipFill>
+        <p:spPr>
+          <a:xfrm>
+            <a:off x="0" y="4894809"/>
+            <a:ext cx="9144000" cy="1437564"/>
+          </a:xfrm>
+          <a:prstGeom prst="rect">
+            <a:avLst/>
+          </a:prstGeom>
+        </p:spPr>
+      </p:pic>
+    </p:spTree>
+    <p:extLst>
+      <p:ext uri="{BB962C8B-B14F-4D97-AF65-F5344CB8AC3E}">
+        <p14:creationId xmlns:p14="http://schemas.microsoft.com/office/powerpoint/2010/main" val="1503594254"/>
+      </p:ext>
+    </p:extLst>
+  </p:cSld>
+  <p:clrMapOvr>
+    <a:masterClrMapping/>
+  </p:clrMapOvr>
+</p:sld>
+</file>
+
+<file path=ppt/slides/slide13.xml><?xml version="1.0" encoding="utf-8"?>
+<p:sld xmlns:a="http://schemas.openxmlformats.org/drawingml/2006/main" xmlns:r="http://schemas.openxmlformats.org/officeDocument/2006/relationships" xmlns:p="http://schemas.openxmlformats.org/presentationml/2006/main">
+  <p:cSld>
+    <p:spTree>
+      <p:nvGrpSpPr>
+        <p:cNvPr id="1" name=""/>
+        <p:cNvGrpSpPr/>
+        <p:nvPr/>
+      </p:nvGrpSpPr>
+      <p:grpSpPr>
+        <a:xfrm>
+          <a:off x="0" y="0"/>
+          <a:ext cx="0" cy="0"/>
+          <a:chOff x="0" y="0"/>
+          <a:chExt cx="0" cy="0"/>
+        </a:xfrm>
+      </p:grpSpPr>
+      <p:sp>
+        <p:nvSpPr>
+          <p:cNvPr id="2" name="Title 1">
+            <a:extLst>
+              <a:ext uri="{FF2B5EF4-FFF2-40B4-BE49-F238E27FC236}">
+                <a16:creationId xmlns:a16="http://schemas.microsoft.com/office/drawing/2014/main" id="{D5CB650E-7EB7-5F59-73F4-9CE5740B377D}"/>
+              </a:ext>
+            </a:extLst>
+          </p:cNvPr>
+          <p:cNvSpPr>
+            <a:spLocks noGrp="1"/>
+          </p:cNvSpPr>
+          <p:nvPr>
+            <p:ph type="title"/>
+          </p:nvPr>
+        </p:nvSpPr>
+        <p:spPr/>
+        <p:txBody>
+          <a:bodyPr/>
+          <a:lstStyle/>
+          <a:p>
+            <a:r>
+              <a:rPr lang="en-US" dirty="0"/>
+              <a:t>Handout</a:t>
+            </a:r>
+          </a:p>
+        </p:txBody>
+      </p:sp>
+      <p:sp>
+        <p:nvSpPr>
+          <p:cNvPr id="3" name="Content Placeholder 2">
+            <a:extLst>
+              <a:ext uri="{FF2B5EF4-FFF2-40B4-BE49-F238E27FC236}">
+                <a16:creationId xmlns:a16="http://schemas.microsoft.com/office/drawing/2014/main" id="{01ED27AA-7FE1-3E3A-8567-7ABB14A376BF}"/>
+              </a:ext>
+            </a:extLst>
+          </p:cNvPr>
+          <p:cNvSpPr>
+            <a:spLocks noGrp="1"/>
+          </p:cNvSpPr>
+          <p:nvPr>
+            <p:ph idx="1"/>
+          </p:nvPr>
+        </p:nvSpPr>
+        <p:spPr/>
+        <p:txBody>
+          <a:bodyPr/>
+          <a:lstStyle/>
+          <a:p>
+            <a:r>
+              <a:rPr lang="en-US" dirty="0"/>
+              <a:t>Complete add  (</a:t>
+            </a:r>
+            <a:r>
+              <a:rPr lang="en-US" dirty="0" err="1"/>
+              <a:t>addAtEnd</a:t>
+            </a:r>
+            <a:r>
+              <a:rPr lang="en-US" dirty="0"/>
+              <a:t>)</a:t>
+            </a:r>
+          </a:p>
+          <a:p>
+            <a:r>
+              <a:rPr lang="en-US" dirty="0"/>
+              <a:t>Consider the different values of index and sized lists</a:t>
+            </a:r>
+          </a:p>
+          <a:p>
+            <a:r>
+              <a:rPr lang="en-US" dirty="0"/>
+              <a:t>Useful as a guide when doing HW</a:t>
+            </a:r>
+          </a:p>
+          <a:p>
+            <a:r>
+              <a:rPr lang="en-US" dirty="0"/>
+              <a:t>HW is an individual assignment</a:t>
+            </a:r>
+          </a:p>
+          <a:p>
+            <a:r>
+              <a:rPr lang="en-US" dirty="0"/>
+              <a:t>Rest of time is for you to either work on HW or project</a:t>
+            </a:r>
+          </a:p>
+        </p:txBody>
+      </p:sp>
+    </p:spTree>
+    <p:extLst>
+      <p:ext uri="{BB962C8B-B14F-4D97-AF65-F5344CB8AC3E}">
+        <p14:creationId xmlns:p14="http://schemas.microsoft.com/office/powerpoint/2010/main" val="4274836596"/>
+      </p:ext>
+    </p:extLst>
+  </p:cSld>
+  <p:clrMapOvr>
+    <a:masterClrMapping/>
+  </p:clrMapOvr>
+</p:sld>
+</file>
+
+<file path=ppt/slides/slide14.xml><?xml version="1.0" encoding="utf-8"?>
+<p:sld xmlns:a="http://schemas.openxmlformats.org/drawingml/2006/main" xmlns:r="http://schemas.openxmlformats.org/officeDocument/2006/relationships" xmlns:p="http://schemas.openxmlformats.org/presentationml/2006/main">
+  <p:cSld>
+    <p:spTree>
+      <p:nvGrpSpPr>
+        <p:cNvPr id="1" name=""/>
+        <p:cNvGrpSpPr/>
+        <p:nvPr/>
+      </p:nvGrpSpPr>
+      <p:grpSpPr>
+        <a:xfrm>
+          <a:off x="0" y="0"/>
+          <a:ext cx="0" cy="0"/>
+          <a:chOff x="0" y="0"/>
+          <a:chExt cx="0" cy="0"/>
+        </a:xfrm>
+      </p:grpSpPr>
+      <p:sp>
+        <p:nvSpPr>
+          <p:cNvPr id="2" name="Title 1">
+            <a:extLst>
+              <a:ext uri="{FF2B5EF4-FFF2-40B4-BE49-F238E27FC236}">
+                <a16:creationId xmlns:a16="http://schemas.microsoft.com/office/drawing/2014/main" id="{3DD631E5-6B40-B7E3-1155-9F3DEA6AB02A}"/>
+              </a:ext>
+            </a:extLst>
+          </p:cNvPr>
+          <p:cNvSpPr>
+            <a:spLocks noGrp="1"/>
+          </p:cNvSpPr>
+          <p:nvPr>
+            <p:ph type="title"/>
+          </p:nvPr>
+        </p:nvSpPr>
+        <p:spPr>
+          <a:xfrm>
+            <a:off x="457200" y="274638"/>
+            <a:ext cx="8229600" cy="921116"/>
+          </a:xfrm>
+        </p:spPr>
+        <p:txBody>
+          <a:bodyPr>
+            <a:noAutofit/>
+          </a:bodyPr>
+          <a:lstStyle/>
+          <a:p>
+            <a:r>
+              <a:rPr lang="en-US" sz="2000" dirty="0">
+                <a:hlinkClick r:id="rId2"/>
+              </a:rPr>
+              <a:t>https://docs.google.com/document/d/1FWKXXsPkspazmlhgMj5qN4ieynd1-1galuou2j09VyA/edit</a:t>
+            </a:r>
+            <a:br>
+              <a:rPr lang="en-US" sz="2000" dirty="0"/>
+            </a:br>
+            <a:endParaRPr lang="en-US" sz="2000" dirty="0"/>
+          </a:p>
+        </p:txBody>
+      </p:sp>
+      <p:pic>
+        <p:nvPicPr>
+          <p:cNvPr id="5" name="Picture 4">
+            <a:extLst>
+              <a:ext uri="{FF2B5EF4-FFF2-40B4-BE49-F238E27FC236}">
+                <a16:creationId xmlns:a16="http://schemas.microsoft.com/office/drawing/2014/main" id="{448893E6-37FF-CCFA-608A-D78CB0600167}"/>
+              </a:ext>
+            </a:extLst>
+          </p:cNvPr>
+          <p:cNvPicPr>
+            <a:picLocks noChangeAspect="1"/>
+          </p:cNvPicPr>
+          <p:nvPr/>
+        </p:nvPicPr>
+        <p:blipFill>
+          <a:blip r:embed="rId3"/>
+          <a:stretch>
+            <a:fillRect/>
+          </a:stretch>
+        </p:blipFill>
+        <p:spPr>
+          <a:xfrm>
+            <a:off x="609600" y="1195754"/>
+            <a:ext cx="7643446" cy="5260579"/>
+          </a:xfrm>
+          <a:prstGeom prst="rect">
+            <a:avLst/>
+          </a:prstGeom>
+        </p:spPr>
+      </p:pic>
+    </p:spTree>
+    <p:extLst>
+      <p:ext uri="{BB962C8B-B14F-4D97-AF65-F5344CB8AC3E}">
+        <p14:creationId xmlns:p14="http://schemas.microsoft.com/office/powerpoint/2010/main" val="3800278728"/>
+      </p:ext>
+    </p:extLst>
+  </p:cSld>
+  <p:clrMapOvr>
+    <a:masterClrMapping/>
+  </p:clrMapOvr>
+</p:sld>
+</file>
+
+<file path=ppt/slides/slide2.xml><?xml version="1.0" encoding="utf-8"?>
+<p:sld xmlns:a="http://schemas.openxmlformats.org/drawingml/2006/main" xmlns:r="http://schemas.openxmlformats.org/officeDocument/2006/relationships" xmlns:p="http://schemas.openxmlformats.org/presentationml/2006/main">
+  <p:cSld>
+    <p:spTree>
+      <p:nvGrpSpPr>
+        <p:cNvPr id="1" name=""/>
+        <p:cNvGrpSpPr/>
+        <p:nvPr/>
+      </p:nvGrpSpPr>
+      <p:grpSpPr>
+        <a:xfrm>
+          <a:off x="0" y="0"/>
+          <a:ext cx="0" cy="0"/>
+          <a:chOff x="0" y="0"/>
+          <a:chExt cx="0" cy="0"/>
+        </a:xfrm>
+      </p:grpSpPr>
+      <p:sp>
+        <p:nvSpPr>
+          <p:cNvPr id="2" name="Title 1">
+            <a:extLst>
+              <a:ext uri="{FF2B5EF4-FFF2-40B4-BE49-F238E27FC236}">
+                <a16:creationId xmlns:a16="http://schemas.microsoft.com/office/drawing/2014/main" id="{96C5D844-4DD8-DEBA-871A-BAECBCA59279}"/>
+              </a:ext>
+            </a:extLst>
+          </p:cNvPr>
+          <p:cNvSpPr>
+            <a:spLocks noGrp="1"/>
+          </p:cNvSpPr>
+          <p:nvPr>
+            <p:ph type="title"/>
+          </p:nvPr>
+        </p:nvSpPr>
+        <p:spPr/>
+        <p:txBody>
+          <a:bodyPr/>
+          <a:lstStyle/>
+          <a:p>
+            <a:r>
+              <a:rPr lang="en-US" dirty="0" err="1"/>
+              <a:t>addAtEnd</a:t>
+            </a:r>
+            <a:r>
+              <a:rPr lang="en-US" dirty="0"/>
+              <a:t> vs. </a:t>
+            </a:r>
+            <a:r>
+              <a:rPr lang="en-US" dirty="0" err="1"/>
+              <a:t>addAtBeginning</a:t>
+            </a:r>
+            <a:endParaRPr lang="en-US" dirty="0"/>
+          </a:p>
+        </p:txBody>
+      </p:sp>
+      <p:sp>
+        <p:nvSpPr>
+          <p:cNvPr id="3" name="Content Placeholder 2">
+            <a:extLst>
+              <a:ext uri="{FF2B5EF4-FFF2-40B4-BE49-F238E27FC236}">
+                <a16:creationId xmlns:a16="http://schemas.microsoft.com/office/drawing/2014/main" id="{0D4B5E6E-497C-005D-3263-FD245EC4CAAE}"/>
+              </a:ext>
+            </a:extLst>
+          </p:cNvPr>
+          <p:cNvSpPr>
+            <a:spLocks noGrp="1"/>
+          </p:cNvSpPr>
+          <p:nvPr>
+            <p:ph idx="1"/>
+          </p:nvPr>
+        </p:nvSpPr>
+        <p:spPr>
+          <a:xfrm>
+            <a:off x="457200" y="1600200"/>
+            <a:ext cx="8229600" cy="2327031"/>
+          </a:xfrm>
+        </p:spPr>
+        <p:txBody>
+          <a:bodyPr/>
+          <a:lstStyle/>
+          <a:p>
+            <a:r>
+              <a:rPr lang="en-US" dirty="0"/>
+              <a:t>Open up LinkedList.java in simple</a:t>
+            </a:r>
+          </a:p>
+          <a:p>
+            <a:endParaRPr lang="en-US" dirty="0"/>
+          </a:p>
+          <a:p>
+            <a:r>
+              <a:rPr lang="en-US" dirty="0"/>
+              <a:t>Let’s see how long it takes to add 100,000 numbers to a LinkedList…</a:t>
+            </a:r>
+          </a:p>
+        </p:txBody>
+      </p:sp>
+      <p:pic>
+        <p:nvPicPr>
+          <p:cNvPr id="5" name="Picture 4">
+            <a:extLst>
+              <a:ext uri="{FF2B5EF4-FFF2-40B4-BE49-F238E27FC236}">
+                <a16:creationId xmlns:a16="http://schemas.microsoft.com/office/drawing/2014/main" id="{6135CA40-E7B3-587C-11C2-C50E56BDF156}"/>
+              </a:ext>
+            </a:extLst>
+          </p:cNvPr>
+          <p:cNvPicPr>
+            <a:picLocks noChangeAspect="1"/>
+          </p:cNvPicPr>
+          <p:nvPr/>
+        </p:nvPicPr>
+        <p:blipFill>
+          <a:blip r:embed="rId3"/>
+          <a:stretch>
+            <a:fillRect/>
+          </a:stretch>
+        </p:blipFill>
+        <p:spPr>
+          <a:xfrm>
+            <a:off x="0" y="4339698"/>
+            <a:ext cx="9144000" cy="1836204"/>
+          </a:xfrm>
+          <a:prstGeom prst="rect">
+            <a:avLst/>
+          </a:prstGeom>
+        </p:spPr>
+      </p:pic>
+    </p:spTree>
+    <p:extLst>
+      <p:ext uri="{BB962C8B-B14F-4D97-AF65-F5344CB8AC3E}">
+        <p14:creationId xmlns:p14="http://schemas.microsoft.com/office/powerpoint/2010/main" val="2954348014"/>
+      </p:ext>
+    </p:extLst>
+  </p:cSld>
+  <p:clrMapOvr>
+    <a:masterClrMapping/>
+  </p:clrMapOvr>
+</p:sld>
+</file>
+
+<file path=ppt/slides/slide3.xml><?xml version="1.0" encoding="utf-8"?>
+<p:sld xmlns:a="http://schemas.openxmlformats.org/drawingml/2006/main" xmlns:r="http://schemas.openxmlformats.org/officeDocument/2006/relationships" xmlns:p="http://schemas.openxmlformats.org/presentationml/2006/main">
+  <p:cSld>
+    <p:spTree>
+      <p:nvGrpSpPr>
+        <p:cNvPr id="1" name=""/>
+        <p:cNvGrpSpPr/>
+        <p:nvPr/>
+      </p:nvGrpSpPr>
+      <p:grpSpPr>
+        <a:xfrm>
+          <a:off x="0" y="0"/>
+          <a:ext cx="0" cy="0"/>
+          <a:chOff x="0" y="0"/>
+          <a:chExt cx="0" cy="0"/>
+        </a:xfrm>
+      </p:grpSpPr>
+      <p:sp>
+        <p:nvSpPr>
+          <p:cNvPr id="4" name="Title 3"/>
+          <p:cNvSpPr>
+            <a:spLocks noGrp="1"/>
+          </p:cNvSpPr>
+          <p:nvPr>
+            <p:ph type="title"/>
+          </p:nvPr>
+        </p:nvSpPr>
+        <p:spPr/>
+        <p:txBody>
+          <a:bodyPr/>
+          <a:lstStyle/>
+          <a:p>
+            <a:pPr>
+              <a:defRPr/>
+            </a:pPr>
+            <a:r>
+              <a:rPr lang="en-US"/>
+              <a:t>Data Structures</a:t>
+            </a:r>
+          </a:p>
+        </p:txBody>
+      </p:sp>
+      <p:sp>
+        <p:nvSpPr>
+          <p:cNvPr id="12290" name="Content Placeholder 4"/>
+          <p:cNvSpPr>
+            <a:spLocks noGrp="1"/>
+          </p:cNvSpPr>
+          <p:nvPr>
+            <p:ph idx="1"/>
+          </p:nvPr>
+        </p:nvSpPr>
+        <p:spPr>
+          <a:xfrm>
+            <a:off x="457200" y="1240972"/>
+            <a:ext cx="8229600" cy="4885192"/>
+          </a:xfrm>
+        </p:spPr>
+        <p:txBody>
+          <a:bodyPr>
+            <a:normAutofit/>
+          </a:bodyPr>
+          <a:lstStyle/>
+          <a:p>
+            <a:r>
+              <a:rPr lang="en-US" dirty="0"/>
+              <a:t>We need efficient ways to store data </a:t>
+            </a:r>
+            <a:r>
+              <a:rPr lang="en-US" b="1" dirty="0"/>
+              <a:t>based on how we’ll use it</a:t>
+            </a:r>
+          </a:p>
+          <a:p>
+            <a:r>
+              <a:rPr lang="en-US" dirty="0"/>
+              <a:t>"How we'll use it" = algorithms used to access/update data stored in the data structure</a:t>
+            </a:r>
+          </a:p>
+          <a:p>
+            <a:endParaRPr lang="en-US" dirty="0"/>
+          </a:p>
+          <a:p>
+            <a:r>
+              <a:rPr lang="en-US" dirty="0"/>
+              <a:t>The main theme for the rest of the course</a:t>
+            </a:r>
+          </a:p>
+          <a:p>
+            <a:pPr marL="0" indent="0">
+              <a:buNone/>
+            </a:pPr>
+            <a:endParaRPr lang="en-US" dirty="0"/>
+          </a:p>
+        </p:txBody>
+      </p:sp>
+    </p:spTree>
+  </p:cSld>
+  <p:clrMapOvr>
+    <a:masterClrMapping/>
+  </p:clrMapOvr>
+</p:sld>
+</file>
+
+<file path=ppt/slides/slide4.xml><?xml version="1.0" encoding="utf-8"?>
+<p:sld xmlns:a="http://schemas.openxmlformats.org/drawingml/2006/main" xmlns:r="http://schemas.openxmlformats.org/officeDocument/2006/relationships" xmlns:p="http://schemas.openxmlformats.org/presentationml/2006/main">
+  <p:cSld>
+    <p:spTree>
+      <p:nvGrpSpPr>
+        <p:cNvPr id="1" name=""/>
+        <p:cNvGrpSpPr/>
+        <p:nvPr/>
+      </p:nvGrpSpPr>
+      <p:grpSpPr>
+        <a:xfrm>
+          <a:off x="0" y="0"/>
+          <a:ext cx="0" cy="0"/>
+          <a:chOff x="0" y="0"/>
+          <a:chExt cx="0" cy="0"/>
+        </a:xfrm>
+      </p:grpSpPr>
+      <p:pic>
+        <p:nvPicPr>
+          <p:cNvPr id="2" name="Picture 1">
+            <a:extLst>
+              <a:ext uri="{FF2B5EF4-FFF2-40B4-BE49-F238E27FC236}">
+                <a16:creationId xmlns:a16="http://schemas.microsoft.com/office/drawing/2014/main" id="{F1944241-5A1E-8E1F-B95F-85C36B145BE7}"/>
+              </a:ext>
+            </a:extLst>
+          </p:cNvPr>
+          <p:cNvPicPr>
+            <a:picLocks noChangeAspect="1"/>
+          </p:cNvPicPr>
+          <p:nvPr/>
+        </p:nvPicPr>
+        <p:blipFill>
+          <a:blip r:embed="rId3"/>
+          <a:stretch>
+            <a:fillRect/>
+          </a:stretch>
+        </p:blipFill>
+        <p:spPr>
+          <a:xfrm>
+            <a:off x="1328055" y="2100944"/>
+            <a:ext cx="5334000" cy="4546600"/>
+          </a:xfrm>
+          <a:prstGeom prst="rect">
+            <a:avLst/>
+          </a:prstGeom>
+        </p:spPr>
+      </p:pic>
+      <p:sp>
+        <p:nvSpPr>
+          <p:cNvPr id="4" name="Title 3"/>
+          <p:cNvSpPr>
+            <a:spLocks noGrp="1"/>
+          </p:cNvSpPr>
+          <p:nvPr>
+            <p:ph type="title"/>
+          </p:nvPr>
+        </p:nvSpPr>
+        <p:spPr>
+          <a:xfrm>
+            <a:off x="500742" y="78695"/>
+            <a:ext cx="8229600" cy="1143000"/>
+          </a:xfrm>
+        </p:spPr>
+        <p:txBody>
+          <a:bodyPr/>
+          <a:lstStyle/>
+          <a:p>
+            <a:pPr>
+              <a:defRPr/>
+            </a:pPr>
+            <a:r>
+              <a:rPr lang="en-US" dirty="0" err="1"/>
+              <a:t>ArrayList</a:t>
+            </a:r>
+            <a:r>
+              <a:rPr lang="en-US" dirty="0"/>
+              <a:t> Data Structure in Java</a:t>
+            </a:r>
+          </a:p>
+        </p:txBody>
+      </p:sp>
+      <p:sp>
+        <p:nvSpPr>
+          <p:cNvPr id="12290" name="Content Placeholder 4"/>
+          <p:cNvSpPr>
+            <a:spLocks noGrp="1"/>
+          </p:cNvSpPr>
+          <p:nvPr>
+            <p:ph idx="1"/>
+          </p:nvPr>
+        </p:nvSpPr>
+        <p:spPr>
+          <a:xfrm>
+            <a:off x="424543" y="914400"/>
+            <a:ext cx="8229600" cy="4885192"/>
+          </a:xfrm>
+        </p:spPr>
+        <p:txBody>
+          <a:bodyPr>
+            <a:normAutofit/>
+          </a:bodyPr>
+          <a:lstStyle/>
+          <a:p>
+            <a:pPr lvl="1"/>
+            <a:r>
+              <a:rPr lang="en-US" dirty="0"/>
+              <a:t>Fast addition </a:t>
+            </a:r>
+            <a:r>
+              <a:rPr lang="en-US" b="1" dirty="0"/>
+              <a:t>to end of list</a:t>
+            </a:r>
+            <a:br>
+              <a:rPr lang="en-US" b="1" dirty="0"/>
+            </a:br>
+            <a:r>
+              <a:rPr lang="en-US" sz="2400" dirty="0"/>
+              <a:t>Requires 1 multiplication and 1 addition to compute address</a:t>
+            </a:r>
+            <a:endParaRPr lang="en-US" sz="2400" b="1" dirty="0"/>
+          </a:p>
+        </p:txBody>
+      </p:sp>
+      <p:sp>
+        <p:nvSpPr>
+          <p:cNvPr id="5" name="Freeform 4">
+            <a:extLst>
+              <a:ext uri="{FF2B5EF4-FFF2-40B4-BE49-F238E27FC236}">
+                <a16:creationId xmlns:a16="http://schemas.microsoft.com/office/drawing/2014/main" id="{C9801F98-9AB0-CA48-86A9-2B6F511A3F82}"/>
+              </a:ext>
+            </a:extLst>
+          </p:cNvPr>
+          <p:cNvSpPr/>
+          <p:nvPr/>
+        </p:nvSpPr>
+        <p:spPr>
+          <a:xfrm>
+            <a:off x="5516217" y="1600200"/>
+            <a:ext cx="2915790" cy="4104861"/>
+          </a:xfrm>
+          <a:custGeom>
+            <a:avLst/>
+            <a:gdLst>
+              <a:gd name="connsiteX0" fmla="*/ 2266122 w 2915790"/>
+              <a:gd name="connsiteY0" fmla="*/ 0 h 4104861"/>
+              <a:gd name="connsiteX1" fmla="*/ 2773018 w 2915790"/>
+              <a:gd name="connsiteY1" fmla="*/ 2763078 h 4104861"/>
+              <a:gd name="connsiteX2" fmla="*/ 0 w 2915790"/>
+              <a:gd name="connsiteY2" fmla="*/ 4104861 h 4104861"/>
+            </a:gdLst>
+            <a:ahLst/>
+            <a:cxnLst>
+              <a:cxn ang="0">
+                <a:pos x="connsiteX0" y="connsiteY0"/>
+              </a:cxn>
+              <a:cxn ang="0">
+                <a:pos x="connsiteX1" y="connsiteY1"/>
+              </a:cxn>
+              <a:cxn ang="0">
+                <a:pos x="connsiteX2" y="connsiteY2"/>
+              </a:cxn>
+            </a:cxnLst>
+            <a:rect l="l" t="t" r="r" b="b"/>
+            <a:pathLst>
+              <a:path w="2915790" h="4104861">
+                <a:moveTo>
+                  <a:pt x="2266122" y="0"/>
+                </a:moveTo>
+                <a:cubicBezTo>
+                  <a:pt x="2708413" y="1039467"/>
+                  <a:pt x="3150705" y="2078935"/>
+                  <a:pt x="2773018" y="2763078"/>
+                </a:cubicBezTo>
+                <a:cubicBezTo>
+                  <a:pt x="2395331" y="3447221"/>
+                  <a:pt x="1197665" y="3776041"/>
+                  <a:pt x="0" y="4104861"/>
+                </a:cubicBezTo>
+              </a:path>
+            </a:pathLst>
+          </a:custGeom>
+          <a:noFill/>
+          <a:ln>
+            <a:solidFill>
+              <a:srgbClr val="C00000"/>
+            </a:solidFill>
+            <a:headEnd type="none" w="med" len="med"/>
+            <a:tailEnd type="arrow" w="med" len="med"/>
+          </a:ln>
+        </p:spPr>
+        <p:style>
+          <a:lnRef idx="2">
+            <a:schemeClr val="accent1">
+              <a:shade val="50000"/>
+            </a:schemeClr>
+          </a:lnRef>
+          <a:fillRef idx="1">
+            <a:schemeClr val="accent1"/>
+          </a:fillRef>
+          <a:effectRef idx="0">
+            <a:schemeClr val="accent1"/>
+          </a:effectRef>
+          <a:fontRef idx="minor">
+            <a:schemeClr val="lt1"/>
+          </a:fontRef>
+        </p:style>
+        <p:txBody>
+          <a:bodyPr rtlCol="0" anchor="ctr"/>
+          <a:lstStyle/>
+          <a:p>
+            <a:pPr algn="ctr"/>
+            <a:endParaRPr lang="en-US"/>
+          </a:p>
+        </p:txBody>
+      </p:sp>
+    </p:spTree>
+    <p:extLst>
+      <p:ext uri="{BB962C8B-B14F-4D97-AF65-F5344CB8AC3E}">
+        <p14:creationId xmlns:p14="http://schemas.microsoft.com/office/powerpoint/2010/main" val="627166366"/>
+      </p:ext>
+    </p:extLst>
+  </p:cSld>
+  <p:clrMapOvr>
+    <a:masterClrMapping/>
+  </p:clrMapOvr>
+</p:sld>
+</file>
+
+<file path=ppt/slides/slide5.xml><?xml version="1.0" encoding="utf-8"?>
+<p:sld xmlns:a="http://schemas.openxmlformats.org/drawingml/2006/main" xmlns:r="http://schemas.openxmlformats.org/officeDocument/2006/relationships" xmlns:p="http://schemas.openxmlformats.org/presentationml/2006/main">
+  <p:cSld>
+    <p:spTree>
+      <p:nvGrpSpPr>
+        <p:cNvPr id="1" name=""/>
+        <p:cNvGrpSpPr/>
+        <p:nvPr/>
+      </p:nvGrpSpPr>
+      <p:grpSpPr>
+        <a:xfrm>
+          <a:off x="0" y="0"/>
+          <a:ext cx="0" cy="0"/>
+          <a:chOff x="0" y="0"/>
+          <a:chExt cx="0" cy="0"/>
+        </a:xfrm>
+      </p:grpSpPr>
+      <p:sp>
+        <p:nvSpPr>
+          <p:cNvPr id="4" name="Title 3"/>
+          <p:cNvSpPr>
+            <a:spLocks noGrp="1"/>
+          </p:cNvSpPr>
+          <p:nvPr>
+            <p:ph type="title"/>
+          </p:nvPr>
+        </p:nvSpPr>
+        <p:spPr>
+          <a:xfrm>
+            <a:off x="500742" y="78695"/>
+            <a:ext cx="8229600" cy="1143000"/>
+          </a:xfrm>
+        </p:spPr>
+        <p:txBody>
+          <a:bodyPr/>
+          <a:lstStyle/>
+          <a:p>
+            <a:pPr>
+              <a:defRPr/>
+            </a:pPr>
+            <a:r>
+              <a:rPr lang="en-US" dirty="0" err="1"/>
+              <a:t>ArrayList</a:t>
+            </a:r>
+            <a:r>
+              <a:rPr lang="en-US" dirty="0"/>
+              <a:t> Data Structure in Java</a:t>
+            </a:r>
+          </a:p>
+        </p:txBody>
+      </p:sp>
+      <p:sp>
+        <p:nvSpPr>
+          <p:cNvPr id="12290" name="Content Placeholder 4"/>
+          <p:cNvSpPr>
+            <a:spLocks noGrp="1"/>
+          </p:cNvSpPr>
+          <p:nvPr>
+            <p:ph idx="1"/>
+          </p:nvPr>
+        </p:nvSpPr>
+        <p:spPr>
+          <a:xfrm>
+            <a:off x="424543" y="914400"/>
+            <a:ext cx="8229600" cy="4885192"/>
+          </a:xfrm>
+        </p:spPr>
+        <p:txBody>
+          <a:bodyPr>
+            <a:normAutofit/>
+          </a:bodyPr>
+          <a:lstStyle/>
+          <a:p>
+            <a:pPr lvl="1"/>
+            <a:r>
+              <a:rPr lang="en-US" dirty="0"/>
+              <a:t>Fast access to any existing position</a:t>
+            </a:r>
+            <a:br>
+              <a:rPr lang="en-US" b="1" dirty="0"/>
+            </a:br>
+            <a:r>
+              <a:rPr lang="en-US" sz="2400" dirty="0"/>
+              <a:t>Requires 1 multiplication and 1 addition to compute address</a:t>
+            </a:r>
+            <a:endParaRPr lang="en-US" sz="2400" b="1" dirty="0"/>
+          </a:p>
+        </p:txBody>
+      </p:sp>
+      <p:pic>
+        <p:nvPicPr>
+          <p:cNvPr id="6" name="Picture 5" descr="Diagram&#10;&#10;Description automatically generated">
+            <a:extLst>
+              <a:ext uri="{FF2B5EF4-FFF2-40B4-BE49-F238E27FC236}">
+                <a16:creationId xmlns:a16="http://schemas.microsoft.com/office/drawing/2014/main" id="{FDC82C5D-D934-754F-BC72-F68CA9C4CD44}"/>
+              </a:ext>
+            </a:extLst>
+          </p:cNvPr>
+          <p:cNvPicPr>
+            <a:picLocks noChangeAspect="1"/>
+          </p:cNvPicPr>
+          <p:nvPr/>
+        </p:nvPicPr>
+        <p:blipFill>
+          <a:blip r:embed="rId3">
+            <a:extLst>
+              <a:ext uri="{28A0092B-C50C-407E-A947-70E740481C1C}">
+                <a14:useLocalDpi xmlns:a14="http://schemas.microsoft.com/office/drawing/2010/main" val="0"/>
+              </a:ext>
+            </a:extLst>
+          </a:blip>
+          <a:stretch>
+            <a:fillRect/>
+          </a:stretch>
+        </p:blipFill>
+        <p:spPr>
+          <a:xfrm>
+            <a:off x="576468" y="2279586"/>
+            <a:ext cx="6817691" cy="3877153"/>
+          </a:xfrm>
+          <a:prstGeom prst="rect">
+            <a:avLst/>
+          </a:prstGeom>
+        </p:spPr>
+      </p:pic>
+      <p:sp>
+        <p:nvSpPr>
+          <p:cNvPr id="7" name="Freeform 6">
+            <a:extLst>
+              <a:ext uri="{FF2B5EF4-FFF2-40B4-BE49-F238E27FC236}">
+                <a16:creationId xmlns:a16="http://schemas.microsoft.com/office/drawing/2014/main" id="{BC15A584-A2CF-6543-9B04-88A074B507DD}"/>
+              </a:ext>
+            </a:extLst>
+          </p:cNvPr>
+          <p:cNvSpPr/>
+          <p:nvPr/>
+        </p:nvSpPr>
+        <p:spPr>
+          <a:xfrm>
+            <a:off x="6291470" y="1425450"/>
+            <a:ext cx="2248433" cy="3504359"/>
+          </a:xfrm>
+          <a:custGeom>
+            <a:avLst/>
+            <a:gdLst>
+              <a:gd name="connsiteX0" fmla="*/ 1500808 w 2248433"/>
+              <a:gd name="connsiteY0" fmla="*/ 174750 h 3504359"/>
+              <a:gd name="connsiteX1" fmla="*/ 2236304 w 2248433"/>
+              <a:gd name="connsiteY1" fmla="*/ 254263 h 3504359"/>
+              <a:gd name="connsiteX2" fmla="*/ 1808921 w 2248433"/>
+              <a:gd name="connsiteY2" fmla="*/ 2609837 h 3504359"/>
+              <a:gd name="connsiteX3" fmla="*/ 0 w 2248433"/>
+              <a:gd name="connsiteY3" fmla="*/ 3504359 h 3504359"/>
+            </a:gdLst>
+            <a:ahLst/>
+            <a:cxnLst>
+              <a:cxn ang="0">
+                <a:pos x="connsiteX0" y="connsiteY0"/>
+              </a:cxn>
+              <a:cxn ang="0">
+                <a:pos x="connsiteX1" y="connsiteY1"/>
+              </a:cxn>
+              <a:cxn ang="0">
+                <a:pos x="connsiteX2" y="connsiteY2"/>
+              </a:cxn>
+              <a:cxn ang="0">
+                <a:pos x="connsiteX3" y="connsiteY3"/>
+              </a:cxn>
+            </a:cxnLst>
+            <a:rect l="l" t="t" r="r" b="b"/>
+            <a:pathLst>
+              <a:path w="2248433" h="3504359">
+                <a:moveTo>
+                  <a:pt x="1500808" y="174750"/>
+                </a:moveTo>
+                <a:cubicBezTo>
+                  <a:pt x="1842880" y="11582"/>
+                  <a:pt x="2184952" y="-151585"/>
+                  <a:pt x="2236304" y="254263"/>
+                </a:cubicBezTo>
+                <a:cubicBezTo>
+                  <a:pt x="2287656" y="660111"/>
+                  <a:pt x="2181638" y="2068154"/>
+                  <a:pt x="1808921" y="2609837"/>
+                </a:cubicBezTo>
+                <a:cubicBezTo>
+                  <a:pt x="1436204" y="3151520"/>
+                  <a:pt x="718102" y="3327939"/>
+                  <a:pt x="0" y="3504359"/>
+                </a:cubicBezTo>
+              </a:path>
+            </a:pathLst>
+          </a:custGeom>
+          <a:noFill/>
+          <a:ln>
+            <a:solidFill>
+              <a:srgbClr val="C00000"/>
+            </a:solidFill>
+            <a:headEnd type="none" w="med" len="med"/>
+            <a:tailEnd type="arrow" w="med" len="med"/>
+          </a:ln>
+        </p:spPr>
+        <p:style>
+          <a:lnRef idx="2">
+            <a:schemeClr val="accent1">
+              <a:shade val="50000"/>
+            </a:schemeClr>
+          </a:lnRef>
+          <a:fillRef idx="1">
+            <a:schemeClr val="accent1"/>
+          </a:fillRef>
+          <a:effectRef idx="0">
+            <a:schemeClr val="accent1"/>
+          </a:effectRef>
+          <a:fontRef idx="minor">
+            <a:schemeClr val="lt1"/>
+          </a:fontRef>
+        </p:style>
+        <p:txBody>
+          <a:bodyPr rtlCol="0" anchor="ctr"/>
+          <a:lstStyle/>
+          <a:p>
+            <a:pPr algn="ctr"/>
+            <a:endParaRPr lang="en-US"/>
+          </a:p>
+        </p:txBody>
+      </p:sp>
+    </p:spTree>
+    <p:extLst>
+      <p:ext uri="{BB962C8B-B14F-4D97-AF65-F5344CB8AC3E}">
+        <p14:creationId xmlns:p14="http://schemas.microsoft.com/office/powerpoint/2010/main" val="2575321881"/>
+      </p:ext>
+    </p:extLst>
+  </p:cSld>
+  <p:clrMapOvr>
+    <a:masterClrMapping/>
+  </p:clrMapOvr>
+</p:sld>
+</file>
+
+<file path=ppt/slides/slide6.xml><?xml version="1.0" encoding="utf-8"?>
+<p:sld xmlns:a="http://schemas.openxmlformats.org/drawingml/2006/main" xmlns:r="http://schemas.openxmlformats.org/officeDocument/2006/relationships" xmlns:p="http://schemas.openxmlformats.org/presentationml/2006/main">
+  <p:cSld>
+    <p:spTree>
+      <p:nvGrpSpPr>
+        <p:cNvPr id="1" name=""/>
+        <p:cNvGrpSpPr/>
+        <p:nvPr/>
+      </p:nvGrpSpPr>
+      <p:grpSpPr>
+        <a:xfrm>
+          <a:off x="0" y="0"/>
+          <a:ext cx="0" cy="0"/>
+          <a:chOff x="0" y="0"/>
+          <a:chExt cx="0" cy="0"/>
+        </a:xfrm>
+      </p:grpSpPr>
+      <p:sp>
+        <p:nvSpPr>
+          <p:cNvPr id="4" name="Title 3"/>
+          <p:cNvSpPr>
+            <a:spLocks noGrp="1"/>
+          </p:cNvSpPr>
+          <p:nvPr>
+            <p:ph type="title"/>
+          </p:nvPr>
+        </p:nvSpPr>
+        <p:spPr>
+          <a:xfrm>
+            <a:off x="500742" y="78695"/>
+            <a:ext cx="8229600" cy="1143000"/>
+          </a:xfrm>
+        </p:spPr>
+        <p:txBody>
+          <a:bodyPr/>
+          <a:lstStyle/>
+          <a:p>
+            <a:pPr>
+              <a:defRPr/>
+            </a:pPr>
+            <a:r>
+              <a:rPr lang="en-US" dirty="0" err="1"/>
+              <a:t>ArrayList</a:t>
+            </a:r>
+            <a:r>
+              <a:rPr lang="en-US" dirty="0"/>
+              <a:t> Data Structure in Java</a:t>
+            </a:r>
+          </a:p>
+        </p:txBody>
+      </p:sp>
+      <p:sp>
+        <p:nvSpPr>
+          <p:cNvPr id="12290" name="Content Placeholder 4"/>
+          <p:cNvSpPr>
+            <a:spLocks noGrp="1"/>
+          </p:cNvSpPr>
+          <p:nvPr>
+            <p:ph idx="1"/>
+          </p:nvPr>
+        </p:nvSpPr>
+        <p:spPr>
+          <a:xfrm>
+            <a:off x="424543" y="914400"/>
+            <a:ext cx="8229600" cy="4885192"/>
+          </a:xfrm>
+        </p:spPr>
+        <p:txBody>
+          <a:bodyPr>
+            <a:normAutofit/>
+          </a:bodyPr>
+          <a:lstStyle/>
+          <a:p>
+            <a:pPr lvl="1"/>
+            <a:r>
+              <a:rPr lang="en-US" dirty="0"/>
+              <a:t>Slow inserts to and deletes from middle of list</a:t>
+            </a:r>
+            <a:br>
+              <a:rPr lang="en-US" b="1" dirty="0"/>
+            </a:br>
+            <a:endParaRPr lang="en-US" sz="2400" b="1" dirty="0"/>
+          </a:p>
+        </p:txBody>
+      </p:sp>
+      <p:pic>
+        <p:nvPicPr>
+          <p:cNvPr id="2" name="Picture 1">
+            <a:extLst>
+              <a:ext uri="{FF2B5EF4-FFF2-40B4-BE49-F238E27FC236}">
+                <a16:creationId xmlns:a16="http://schemas.microsoft.com/office/drawing/2014/main" id="{2C52F697-E7CE-AA12-D5EF-77FC3FE8BB56}"/>
+              </a:ext>
+            </a:extLst>
+          </p:cNvPr>
+          <p:cNvPicPr>
+            <a:picLocks noChangeAspect="1"/>
+          </p:cNvPicPr>
+          <p:nvPr/>
+        </p:nvPicPr>
+        <p:blipFill>
+          <a:blip r:embed="rId3"/>
+          <a:stretch>
+            <a:fillRect/>
+          </a:stretch>
+        </p:blipFill>
+        <p:spPr>
+          <a:xfrm>
+            <a:off x="685800" y="1683405"/>
+            <a:ext cx="7772400" cy="4116187"/>
+          </a:xfrm>
+          <a:prstGeom prst="rect">
+            <a:avLst/>
+          </a:prstGeom>
+        </p:spPr>
+      </p:pic>
+    </p:spTree>
+    <p:extLst>
+      <p:ext uri="{BB962C8B-B14F-4D97-AF65-F5344CB8AC3E}">
+        <p14:creationId xmlns:p14="http://schemas.microsoft.com/office/powerpoint/2010/main" val="2710827089"/>
+      </p:ext>
+    </p:extLst>
+  </p:cSld>
+  <p:clrMapOvr>
+    <a:masterClrMapping/>
+  </p:clrMapOvr>
+</p:sld>
+</file>
+
+<file path=ppt/slides/slide7.xml><?xml version="1.0" encoding="utf-8"?>
+<p:sld xmlns:a="http://schemas.openxmlformats.org/drawingml/2006/main" xmlns:r="http://schemas.openxmlformats.org/officeDocument/2006/relationships" xmlns:p="http://schemas.openxmlformats.org/presentationml/2006/main">
+  <p:cSld>
+    <p:spTree>
+      <p:nvGrpSpPr>
+        <p:cNvPr id="1" name=""/>
+        <p:cNvGrpSpPr/>
+        <p:nvPr/>
+      </p:nvGrpSpPr>
+      <p:grpSpPr>
+        <a:xfrm>
+          <a:off x="0" y="0"/>
+          <a:ext cx="0" cy="0"/>
+          <a:chOff x="0" y="0"/>
+          <a:chExt cx="0" cy="0"/>
+        </a:xfrm>
+      </p:grpSpPr>
+      <p:sp>
+        <p:nvSpPr>
+          <p:cNvPr id="2" name="Title 1"/>
+          <p:cNvSpPr>
+            <a:spLocks noGrp="1"/>
+          </p:cNvSpPr>
+          <p:nvPr>
+            <p:ph type="title"/>
+          </p:nvPr>
+        </p:nvSpPr>
+        <p:spPr/>
+        <p:txBody>
+          <a:bodyPr/>
+          <a:lstStyle/>
+          <a:p>
+            <a:r>
+              <a:rPr lang="en-US"/>
+              <a:t>Big-O Notation</a:t>
+            </a:r>
+          </a:p>
+        </p:txBody>
+      </p:sp>
+      <p:sp>
+        <p:nvSpPr>
+          <p:cNvPr id="3" name="Content Placeholder 2"/>
+          <p:cNvSpPr>
+            <a:spLocks noGrp="1"/>
+          </p:cNvSpPr>
+          <p:nvPr>
+            <p:ph idx="1"/>
+          </p:nvPr>
+        </p:nvSpPr>
+        <p:spPr/>
+        <p:txBody>
+          <a:bodyPr/>
+          <a:lstStyle/>
+          <a:p>
+            <a:r>
+              <a:rPr lang="en-US"/>
+              <a:t>Describes the limiting behavior </a:t>
+            </a:r>
+          </a:p>
+          <a:p>
+            <a:pPr lvl="1"/>
+            <a:r>
+              <a:rPr lang="en-US"/>
+              <a:t>How slow it can possibly run?</a:t>
+            </a:r>
+          </a:p>
+          <a:p>
+            <a:pPr lvl="1"/>
+            <a:r>
+              <a:rPr lang="en-US"/>
+              <a:t>Describes the </a:t>
+            </a:r>
+            <a:r>
+              <a:rPr lang="en-US" u="sng"/>
+              <a:t>worst case</a:t>
+            </a:r>
+          </a:p>
+          <a:p>
+            <a:r>
+              <a:rPr lang="en-US"/>
+              <a:t>Used for Classifying Algorithm Efficiency</a:t>
+            </a:r>
+          </a:p>
+          <a:p>
+            <a:r>
+              <a:rPr lang="en-US"/>
+              <a:t>“O” for “Order”</a:t>
+            </a:r>
+          </a:p>
+          <a:p>
+            <a:pPr lvl="1"/>
+            <a:r>
+              <a:rPr lang="en-US"/>
+              <a:t>O(n) </a:t>
+            </a:r>
+            <a:r>
+              <a:rPr lang="en-US">
+                <a:sym typeface="Wingdings" panose="05000000000000000000" pitchFamily="2" charset="2"/>
+              </a:rPr>
+              <a:t> said as “Order n”</a:t>
+            </a:r>
+          </a:p>
+          <a:p>
+            <a:pPr lvl="1"/>
+            <a:r>
+              <a:rPr lang="en-US">
+                <a:sym typeface="Wingdings" panose="05000000000000000000" pitchFamily="2" charset="2"/>
+              </a:rPr>
+              <a:t>O(n^2)  said as “Order n-squared”</a:t>
+            </a:r>
+          </a:p>
+        </p:txBody>
+      </p:sp>
+    </p:spTree>
+    <p:extLst>
+      <p:ext uri="{BB962C8B-B14F-4D97-AF65-F5344CB8AC3E}">
+        <p14:creationId xmlns:p14="http://schemas.microsoft.com/office/powerpoint/2010/main" val="3916409691"/>
+      </p:ext>
+    </p:extLst>
+  </p:cSld>
+  <p:clrMapOvr>
+    <a:masterClrMapping/>
+  </p:clrMapOvr>
+</p:sld>
+</file>
+
+<file path=ppt/slides/slide8.xml><?xml version="1.0" encoding="utf-8"?>
+<p:sld xmlns:a="http://schemas.openxmlformats.org/drawingml/2006/main" xmlns:r="http://schemas.openxmlformats.org/officeDocument/2006/relationships" xmlns:p="http://schemas.openxmlformats.org/presentationml/2006/main">
+  <p:cSld>
+    <p:spTree>
+      <p:nvGrpSpPr>
+        <p:cNvPr id="1" name=""/>
+        <p:cNvGrpSpPr/>
+        <p:nvPr/>
+      </p:nvGrpSpPr>
+      <p:grpSpPr>
+        <a:xfrm>
+          <a:off x="0" y="0"/>
+          <a:ext cx="0" cy="0"/>
+          <a:chOff x="0" y="0"/>
+          <a:chExt cx="0" cy="0"/>
+        </a:xfrm>
+      </p:grpSpPr>
+      <p:sp>
+        <p:nvSpPr>
+          <p:cNvPr id="2" name="Title 1"/>
+          <p:cNvSpPr>
+            <a:spLocks noGrp="1"/>
+          </p:cNvSpPr>
+          <p:nvPr>
+            <p:ph type="title"/>
+          </p:nvPr>
+        </p:nvSpPr>
+        <p:spPr/>
+        <p:txBody>
+          <a:bodyPr/>
+          <a:lstStyle/>
+          <a:p>
+            <a:r>
+              <a:rPr lang="en-US"/>
+              <a:t>Big-O Notation (continued)</a:t>
+            </a:r>
+          </a:p>
+        </p:txBody>
+      </p:sp>
+      <p:sp>
+        <p:nvSpPr>
+          <p:cNvPr id="3" name="Content Placeholder 2"/>
+          <p:cNvSpPr>
+            <a:spLocks noGrp="1"/>
+          </p:cNvSpPr>
+          <p:nvPr>
+            <p:ph idx="1"/>
+          </p:nvPr>
+        </p:nvSpPr>
+        <p:spPr>
+          <a:xfrm>
+            <a:off x="457200" y="1600200"/>
+            <a:ext cx="8229600" cy="4925291"/>
+          </a:xfrm>
+        </p:spPr>
+        <p:txBody>
+          <a:bodyPr/>
+          <a:lstStyle/>
+          <a:p>
+            <a:r>
+              <a:rPr lang="en-US" dirty="0"/>
+              <a:t>Don’t Care About Constant Coefficients</a:t>
+            </a:r>
+          </a:p>
+          <a:p>
+            <a:pPr lvl="1"/>
+            <a:r>
+              <a:rPr lang="en-US" dirty="0"/>
+              <a:t>O(2n + 7) </a:t>
+            </a:r>
+            <a:r>
+              <a:rPr lang="en-US" dirty="0">
+                <a:sym typeface="Wingdings" panose="05000000000000000000" pitchFamily="2" charset="2"/>
+              </a:rPr>
+              <a:t> O(n)</a:t>
+            </a:r>
+            <a:br>
+              <a:rPr lang="en-US" dirty="0">
+                <a:sym typeface="Wingdings" panose="05000000000000000000" pitchFamily="2" charset="2"/>
+              </a:rPr>
+            </a:br>
+            <a:r>
+              <a:rPr lang="en-US" dirty="0">
+                <a:sym typeface="Wingdings" panose="05000000000000000000" pitchFamily="2" charset="2"/>
+              </a:rPr>
+              <a:t>Note: f(n) = 2n + 7 = 2n</a:t>
+            </a:r>
+            <a:r>
+              <a:rPr lang="en-US" baseline="30000" dirty="0">
+                <a:sym typeface="Wingdings" panose="05000000000000000000" pitchFamily="2" charset="2"/>
+              </a:rPr>
+              <a:t>1</a:t>
+            </a:r>
+            <a:r>
+              <a:rPr lang="en-US" dirty="0">
+                <a:sym typeface="Wingdings" panose="05000000000000000000" pitchFamily="2" charset="2"/>
+              </a:rPr>
+              <a:t> + 7n</a:t>
+            </a:r>
+            <a:r>
+              <a:rPr lang="en-US" baseline="30000" dirty="0">
+                <a:sym typeface="Wingdings" panose="05000000000000000000" pitchFamily="2" charset="2"/>
+              </a:rPr>
+              <a:t>0</a:t>
+            </a:r>
+          </a:p>
+          <a:p>
+            <a:r>
+              <a:rPr lang="en-US" dirty="0">
+                <a:sym typeface="Wingdings" panose="05000000000000000000" pitchFamily="2" charset="2"/>
+              </a:rPr>
+              <a:t>Don’t Care About Lower Order Terms</a:t>
+            </a:r>
+          </a:p>
+          <a:p>
+            <a:pPr lvl="1"/>
+            <a:r>
+              <a:rPr lang="en-US" dirty="0">
+                <a:sym typeface="Wingdings" panose="05000000000000000000" pitchFamily="2" charset="2"/>
+              </a:rPr>
+              <a:t>O(6n</a:t>
+            </a:r>
+            <a:r>
+              <a:rPr lang="en-US" baseline="30000" dirty="0">
+                <a:sym typeface="Wingdings" panose="05000000000000000000" pitchFamily="2" charset="2"/>
+              </a:rPr>
+              <a:t>2</a:t>
+            </a:r>
+            <a:r>
+              <a:rPr lang="en-US" dirty="0">
+                <a:sym typeface="Wingdings" panose="05000000000000000000" pitchFamily="2" charset="2"/>
+              </a:rPr>
+              <a:t> + 7n</a:t>
+            </a:r>
+            <a:r>
+              <a:rPr lang="en-US" baseline="30000" dirty="0">
+                <a:sym typeface="Wingdings" panose="05000000000000000000" pitchFamily="2" charset="2"/>
+              </a:rPr>
+              <a:t>1</a:t>
+            </a:r>
+            <a:r>
+              <a:rPr lang="en-US" dirty="0">
+                <a:sym typeface="Wingdings" panose="05000000000000000000" pitchFamily="2" charset="2"/>
+              </a:rPr>
+              <a:t>) O(n</a:t>
+            </a:r>
+            <a:r>
+              <a:rPr lang="en-US" baseline="30000" dirty="0">
+                <a:sym typeface="Wingdings" panose="05000000000000000000" pitchFamily="2" charset="2"/>
+              </a:rPr>
+              <a:t>2</a:t>
+            </a:r>
+            <a:r>
+              <a:rPr lang="en-US" dirty="0">
+                <a:sym typeface="Wingdings" panose="05000000000000000000" pitchFamily="2" charset="2"/>
+              </a:rPr>
+              <a:t>)</a:t>
+            </a:r>
+          </a:p>
+          <a:p>
+            <a:pPr lvl="1"/>
+            <a:r>
+              <a:rPr lang="en-US" dirty="0">
+                <a:sym typeface="Wingdings" panose="05000000000000000000" pitchFamily="2" charset="2"/>
+              </a:rPr>
+              <a:t>Algorithm grows asymptotically no faster than n</a:t>
+            </a:r>
+            <a:r>
+              <a:rPr lang="en-US" baseline="30000" dirty="0">
+                <a:sym typeface="Wingdings" panose="05000000000000000000" pitchFamily="2" charset="2"/>
+              </a:rPr>
+              <a:t>2</a:t>
+            </a:r>
+          </a:p>
+          <a:p>
+            <a:r>
+              <a:rPr lang="en-US" dirty="0"/>
+              <a:t>If constant value, we say O(1) </a:t>
+            </a:r>
+            <a:r>
+              <a:rPr lang="en-US" dirty="0">
+                <a:sym typeface="Wingdings" panose="05000000000000000000" pitchFamily="2" charset="2"/>
+              </a:rPr>
+              <a:t> </a:t>
+            </a:r>
+            <a:r>
+              <a:rPr lang="en-US" dirty="0"/>
+              <a:t>“Order 1”</a:t>
+            </a:r>
+          </a:p>
+          <a:p>
+            <a:pPr lvl="1"/>
+            <a:r>
+              <a:rPr lang="en-US" dirty="0"/>
+              <a:t>O(48) </a:t>
+            </a:r>
+            <a:r>
+              <a:rPr lang="en-US" dirty="0">
+                <a:sym typeface="Wingdings" panose="05000000000000000000" pitchFamily="2" charset="2"/>
+              </a:rPr>
+              <a:t> O(1)</a:t>
+            </a:r>
+          </a:p>
+          <a:p>
+            <a:endParaRPr lang="en-US" dirty="0"/>
+          </a:p>
+        </p:txBody>
+      </p:sp>
+      <p:sp>
+        <p:nvSpPr>
+          <p:cNvPr id="4" name="Rectangle 9"/>
+          <p:cNvSpPr>
+            <a:spLocks/>
+          </p:cNvSpPr>
+          <p:nvPr/>
+        </p:nvSpPr>
+        <p:spPr bwMode="auto">
+          <a:xfrm>
+            <a:off x="8432800" y="6334564"/>
+            <a:ext cx="558800" cy="419100"/>
+          </a:xfrm>
+          <a:prstGeom prst="rect">
+            <a:avLst/>
+          </a:prstGeom>
+          <a:ln>
+            <a:headEnd/>
+            <a:tailEnd/>
+          </a:ln>
+        </p:spPr>
+        <p:style>
+          <a:lnRef idx="2">
+            <a:schemeClr val="accent3">
+              <a:shade val="50000"/>
+            </a:schemeClr>
+          </a:lnRef>
+          <a:fillRef idx="1">
+            <a:schemeClr val="accent3"/>
+          </a:fillRef>
+          <a:effectRef idx="0">
+            <a:schemeClr val="accent3"/>
+          </a:effectRef>
+          <a:fontRef idx="minor">
+            <a:schemeClr val="lt1"/>
+          </a:fontRef>
+        </p:style>
+        <p:txBody>
+          <a:bodyPr lIns="0" tIns="0" rIns="0" bIns="0" anchor="ctr"/>
+          <a:lstStyle/>
+          <a:p>
+            <a:pPr algn="ctr">
+              <a:defRPr/>
+            </a:pPr>
+            <a:r>
+              <a:rPr lang="en-US" sz="1800">
+                <a:solidFill>
+                  <a:schemeClr val="bg1"/>
+                </a:solidFill>
+                <a:cs typeface="Arial" pitchFamily="34" charset="0"/>
+                <a:sym typeface="Arial" pitchFamily="34" charset="0"/>
+              </a:rPr>
+              <a:t>Q2</a:t>
+            </a:r>
+          </a:p>
+        </p:txBody>
+      </p:sp>
+    </p:spTree>
+    <p:extLst>
+      <p:ext uri="{BB962C8B-B14F-4D97-AF65-F5344CB8AC3E}">
+        <p14:creationId xmlns:p14="http://schemas.microsoft.com/office/powerpoint/2010/main" val="1074093599"/>
+      </p:ext>
+    </p:extLst>
+  </p:cSld>
+  <p:clrMapOvr>
+    <a:masterClrMapping/>
+  </p:clrMapOvr>
+</p:sld>
+</file>
+
+<file path=ppt/slides/slide9.xml><?xml version="1.0" encoding="utf-8"?>
+<p:sld xmlns:a="http://schemas.openxmlformats.org/drawingml/2006/main" xmlns:r="http://schemas.openxmlformats.org/officeDocument/2006/relationships" xmlns:p="http://schemas.openxmlformats.org/presentationml/2006/main">
+  <p:cSld>
+    <p:spTree>
+      <p:nvGrpSpPr>
+        <p:cNvPr id="1" name=""/>
+        <p:cNvGrpSpPr/>
+        <p:nvPr/>
+      </p:nvGrpSpPr>
+      <p:grpSpPr>
+        <a:xfrm>
+          <a:off x="0" y="0"/>
+          <a:ext cx="0" cy="0"/>
+          <a:chOff x="0" y="0"/>
+          <a:chExt cx="0" cy="0"/>
+        </a:xfrm>
+      </p:grpSpPr>
+      <p:sp>
+        <p:nvSpPr>
+          <p:cNvPr id="2" name="Title 1"/>
+          <p:cNvSpPr>
+            <a:spLocks noGrp="1"/>
+          </p:cNvSpPr>
+          <p:nvPr>
+            <p:ph type="title"/>
+          </p:nvPr>
+        </p:nvSpPr>
+        <p:spPr>
+          <a:xfrm>
+            <a:off x="228601" y="116377"/>
+            <a:ext cx="8607667" cy="1485899"/>
+          </a:xfrm>
+        </p:spPr>
+        <p:txBody>
+          <a:bodyPr/>
+          <a:lstStyle/>
+          <a:p>
+            <a:r>
+              <a:rPr lang="en-US" err="1"/>
+              <a:t>ArrayList</a:t>
+            </a:r>
+            <a:r>
+              <a:rPr lang="en-US"/>
+              <a:t> Performance (Revisited)</a:t>
+            </a:r>
+          </a:p>
+        </p:txBody>
+      </p:sp>
+      <p:sp>
+        <p:nvSpPr>
+          <p:cNvPr id="3" name="Content Placeholder 2"/>
+          <p:cNvSpPr>
+            <a:spLocks noGrp="1"/>
+          </p:cNvSpPr>
+          <p:nvPr>
+            <p:ph idx="1"/>
+          </p:nvPr>
+        </p:nvSpPr>
+        <p:spPr>
+          <a:xfrm>
+            <a:off x="228600" y="1600200"/>
+            <a:ext cx="8610600" cy="4953000"/>
+          </a:xfrm>
+        </p:spPr>
+        <p:txBody>
+          <a:bodyPr>
+            <a:normAutofit/>
+          </a:bodyPr>
+          <a:lstStyle/>
+          <a:p>
+            <a:r>
+              <a:rPr lang="en-US" dirty="0"/>
+              <a:t>Fast addition to </a:t>
+            </a:r>
+            <a:r>
+              <a:rPr lang="en-US" b="1" dirty="0"/>
+              <a:t>end of list</a:t>
+            </a:r>
+            <a:r>
+              <a:rPr lang="en-US" dirty="0"/>
+              <a:t>:</a:t>
+            </a:r>
+          </a:p>
+          <a:p>
+            <a:pPr lvl="1"/>
+            <a:r>
+              <a:rPr lang="en-US" dirty="0"/>
+              <a:t>Fast access to any existing position – </a:t>
+            </a:r>
+            <a:r>
+              <a:rPr lang="en-US" dirty="0">
+                <a:highlight>
+                  <a:srgbClr val="FFFF00"/>
+                </a:highlight>
+              </a:rPr>
+              <a:t>O(1)</a:t>
+            </a:r>
+            <a:r>
+              <a:rPr lang="en-US" dirty="0"/>
+              <a:t> (like array) </a:t>
+            </a:r>
+          </a:p>
+          <a:p>
+            <a:pPr lvl="1"/>
+            <a:r>
+              <a:rPr lang="en-US" dirty="0"/>
+              <a:t>Keep extra </a:t>
+            </a:r>
+            <a:r>
+              <a:rPr lang="en-US" i="1" dirty="0"/>
+              <a:t>capacity </a:t>
+            </a:r>
+            <a:r>
+              <a:rPr lang="en-US" dirty="0"/>
+              <a:t>for list growth </a:t>
+            </a:r>
+          </a:p>
+          <a:p>
+            <a:pPr lvl="2"/>
+            <a:r>
+              <a:rPr lang="en-US" dirty="0"/>
+              <a:t>Fast access includes items in capacity not yet filled – </a:t>
+            </a:r>
+            <a:r>
+              <a:rPr lang="en-US" dirty="0">
+                <a:highlight>
+                  <a:srgbClr val="FFFF00"/>
+                </a:highlight>
+              </a:rPr>
+              <a:t>O(1)</a:t>
+            </a:r>
+          </a:p>
+          <a:p>
+            <a:pPr lvl="1"/>
+            <a:r>
+              <a:rPr lang="en-US" dirty="0"/>
+              <a:t>Capacity management is best left for CSSE230</a:t>
+            </a:r>
+          </a:p>
+          <a:p>
+            <a:r>
+              <a:rPr lang="en-US" dirty="0"/>
+              <a:t>Slow inserts to and deletes from middle of list</a:t>
+            </a:r>
+          </a:p>
+          <a:p>
+            <a:pPr lvl="1"/>
+            <a:r>
+              <a:rPr lang="en-US" dirty="0"/>
+              <a:t>Can get to insert/delete location quickly</a:t>
+            </a:r>
+          </a:p>
+          <a:p>
+            <a:pPr lvl="1"/>
+            <a:r>
+              <a:rPr lang="en-US" dirty="0"/>
+              <a:t>For insert, shift all items right to accommodate - </a:t>
+            </a:r>
+            <a:r>
+              <a:rPr lang="en-US" dirty="0">
+                <a:highlight>
+                  <a:srgbClr val="FFFF00"/>
+                </a:highlight>
+              </a:rPr>
+              <a:t>O(n)</a:t>
+            </a:r>
+          </a:p>
+          <a:p>
+            <a:pPr lvl="1"/>
+            <a:r>
+              <a:rPr lang="en-US" dirty="0"/>
+              <a:t>For delete, shift all items left to fill gap – </a:t>
+            </a:r>
+            <a:r>
+              <a:rPr lang="en-US" dirty="0">
+                <a:highlight>
+                  <a:srgbClr val="FFFF00"/>
+                </a:highlight>
+              </a:rPr>
+              <a:t>O(n)</a:t>
+            </a:r>
+          </a:p>
+          <a:p>
+            <a:pPr lvl="1"/>
+            <a:endParaRPr lang="en-US" i="1" dirty="0"/>
+          </a:p>
+        </p:txBody>
+      </p:sp>
+      <p:sp>
+        <p:nvSpPr>
+          <p:cNvPr id="4" name="Rectangle 9"/>
+          <p:cNvSpPr>
+            <a:spLocks/>
+          </p:cNvSpPr>
+          <p:nvPr/>
+        </p:nvSpPr>
+        <p:spPr bwMode="auto">
+          <a:xfrm>
+            <a:off x="8432800" y="6334564"/>
+            <a:ext cx="558800" cy="419100"/>
+          </a:xfrm>
+          <a:prstGeom prst="rect">
+            <a:avLst/>
+          </a:prstGeom>
+          <a:ln>
+            <a:headEnd/>
+            <a:tailEnd/>
+          </a:ln>
+        </p:spPr>
+        <p:style>
+          <a:lnRef idx="2">
+            <a:schemeClr val="accent3">
+              <a:shade val="50000"/>
+            </a:schemeClr>
+          </a:lnRef>
+          <a:fillRef idx="1">
+            <a:schemeClr val="accent3"/>
+          </a:fillRef>
+          <a:effectRef idx="0">
+            <a:schemeClr val="accent3"/>
+          </a:effectRef>
+          <a:fontRef idx="minor">
+            <a:schemeClr val="lt1"/>
+          </a:fontRef>
+        </p:style>
+        <p:txBody>
+          <a:bodyPr lIns="0" tIns="0" rIns="0" bIns="0" anchor="ctr"/>
+          <a:lstStyle/>
+          <a:p>
+            <a:pPr algn="ctr">
+              <a:defRPr/>
+            </a:pPr>
+            <a:r>
+              <a:rPr lang="en-US" sz="1800">
+                <a:solidFill>
+                  <a:schemeClr val="bg1"/>
+                </a:solidFill>
+                <a:cs typeface="Arial" pitchFamily="34" charset="0"/>
+                <a:sym typeface="Arial" pitchFamily="34" charset="0"/>
+              </a:rPr>
+              <a:t>Q3</a:t>
+            </a:r>
+          </a:p>
+        </p:txBody>
+      </p:sp>
+    </p:spTree>
+    <p:extLst>
+      <p:ext uri="{BB962C8B-B14F-4D97-AF65-F5344CB8AC3E}">
+        <p14:creationId xmlns:p14="http://schemas.microsoft.com/office/powerpoint/2010/main" val="3025574630"/>
+      </p:ext>
+    </p:extLst>
+  </p:cSld>
+  <p:clrMapOvr>
+    <a:masterClrMapping/>
+  </p:clrMapOvr>
 </p:sld>
 </file>
 
@@ -9316,12 +9717,14 @@
 </file>
 
 <file path=customXml/item1.xml><?xml version="1.0" encoding="utf-8"?>
-<?mso-contentType ?>
-<FormTemplates xmlns="http://schemas.microsoft.com/sharepoint/v3/contenttype/forms">
-  <Display>DocumentLibraryForm</Display>
-  <Edit>DocumentLibraryForm</Edit>
-  <New>DocumentLibraryForm</New>
-</FormTemplates>
+<p:properties xmlns:p="http://schemas.microsoft.com/office/2006/metadata/properties" xmlns:xsi="http://www.w3.org/2001/XMLSchema-instance" xmlns:pc="http://schemas.microsoft.com/office/infopath/2007/PartnerControls">
+  <documentManagement>
+    <TaxCatchAll xmlns="820f9cb1-409d-4c4b-8197-1d4f7dd48124" xsi:nil="true"/>
+    <lcf76f155ced4ddcb4097134ff3c332f xmlns="08600313-7276-4ca7-b5d3-7d86193ee0ac">
+      <Terms xmlns="http://schemas.microsoft.com/office/infopath/2007/PartnerControls"/>
+    </lcf76f155ced4ddcb4097134ff3c332f>
+  </documentManagement>
+</p:properties>
 </file>
 
 <file path=customXml/item2.xml><?xml version="1.0" encoding="utf-8"?>
@@ -9502,20 +9905,21 @@
 </file>
 
 <file path=customXml/item3.xml><?xml version="1.0" encoding="utf-8"?>
-<p:properties xmlns:p="http://schemas.microsoft.com/office/2006/metadata/properties" xmlns:xsi="http://www.w3.org/2001/XMLSchema-instance" xmlns:pc="http://schemas.microsoft.com/office/infopath/2007/PartnerControls">
-  <documentManagement>
-    <TaxCatchAll xmlns="820f9cb1-409d-4c4b-8197-1d4f7dd48124" xsi:nil="true"/>
-    <lcf76f155ced4ddcb4097134ff3c332f xmlns="08600313-7276-4ca7-b5d3-7d86193ee0ac">
-      <Terms xmlns="http://schemas.microsoft.com/office/infopath/2007/PartnerControls"/>
-    </lcf76f155ced4ddcb4097134ff3c332f>
-  </documentManagement>
-</p:properties>
+<?mso-contentType ?>
+<FormTemplates xmlns="http://schemas.microsoft.com/sharepoint/v3/contenttype/forms">
+  <Display>DocumentLibraryForm</Display>
+  <Edit>DocumentLibraryForm</Edit>
+  <New>DocumentLibraryForm</New>
+</FormTemplates>
 </file>
 
 <file path=customXml/itemProps1.xml><?xml version="1.0" encoding="utf-8"?>
-<ds:datastoreItem xmlns:ds="http://schemas.openxmlformats.org/officeDocument/2006/customXml" ds:itemID="{98DCB3DE-F7C6-4785-A90F-6E90B1E66F77}">
+<ds:datastoreItem xmlns:ds="http://schemas.openxmlformats.org/officeDocument/2006/customXml" ds:itemID="{C3D75956-5F37-4DA5-A33F-2343D2D10E6D}">
   <ds:schemaRefs>
-    <ds:schemaRef ds:uri="http://schemas.microsoft.com/sharepoint/v3/contenttype/forms"/>
+    <ds:schemaRef ds:uri="http://schemas.microsoft.com/office/2006/metadata/properties"/>
+    <ds:schemaRef ds:uri="http://schemas.microsoft.com/office/infopath/2007/PartnerControls"/>
+    <ds:schemaRef ds:uri="820f9cb1-409d-4c4b-8197-1d4f7dd48124"/>
+    <ds:schemaRef ds:uri="08600313-7276-4ca7-b5d3-7d86193ee0ac"/>
   </ds:schemaRefs>
 </ds:datastoreItem>
 </file>
@@ -9540,12 +9944,9 @@
 </file>
 
 <file path=customXml/itemProps3.xml><?xml version="1.0" encoding="utf-8"?>
-<ds:datastoreItem xmlns:ds="http://schemas.openxmlformats.org/officeDocument/2006/customXml" ds:itemID="{C3D75956-5F37-4DA5-A33F-2343D2D10E6D}">
+<ds:datastoreItem xmlns:ds="http://schemas.openxmlformats.org/officeDocument/2006/customXml" ds:itemID="{98DCB3DE-F7C6-4785-A90F-6E90B1E66F77}">
   <ds:schemaRefs>
-    <ds:schemaRef ds:uri="http://schemas.microsoft.com/office/2006/metadata/properties"/>
-    <ds:schemaRef ds:uri="http://schemas.microsoft.com/office/infopath/2007/PartnerControls"/>
-    <ds:schemaRef ds:uri="820f9cb1-409d-4c4b-8197-1d4f7dd48124"/>
-    <ds:schemaRef ds:uri="08600313-7276-4ca7-b5d3-7d86193ee0ac"/>
+    <ds:schemaRef ds:uri="http://schemas.microsoft.com/sharepoint/v3/contenttype/forms"/>
   </ds:schemaRefs>
 </ds:datastoreItem>
 </file>
--- a/ClassMaterials/LinkedLists/Slides/Part2-BigO.pptx
+++ b/ClassMaterials/LinkedLists/Slides/Part2-BigO.pptx
@@ -172,18 +172,56 @@
 </p:presentation>
 </file>
 
-<file path=ppt/revisionInfo.xml><?xml version="1.0" encoding="utf-8"?>
-<p1510:revInfo xmlns:a="http://schemas.openxmlformats.org/drawingml/2006/main" xmlns:r="http://schemas.openxmlformats.org/officeDocument/2006/relationships" xmlns:p1510="http://schemas.microsoft.com/office/powerpoint/2015/10/main">
-  <p1510:revLst>
-    <p1510:client id="{0D3EE1FC-0B8D-40E6-859A-AFEDA1F14614}" v="5" dt="2021-11-17T03:59:28.003"/>
-    <p1510:client id="{29D5D553-C42C-4041-8BB7-F1E6BAFE8D12}" v="2" dt="2021-11-02T12:25:50.238"/>
-    <p1510:client id="{3082B386-A943-42BE-8EE5-2C5B84113876}" v="1" dt="2021-11-02T12:02:33.003"/>
-  </p1510:revLst>
-</p1510:revInfo>
-</file>
-
 <file path=ppt/changesInfos/changesInfo1.xml><?xml version="1.0" encoding="utf-8"?>
 <pc:chgInfo xmlns:a="http://schemas.openxmlformats.org/drawingml/2006/main" xmlns:r="http://schemas.openxmlformats.org/officeDocument/2006/relationships" xmlns:ac="http://schemas.microsoft.com/office/drawing/2013/main/command" xmlns:pc="http://schemas.microsoft.com/office/powerpoint/2013/main/command">
+  <pc:docChgLst>
+    <pc:chgData name="Yoder, Jason" userId="28f4d4d8-da04-4f86-b14d-a21675737bc5" providerId="ADAL" clId="{E0CAC31D-60A6-4751-B808-667D2BA6CC99}"/>
+    <pc:docChg chg="modSld">
+      <pc:chgData name="Yoder, Jason" userId="28f4d4d8-da04-4f86-b14d-a21675737bc5" providerId="ADAL" clId="{E0CAC31D-60A6-4751-B808-667D2BA6CC99}" dt="2023-09-03T17:54:07.180" v="3" actId="20577"/>
+      <pc:docMkLst>
+        <pc:docMk/>
+      </pc:docMkLst>
+      <pc:sldChg chg="modSp mod">
+        <pc:chgData name="Yoder, Jason" userId="28f4d4d8-da04-4f86-b14d-a21675737bc5" providerId="ADAL" clId="{E0CAC31D-60A6-4751-B808-667D2BA6CC99}" dt="2023-09-03T17:54:07.180" v="3" actId="20577"/>
+        <pc:sldMkLst>
+          <pc:docMk/>
+          <pc:sldMk cId="0" sldId="256"/>
+        </pc:sldMkLst>
+        <pc:spChg chg="mod">
+          <ac:chgData name="Yoder, Jason" userId="28f4d4d8-da04-4f86-b14d-a21675737bc5" providerId="ADAL" clId="{E0CAC31D-60A6-4751-B808-667D2BA6CC99}" dt="2023-09-03T17:54:07.180" v="3" actId="20577"/>
+          <ac:spMkLst>
+            <pc:docMk/>
+            <pc:sldMk cId="0" sldId="256"/>
+            <ac:spMk id="3" creationId="{FA06D3A8-96ED-7423-8309-0245DBB737C2}"/>
+          </ac:spMkLst>
+        </pc:spChg>
+      </pc:sldChg>
+    </pc:docChg>
+  </pc:docChgLst>
+  <pc:docChgLst>
+    <pc:chgData name="Hennarty, Scott" userId="S::hennarsp@rose-hulman.edu::a365ec00-508c-495a-ae9c-ff7392d7b284" providerId="AD" clId="Web-{0D3EE1FC-0B8D-40E6-859A-AFEDA1F14614}"/>
+    <pc:docChg chg="modSld">
+      <pc:chgData name="Hennarty, Scott" userId="S::hennarsp@rose-hulman.edu::a365ec00-508c-495a-ae9c-ff7392d7b284" providerId="AD" clId="Web-{0D3EE1FC-0B8D-40E6-859A-AFEDA1F14614}" dt="2021-11-17T03:59:28.003" v="4" actId="14100"/>
+      <pc:docMkLst>
+        <pc:docMk/>
+      </pc:docMkLst>
+      <pc:sldChg chg="modSp">
+        <pc:chgData name="Hennarty, Scott" userId="S::hennarsp@rose-hulman.edu::a365ec00-508c-495a-ae9c-ff7392d7b284" providerId="AD" clId="Web-{0D3EE1FC-0B8D-40E6-859A-AFEDA1F14614}" dt="2021-11-17T03:59:28.003" v="4" actId="14100"/>
+        <pc:sldMkLst>
+          <pc:docMk/>
+          <pc:sldMk cId="3025574630" sldId="320"/>
+        </pc:sldMkLst>
+        <pc:spChg chg="mod">
+          <ac:chgData name="Hennarty, Scott" userId="S::hennarsp@rose-hulman.edu::a365ec00-508c-495a-ae9c-ff7392d7b284" providerId="AD" clId="Web-{0D3EE1FC-0B8D-40E6-859A-AFEDA1F14614}" dt="2021-11-17T03:59:28.003" v="4" actId="14100"/>
+          <ac:spMkLst>
+            <pc:docMk/>
+            <pc:sldMk cId="3025574630" sldId="320"/>
+            <ac:spMk id="2" creationId="{00000000-0000-0000-0000-000000000000}"/>
+          </ac:spMkLst>
+        </pc:spChg>
+      </pc:sldChg>
+    </pc:docChg>
+  </pc:docChgLst>
   <pc:docChgLst>
     <pc:chgData name="Dorsey, Cameron" userId="S::dorseycs@rose-hulman.edu::e3fdc538-7733-41a8-91e6-3ff377dfa323" providerId="AD" clId="Web-{29D5D553-C42C-4041-8BB7-F1E6BAFE8D12}"/>
     <pc:docChg chg="modSld">
@@ -232,30 +270,6 @@
       </pc:sldChg>
     </pc:docChg>
   </pc:docChgLst>
-  <pc:docChgLst>
-    <pc:chgData name="Hennarty, Scott" userId="S::hennarsp@rose-hulman.edu::a365ec00-508c-495a-ae9c-ff7392d7b284" providerId="AD" clId="Web-{0D3EE1FC-0B8D-40E6-859A-AFEDA1F14614}"/>
-    <pc:docChg chg="modSld">
-      <pc:chgData name="Hennarty, Scott" userId="S::hennarsp@rose-hulman.edu::a365ec00-508c-495a-ae9c-ff7392d7b284" providerId="AD" clId="Web-{0D3EE1FC-0B8D-40E6-859A-AFEDA1F14614}" dt="2021-11-17T03:59:28.003" v="4" actId="14100"/>
-      <pc:docMkLst>
-        <pc:docMk/>
-      </pc:docMkLst>
-      <pc:sldChg chg="modSp">
-        <pc:chgData name="Hennarty, Scott" userId="S::hennarsp@rose-hulman.edu::a365ec00-508c-495a-ae9c-ff7392d7b284" providerId="AD" clId="Web-{0D3EE1FC-0B8D-40E6-859A-AFEDA1F14614}" dt="2021-11-17T03:59:28.003" v="4" actId="14100"/>
-        <pc:sldMkLst>
-          <pc:docMk/>
-          <pc:sldMk cId="3025574630" sldId="320"/>
-        </pc:sldMkLst>
-        <pc:spChg chg="mod">
-          <ac:chgData name="Hennarty, Scott" userId="S::hennarsp@rose-hulman.edu::a365ec00-508c-495a-ae9c-ff7392d7b284" providerId="AD" clId="Web-{0D3EE1FC-0B8D-40E6-859A-AFEDA1F14614}" dt="2021-11-17T03:59:28.003" v="4" actId="14100"/>
-          <ac:spMkLst>
-            <pc:docMk/>
-            <pc:sldMk cId="3025574630" sldId="320"/>
-            <ac:spMk id="2" creationId="{00000000-0000-0000-0000-000000000000}"/>
-          </ac:spMkLst>
-        </pc:spChg>
-      </pc:sldChg>
-    </pc:docChg>
-  </pc:docChgLst>
 </pc:chgInfo>
 </file>
 
@@ -376,7 +390,7 @@
               <a:pPr>
                 <a:defRPr/>
               </a:pPr>
-              <a:t>2/7/2023</a:t>
+              <a:t>9/3/2023</a:t>
             </a:fld>
             <a:endParaRPr lang="en-US"/>
           </a:p>
@@ -611,7 +625,7 @@
               <a:pPr>
                 <a:defRPr/>
               </a:pPr>
-              <a:t>2/7/2023</a:t>
+              <a:t>9/3/2023</a:t>
             </a:fld>
             <a:endParaRPr lang="en-US"/>
           </a:p>
@@ -2432,7 +2446,7 @@
               <a:pPr>
                 <a:defRPr/>
               </a:pPr>
-              <a:t>Tuesday, February 7, 2023</a:t>
+              <a:t>Sunday, September 3, 2023</a:t>
             </a:fld>
             <a:endParaRPr lang="en-US"/>
           </a:p>
@@ -2615,7 +2629,7 @@
               <a:pPr>
                 <a:defRPr/>
               </a:pPr>
-              <a:t>Tuesday, February 7, 2023</a:t>
+              <a:t>Sunday, September 3, 2023</a:t>
             </a:fld>
             <a:endParaRPr lang="en-US"/>
           </a:p>
@@ -2808,7 +2822,7 @@
               <a:pPr>
                 <a:defRPr/>
               </a:pPr>
-              <a:t>Tuesday, February 7, 2023</a:t>
+              <a:t>Sunday, September 3, 2023</a:t>
             </a:fld>
             <a:endParaRPr lang="en-US"/>
           </a:p>
@@ -2991,7 +3005,7 @@
               <a:pPr>
                 <a:defRPr/>
               </a:pPr>
-              <a:t>Tuesday, February 7, 2023</a:t>
+              <a:t>Sunday, September 3, 2023</a:t>
             </a:fld>
             <a:endParaRPr lang="en-US"/>
           </a:p>
@@ -3251,7 +3265,7 @@
               <a:pPr>
                 <a:defRPr/>
               </a:pPr>
-              <a:t>Tuesday, February 7, 2023</a:t>
+              <a:t>Sunday, September 3, 2023</a:t>
             </a:fld>
             <a:endParaRPr lang="en-US"/>
           </a:p>
@@ -3551,7 +3565,7 @@
               <a:pPr>
                 <a:defRPr/>
               </a:pPr>
-              <a:t>Tuesday, February 7, 2023</a:t>
+              <a:t>Sunday, September 3, 2023</a:t>
             </a:fld>
             <a:endParaRPr lang="en-US"/>
           </a:p>
@@ -3985,7 +3999,7 @@
               <a:pPr>
                 <a:defRPr/>
               </a:pPr>
-              <a:t>Tuesday, February 7, 2023</a:t>
+              <a:t>Sunday, September 3, 2023</a:t>
             </a:fld>
             <a:endParaRPr lang="en-US"/>
           </a:p>
@@ -4117,7 +4131,7 @@
               <a:pPr>
                 <a:defRPr/>
               </a:pPr>
-              <a:t>Tuesday, February 7, 2023</a:t>
+              <a:t>Sunday, September 3, 2023</a:t>
             </a:fld>
             <a:endParaRPr lang="en-US"/>
           </a:p>
@@ -4227,7 +4241,7 @@
               <a:pPr>
                 <a:defRPr/>
               </a:pPr>
-              <a:t>Tuesday, February 7, 2023</a:t>
+              <a:t>Sunday, September 3, 2023</a:t>
             </a:fld>
             <a:endParaRPr lang="en-US"/>
           </a:p>
@@ -4517,7 +4531,7 @@
               <a:pPr>
                 <a:defRPr/>
               </a:pPr>
-              <a:t>Tuesday, February 7, 2023</a:t>
+              <a:t>Sunday, September 3, 2023</a:t>
             </a:fld>
             <a:endParaRPr lang="en-US"/>
           </a:p>
@@ -4784,7 +4798,7 @@
               <a:pPr>
                 <a:defRPr/>
               </a:pPr>
-              <a:t>Tuesday, February 7, 2023</a:t>
+              <a:t>Sunday, September 3, 2023</a:t>
             </a:fld>
             <a:endParaRPr lang="en-US"/>
           </a:p>
@@ -5010,7 +5024,7 @@
               <a:pPr>
                 <a:defRPr/>
               </a:pPr>
-              <a:t>Tuesday, February 7, 2023</a:t>
+              <a:t>Sunday, September 3, 2023</a:t>
             </a:fld>
             <a:endParaRPr lang="en-US"/>
           </a:p>
@@ -5608,13 +5622,18 @@
           </a:p>
           <a:p>
             <a:r>
-              <a:rPr lang="en-US" sz="4400" dirty="0">
+              <a:rPr lang="en-US" sz="4400">
                 <a:highlight>
                   <a:srgbClr val="FFFF00"/>
                 </a:highlight>
               </a:rPr>
-              <a:t>__________</a:t>
-            </a:r>
+              <a:t>bigo</a:t>
+            </a:r>
+            <a:endParaRPr lang="en-US" sz="4400" dirty="0">
+              <a:highlight>
+                <a:srgbClr val="FFFF00"/>
+              </a:highlight>
+            </a:endParaRPr>
           </a:p>
         </p:txBody>
       </p:sp>
@@ -9717,17 +9736,6 @@
 </file>
 
 <file path=customXml/item1.xml><?xml version="1.0" encoding="utf-8"?>
-<p:properties xmlns:p="http://schemas.microsoft.com/office/2006/metadata/properties" xmlns:xsi="http://www.w3.org/2001/XMLSchema-instance" xmlns:pc="http://schemas.microsoft.com/office/infopath/2007/PartnerControls">
-  <documentManagement>
-    <TaxCatchAll xmlns="820f9cb1-409d-4c4b-8197-1d4f7dd48124" xsi:nil="true"/>
-    <lcf76f155ced4ddcb4097134ff3c332f xmlns="08600313-7276-4ca7-b5d3-7d86193ee0ac">
-      <Terms xmlns="http://schemas.microsoft.com/office/infopath/2007/PartnerControls"/>
-    </lcf76f155ced4ddcb4097134ff3c332f>
-  </documentManagement>
-</p:properties>
-</file>
-
-<file path=customXml/item2.xml><?xml version="1.0" encoding="utf-8"?>
 <ct:contentTypeSchema xmlns:ct="http://schemas.microsoft.com/office/2006/metadata/contentType" xmlns:ma="http://schemas.microsoft.com/office/2006/metadata/properties/metaAttributes" ct:_="" ma:_="" ma:contentTypeName="Document" ma:contentTypeID="0x0101004285D81DBE5F5A448E892B34D6B8CF20" ma:contentTypeVersion="8" ma:contentTypeDescription="Create a new document." ma:contentTypeScope="" ma:versionID="ecce54155d2ea7caa9aed06c8b6b9867">
   <xsd:schema xmlns:xsd="http://www.w3.org/2001/XMLSchema" xmlns:xs="http://www.w3.org/2001/XMLSchema" xmlns:p="http://schemas.microsoft.com/office/2006/metadata/properties" xmlns:ns2="08600313-7276-4ca7-b5d3-7d86193ee0ac" xmlns:ns3="820f9cb1-409d-4c4b-8197-1d4f7dd48124" targetNamespace="http://schemas.microsoft.com/office/2006/metadata/properties" ma:root="true" ma:fieldsID="bfd7385540b70b2fe84ac888cc214377" ns2:_="" ns3:_="">
     <xsd:import namespace="08600313-7276-4ca7-b5d3-7d86193ee0ac"/>
@@ -9904,6 +9912,17 @@
 </ct:contentTypeSchema>
 </file>
 
+<file path=customXml/item2.xml><?xml version="1.0" encoding="utf-8"?>
+<p:properties xmlns:p="http://schemas.microsoft.com/office/2006/metadata/properties" xmlns:xsi="http://www.w3.org/2001/XMLSchema-instance" xmlns:pc="http://schemas.microsoft.com/office/infopath/2007/PartnerControls">
+  <documentManagement>
+    <TaxCatchAll xmlns="820f9cb1-409d-4c4b-8197-1d4f7dd48124" xsi:nil="true"/>
+    <lcf76f155ced4ddcb4097134ff3c332f xmlns="08600313-7276-4ca7-b5d3-7d86193ee0ac">
+      <Terms xmlns="http://schemas.microsoft.com/office/infopath/2007/PartnerControls"/>
+    </lcf76f155ced4ddcb4097134ff3c332f>
+  </documentManagement>
+</p:properties>
+</file>
+
 <file path=customXml/item3.xml><?xml version="1.0" encoding="utf-8"?>
 <?mso-contentType ?>
 <FormTemplates xmlns="http://schemas.microsoft.com/sharepoint/v3/contenttype/forms">
@@ -9914,17 +9933,6 @@
 </file>
 
 <file path=customXml/itemProps1.xml><?xml version="1.0" encoding="utf-8"?>
-<ds:datastoreItem xmlns:ds="http://schemas.openxmlformats.org/officeDocument/2006/customXml" ds:itemID="{C3D75956-5F37-4DA5-A33F-2343D2D10E6D}">
-  <ds:schemaRefs>
-    <ds:schemaRef ds:uri="http://schemas.microsoft.com/office/2006/metadata/properties"/>
-    <ds:schemaRef ds:uri="http://schemas.microsoft.com/office/infopath/2007/PartnerControls"/>
-    <ds:schemaRef ds:uri="820f9cb1-409d-4c4b-8197-1d4f7dd48124"/>
-    <ds:schemaRef ds:uri="08600313-7276-4ca7-b5d3-7d86193ee0ac"/>
-  </ds:schemaRefs>
-</ds:datastoreItem>
-</file>
-
-<file path=customXml/itemProps2.xml><?xml version="1.0" encoding="utf-8"?>
 <ds:datastoreItem xmlns:ds="http://schemas.openxmlformats.org/officeDocument/2006/customXml" ds:itemID="{90660FB9-6ABA-42D4-BFF1-B348CA6E0487}">
   <ds:schemaRefs>
     <ds:schemaRef ds:uri="http://schemas.microsoft.com/office/2006/metadata/contentType"/>
@@ -9943,6 +9951,17 @@
 </ds:datastoreItem>
 </file>
 
+<file path=customXml/itemProps2.xml><?xml version="1.0" encoding="utf-8"?>
+<ds:datastoreItem xmlns:ds="http://schemas.openxmlformats.org/officeDocument/2006/customXml" ds:itemID="{C3D75956-5F37-4DA5-A33F-2343D2D10E6D}">
+  <ds:schemaRefs>
+    <ds:schemaRef ds:uri="http://schemas.microsoft.com/office/2006/metadata/properties"/>
+    <ds:schemaRef ds:uri="http://schemas.microsoft.com/office/infopath/2007/PartnerControls"/>
+    <ds:schemaRef ds:uri="820f9cb1-409d-4c4b-8197-1d4f7dd48124"/>
+    <ds:schemaRef ds:uri="08600313-7276-4ca7-b5d3-7d86193ee0ac"/>
+  </ds:schemaRefs>
+</ds:datastoreItem>
+</file>
+
 <file path=customXml/itemProps3.xml><?xml version="1.0" encoding="utf-8"?>
 <ds:datastoreItem xmlns:ds="http://schemas.openxmlformats.org/officeDocument/2006/customXml" ds:itemID="{98DCB3DE-F7C6-4785-A90F-6E90B1E66F77}">
   <ds:schemaRefs>

--- a/ClassMaterials/LinkedLists/Slides/Part2-BigO.pptx
+++ b/ClassMaterials/LinkedLists/Slides/Part2-BigO.pptx
@@ -172,56 +172,18 @@
 </p:presentation>
 </file>
 
+<file path=ppt/revisionInfo.xml><?xml version="1.0" encoding="utf-8"?>
+<p1510:revInfo xmlns:a="http://schemas.openxmlformats.org/drawingml/2006/main" xmlns:r="http://schemas.openxmlformats.org/officeDocument/2006/relationships" xmlns:p1510="http://schemas.microsoft.com/office/powerpoint/2015/10/main">
+  <p1510:revLst>
+    <p1510:client id="{0D3EE1FC-0B8D-40E6-859A-AFEDA1F14614}" v="5" dt="2021-11-17T03:59:28.003"/>
+    <p1510:client id="{29D5D553-C42C-4041-8BB7-F1E6BAFE8D12}" v="2" dt="2021-11-02T12:25:50.238"/>
+    <p1510:client id="{3082B386-A943-42BE-8EE5-2C5B84113876}" v="1" dt="2021-11-02T12:02:33.003"/>
+  </p1510:revLst>
+</p1510:revInfo>
+</file>
+
 <file path=ppt/changesInfos/changesInfo1.xml><?xml version="1.0" encoding="utf-8"?>
 <pc:chgInfo xmlns:a="http://schemas.openxmlformats.org/drawingml/2006/main" xmlns:r="http://schemas.openxmlformats.org/officeDocument/2006/relationships" xmlns:ac="http://schemas.microsoft.com/office/drawing/2013/main/command" xmlns:pc="http://schemas.microsoft.com/office/powerpoint/2013/main/command">
-  <pc:docChgLst>
-    <pc:chgData name="Yoder, Jason" userId="28f4d4d8-da04-4f86-b14d-a21675737bc5" providerId="ADAL" clId="{E0CAC31D-60A6-4751-B808-667D2BA6CC99}"/>
-    <pc:docChg chg="modSld">
-      <pc:chgData name="Yoder, Jason" userId="28f4d4d8-da04-4f86-b14d-a21675737bc5" providerId="ADAL" clId="{E0CAC31D-60A6-4751-B808-667D2BA6CC99}" dt="2023-09-03T17:54:07.180" v="3" actId="20577"/>
-      <pc:docMkLst>
-        <pc:docMk/>
-      </pc:docMkLst>
-      <pc:sldChg chg="modSp mod">
-        <pc:chgData name="Yoder, Jason" userId="28f4d4d8-da04-4f86-b14d-a21675737bc5" providerId="ADAL" clId="{E0CAC31D-60A6-4751-B808-667D2BA6CC99}" dt="2023-09-03T17:54:07.180" v="3" actId="20577"/>
-        <pc:sldMkLst>
-          <pc:docMk/>
-          <pc:sldMk cId="0" sldId="256"/>
-        </pc:sldMkLst>
-        <pc:spChg chg="mod">
-          <ac:chgData name="Yoder, Jason" userId="28f4d4d8-da04-4f86-b14d-a21675737bc5" providerId="ADAL" clId="{E0CAC31D-60A6-4751-B808-667D2BA6CC99}" dt="2023-09-03T17:54:07.180" v="3" actId="20577"/>
-          <ac:spMkLst>
-            <pc:docMk/>
-            <pc:sldMk cId="0" sldId="256"/>
-            <ac:spMk id="3" creationId="{FA06D3A8-96ED-7423-8309-0245DBB737C2}"/>
-          </ac:spMkLst>
-        </pc:spChg>
-      </pc:sldChg>
-    </pc:docChg>
-  </pc:docChgLst>
-  <pc:docChgLst>
-    <pc:chgData name="Hennarty, Scott" userId="S::hennarsp@rose-hulman.edu::a365ec00-508c-495a-ae9c-ff7392d7b284" providerId="AD" clId="Web-{0D3EE1FC-0B8D-40E6-859A-AFEDA1F14614}"/>
-    <pc:docChg chg="modSld">
-      <pc:chgData name="Hennarty, Scott" userId="S::hennarsp@rose-hulman.edu::a365ec00-508c-495a-ae9c-ff7392d7b284" providerId="AD" clId="Web-{0D3EE1FC-0B8D-40E6-859A-AFEDA1F14614}" dt="2021-11-17T03:59:28.003" v="4" actId="14100"/>
-      <pc:docMkLst>
-        <pc:docMk/>
-      </pc:docMkLst>
-      <pc:sldChg chg="modSp">
-        <pc:chgData name="Hennarty, Scott" userId="S::hennarsp@rose-hulman.edu::a365ec00-508c-495a-ae9c-ff7392d7b284" providerId="AD" clId="Web-{0D3EE1FC-0B8D-40E6-859A-AFEDA1F14614}" dt="2021-11-17T03:59:28.003" v="4" actId="14100"/>
-        <pc:sldMkLst>
-          <pc:docMk/>
-          <pc:sldMk cId="3025574630" sldId="320"/>
-        </pc:sldMkLst>
-        <pc:spChg chg="mod">
-          <ac:chgData name="Hennarty, Scott" userId="S::hennarsp@rose-hulman.edu::a365ec00-508c-495a-ae9c-ff7392d7b284" providerId="AD" clId="Web-{0D3EE1FC-0B8D-40E6-859A-AFEDA1F14614}" dt="2021-11-17T03:59:28.003" v="4" actId="14100"/>
-          <ac:spMkLst>
-            <pc:docMk/>
-            <pc:sldMk cId="3025574630" sldId="320"/>
-            <ac:spMk id="2" creationId="{00000000-0000-0000-0000-000000000000}"/>
-          </ac:spMkLst>
-        </pc:spChg>
-      </pc:sldChg>
-    </pc:docChg>
-  </pc:docChgLst>
   <pc:docChgLst>
     <pc:chgData name="Dorsey, Cameron" userId="S::dorseycs@rose-hulman.edu::e3fdc538-7733-41a8-91e6-3ff377dfa323" providerId="AD" clId="Web-{29D5D553-C42C-4041-8BB7-F1E6BAFE8D12}"/>
     <pc:docChg chg="modSld">
@@ -270,6 +232,30 @@
       </pc:sldChg>
     </pc:docChg>
   </pc:docChgLst>
+  <pc:docChgLst>
+    <pc:chgData name="Hennarty, Scott" userId="S::hennarsp@rose-hulman.edu::a365ec00-508c-495a-ae9c-ff7392d7b284" providerId="AD" clId="Web-{0D3EE1FC-0B8D-40E6-859A-AFEDA1F14614}"/>
+    <pc:docChg chg="modSld">
+      <pc:chgData name="Hennarty, Scott" userId="S::hennarsp@rose-hulman.edu::a365ec00-508c-495a-ae9c-ff7392d7b284" providerId="AD" clId="Web-{0D3EE1FC-0B8D-40E6-859A-AFEDA1F14614}" dt="2021-11-17T03:59:28.003" v="4" actId="14100"/>
+      <pc:docMkLst>
+        <pc:docMk/>
+      </pc:docMkLst>
+      <pc:sldChg chg="modSp">
+        <pc:chgData name="Hennarty, Scott" userId="S::hennarsp@rose-hulman.edu::a365ec00-508c-495a-ae9c-ff7392d7b284" providerId="AD" clId="Web-{0D3EE1FC-0B8D-40E6-859A-AFEDA1F14614}" dt="2021-11-17T03:59:28.003" v="4" actId="14100"/>
+        <pc:sldMkLst>
+          <pc:docMk/>
+          <pc:sldMk cId="3025574630" sldId="320"/>
+        </pc:sldMkLst>
+        <pc:spChg chg="mod">
+          <ac:chgData name="Hennarty, Scott" userId="S::hennarsp@rose-hulman.edu::a365ec00-508c-495a-ae9c-ff7392d7b284" providerId="AD" clId="Web-{0D3EE1FC-0B8D-40E6-859A-AFEDA1F14614}" dt="2021-11-17T03:59:28.003" v="4" actId="14100"/>
+          <ac:spMkLst>
+            <pc:docMk/>
+            <pc:sldMk cId="3025574630" sldId="320"/>
+            <ac:spMk id="2" creationId="{00000000-0000-0000-0000-000000000000}"/>
+          </ac:spMkLst>
+        </pc:spChg>
+      </pc:sldChg>
+    </pc:docChg>
+  </pc:docChgLst>
 </pc:chgInfo>
 </file>
 
@@ -390,7 +376,7 @@
               <a:pPr>
                 <a:defRPr/>
               </a:pPr>
-              <a:t>9/3/2023</a:t>
+              <a:t>2/7/2023</a:t>
             </a:fld>
             <a:endParaRPr lang="en-US"/>
           </a:p>
@@ -625,7 +611,7 @@
               <a:pPr>
                 <a:defRPr/>
               </a:pPr>
-              <a:t>9/3/2023</a:t>
+              <a:t>2/7/2023</a:t>
             </a:fld>
             <a:endParaRPr lang="en-US"/>
           </a:p>
@@ -2446,7 +2432,7 @@
               <a:pPr>
                 <a:defRPr/>
               </a:pPr>
-              <a:t>Sunday, September 3, 2023</a:t>
+              <a:t>Tuesday, February 7, 2023</a:t>
             </a:fld>
             <a:endParaRPr lang="en-US"/>
           </a:p>
@@ -2629,7 +2615,7 @@
               <a:pPr>
                 <a:defRPr/>
               </a:pPr>
-              <a:t>Sunday, September 3, 2023</a:t>
+              <a:t>Tuesday, February 7, 2023</a:t>
             </a:fld>
             <a:endParaRPr lang="en-US"/>
           </a:p>
@@ -2822,7 +2808,7 @@
               <a:pPr>
                 <a:defRPr/>
               </a:pPr>
-              <a:t>Sunday, September 3, 2023</a:t>
+              <a:t>Tuesday, February 7, 2023</a:t>
             </a:fld>
             <a:endParaRPr lang="en-US"/>
           </a:p>
@@ -3005,7 +2991,7 @@
               <a:pPr>
                 <a:defRPr/>
               </a:pPr>
-              <a:t>Sunday, September 3, 2023</a:t>
+              <a:t>Tuesday, February 7, 2023</a:t>
             </a:fld>
             <a:endParaRPr lang="en-US"/>
           </a:p>
@@ -3265,7 +3251,7 @@
               <a:pPr>
                 <a:defRPr/>
               </a:pPr>
-              <a:t>Sunday, September 3, 2023</a:t>
+              <a:t>Tuesday, February 7, 2023</a:t>
             </a:fld>
             <a:endParaRPr lang="en-US"/>
           </a:p>
@@ -3565,7 +3551,7 @@
               <a:pPr>
                 <a:defRPr/>
               </a:pPr>
-              <a:t>Sunday, September 3, 2023</a:t>
+              <a:t>Tuesday, February 7, 2023</a:t>
             </a:fld>
             <a:endParaRPr lang="en-US"/>
           </a:p>
@@ -3999,7 +3985,7 @@
               <a:pPr>
                 <a:defRPr/>
               </a:pPr>
-              <a:t>Sunday, September 3, 2023</a:t>
+              <a:t>Tuesday, February 7, 2023</a:t>
             </a:fld>
             <a:endParaRPr lang="en-US"/>
           </a:p>
@@ -4131,7 +4117,7 @@
               <a:pPr>
                 <a:defRPr/>
               </a:pPr>
-              <a:t>Sunday, September 3, 2023</a:t>
+              <a:t>Tuesday, February 7, 2023</a:t>
             </a:fld>
             <a:endParaRPr lang="en-US"/>
           </a:p>
@@ -4241,7 +4227,7 @@
               <a:pPr>
                 <a:defRPr/>
               </a:pPr>
-              <a:t>Sunday, September 3, 2023</a:t>
+              <a:t>Tuesday, February 7, 2023</a:t>
             </a:fld>
             <a:endParaRPr lang="en-US"/>
           </a:p>
@@ -4531,7 +4517,7 @@
               <a:pPr>
                 <a:defRPr/>
               </a:pPr>
-              <a:t>Sunday, September 3, 2023</a:t>
+              <a:t>Tuesday, February 7, 2023</a:t>
             </a:fld>
             <a:endParaRPr lang="en-US"/>
           </a:p>
@@ -4798,7 +4784,7 @@
               <a:pPr>
                 <a:defRPr/>
               </a:pPr>
-              <a:t>Sunday, September 3, 2023</a:t>
+              <a:t>Tuesday, February 7, 2023</a:t>
             </a:fld>
             <a:endParaRPr lang="en-US"/>
           </a:p>
@@ -5024,7 +5010,7 @@
               <a:pPr>
                 <a:defRPr/>
               </a:pPr>
-              <a:t>Sunday, September 3, 2023</a:t>
+              <a:t>Tuesday, February 7, 2023</a:t>
             </a:fld>
             <a:endParaRPr lang="en-US"/>
           </a:p>
@@ -5622,18 +5608,13 @@
           </a:p>
           <a:p>
             <a:r>
-              <a:rPr lang="en-US" sz="4400">
+              <a:rPr lang="en-US" sz="4400" dirty="0">
                 <a:highlight>
                   <a:srgbClr val="FFFF00"/>
                 </a:highlight>
               </a:rPr>
-              <a:t>bigo</a:t>
-            </a:r>
-            <a:endParaRPr lang="en-US" sz="4400" dirty="0">
-              <a:highlight>
-                <a:srgbClr val="FFFF00"/>
-              </a:highlight>
-            </a:endParaRPr>
+              <a:t>__________</a:t>
+            </a:r>
           </a:p>
         </p:txBody>
       </p:sp>
@@ -9736,6 +9717,17 @@
 </file>
 
 <file path=customXml/item1.xml><?xml version="1.0" encoding="utf-8"?>
+<p:properties xmlns:p="http://schemas.microsoft.com/office/2006/metadata/properties" xmlns:xsi="http://www.w3.org/2001/XMLSchema-instance" xmlns:pc="http://schemas.microsoft.com/office/infopath/2007/PartnerControls">
+  <documentManagement>
+    <TaxCatchAll xmlns="820f9cb1-409d-4c4b-8197-1d4f7dd48124" xsi:nil="true"/>
+    <lcf76f155ced4ddcb4097134ff3c332f xmlns="08600313-7276-4ca7-b5d3-7d86193ee0ac">
+      <Terms xmlns="http://schemas.microsoft.com/office/infopath/2007/PartnerControls"/>
+    </lcf76f155ced4ddcb4097134ff3c332f>
+  </documentManagement>
+</p:properties>
+</file>
+
+<file path=customXml/item2.xml><?xml version="1.0" encoding="utf-8"?>
 <ct:contentTypeSchema xmlns:ct="http://schemas.microsoft.com/office/2006/metadata/contentType" xmlns:ma="http://schemas.microsoft.com/office/2006/metadata/properties/metaAttributes" ct:_="" ma:_="" ma:contentTypeName="Document" ma:contentTypeID="0x0101004285D81DBE5F5A448E892B34D6B8CF20" ma:contentTypeVersion="8" ma:contentTypeDescription="Create a new document." ma:contentTypeScope="" ma:versionID="ecce54155d2ea7caa9aed06c8b6b9867">
   <xsd:schema xmlns:xsd="http://www.w3.org/2001/XMLSchema" xmlns:xs="http://www.w3.org/2001/XMLSchema" xmlns:p="http://schemas.microsoft.com/office/2006/metadata/properties" xmlns:ns2="08600313-7276-4ca7-b5d3-7d86193ee0ac" xmlns:ns3="820f9cb1-409d-4c4b-8197-1d4f7dd48124" targetNamespace="http://schemas.microsoft.com/office/2006/metadata/properties" ma:root="true" ma:fieldsID="bfd7385540b70b2fe84ac888cc214377" ns2:_="" ns3:_="">
     <xsd:import namespace="08600313-7276-4ca7-b5d3-7d86193ee0ac"/>
@@ -9912,17 +9904,6 @@
 </ct:contentTypeSchema>
 </file>
 
-<file path=customXml/item2.xml><?xml version="1.0" encoding="utf-8"?>
-<p:properties xmlns:p="http://schemas.microsoft.com/office/2006/metadata/properties" xmlns:xsi="http://www.w3.org/2001/XMLSchema-instance" xmlns:pc="http://schemas.microsoft.com/office/infopath/2007/PartnerControls">
-  <documentManagement>
-    <TaxCatchAll xmlns="820f9cb1-409d-4c4b-8197-1d4f7dd48124" xsi:nil="true"/>
-    <lcf76f155ced4ddcb4097134ff3c332f xmlns="08600313-7276-4ca7-b5d3-7d86193ee0ac">
-      <Terms xmlns="http://schemas.microsoft.com/office/infopath/2007/PartnerControls"/>
-    </lcf76f155ced4ddcb4097134ff3c332f>
-  </documentManagement>
-</p:properties>
-</file>
-
 <file path=customXml/item3.xml><?xml version="1.0" encoding="utf-8"?>
 <?mso-contentType ?>
 <FormTemplates xmlns="http://schemas.microsoft.com/sharepoint/v3/contenttype/forms">
@@ -9933,6 +9914,17 @@
 </file>
 
 <file path=customXml/itemProps1.xml><?xml version="1.0" encoding="utf-8"?>
+<ds:datastoreItem xmlns:ds="http://schemas.openxmlformats.org/officeDocument/2006/customXml" ds:itemID="{C3D75956-5F37-4DA5-A33F-2343D2D10E6D}">
+  <ds:schemaRefs>
+    <ds:schemaRef ds:uri="http://schemas.microsoft.com/office/2006/metadata/properties"/>
+    <ds:schemaRef ds:uri="http://schemas.microsoft.com/office/infopath/2007/PartnerControls"/>
+    <ds:schemaRef ds:uri="820f9cb1-409d-4c4b-8197-1d4f7dd48124"/>
+    <ds:schemaRef ds:uri="08600313-7276-4ca7-b5d3-7d86193ee0ac"/>
+  </ds:schemaRefs>
+</ds:datastoreItem>
+</file>
+
+<file path=customXml/itemProps2.xml><?xml version="1.0" encoding="utf-8"?>
 <ds:datastoreItem xmlns:ds="http://schemas.openxmlformats.org/officeDocument/2006/customXml" ds:itemID="{90660FB9-6ABA-42D4-BFF1-B348CA6E0487}">
   <ds:schemaRefs>
     <ds:schemaRef ds:uri="http://schemas.microsoft.com/office/2006/metadata/contentType"/>
@@ -9951,17 +9943,6 @@
 </ds:datastoreItem>
 </file>
 
-<file path=customXml/itemProps2.xml><?xml version="1.0" encoding="utf-8"?>
-<ds:datastoreItem xmlns:ds="http://schemas.openxmlformats.org/officeDocument/2006/customXml" ds:itemID="{C3D75956-5F37-4DA5-A33F-2343D2D10E6D}">
-  <ds:schemaRefs>
-    <ds:schemaRef ds:uri="http://schemas.microsoft.com/office/2006/metadata/properties"/>
-    <ds:schemaRef ds:uri="http://schemas.microsoft.com/office/infopath/2007/PartnerControls"/>
-    <ds:schemaRef ds:uri="820f9cb1-409d-4c4b-8197-1d4f7dd48124"/>
-    <ds:schemaRef ds:uri="08600313-7276-4ca7-b5d3-7d86193ee0ac"/>
-  </ds:schemaRefs>
-</ds:datastoreItem>
-</file>
-
 <file path=customXml/itemProps3.xml><?xml version="1.0" encoding="utf-8"?>
 <ds:datastoreItem xmlns:ds="http://schemas.openxmlformats.org/officeDocument/2006/customXml" ds:itemID="{98DCB3DE-F7C6-4785-A90F-6E90B1E66F77}">
   <ds:schemaRefs>
